--- a/tutorials/presentations/Lecture2.pptx
+++ b/tutorials/presentations/Lecture2.pptx
@@ -8,10 +8,11 @@
     <p:sldId id="256" r:id="rId2"/>
     <p:sldId id="257" r:id="rId3"/>
     <p:sldId id="258" r:id="rId4"/>
-    <p:sldId id="265" r:id="rId5"/>
-    <p:sldId id="266" r:id="rId6"/>
-    <p:sldId id="261" r:id="rId7"/>
-    <p:sldId id="263" r:id="rId8"/>
+    <p:sldId id="266" r:id="rId5"/>
+    <p:sldId id="261" r:id="rId6"/>
+    <p:sldId id="267" r:id="rId7"/>
+    <p:sldId id="265" r:id="rId8"/>
+    <p:sldId id="263" r:id="rId9"/>
   </p:sldIdLst>
   <p:sldSz cx="12192000" cy="6858000"/>
   <p:notesSz cx="6858000" cy="9144000"/>
@@ -121,8 +122,7 @@
 <file path=ppt/revisionInfo.xml><?xml version="1.0" encoding="utf-8"?>
 <p1510:revInfo xmlns:a="http://schemas.openxmlformats.org/drawingml/2006/main" xmlns:r="http://schemas.openxmlformats.org/officeDocument/2006/relationships" xmlns:p1510="http://schemas.microsoft.com/office/powerpoint/2015/10/main">
   <p1510:revLst>
-    <p1510:client id="{2A4F3FF4-B48F-4BF2-8996-C16EAC4E46EE}" v="13" dt="2025-06-10T11:43:19.964"/>
-    <p1510:client id="{78C1D944-C5E2-4D33-BE3A-5C243E175D98}" v="22" dt="2025-06-10T10:39:16.928"/>
+    <p1510:client id="{2A4F3FF4-B48F-4BF2-8996-C16EAC4E46EE}" v="14" dt="2025-06-11T10:49:15.138"/>
   </p1510:revLst>
 </p1510:revInfo>
 </file>
@@ -131,8 +131,8 @@
 <pc:chgInfo xmlns:a="http://schemas.openxmlformats.org/drawingml/2006/main" xmlns:r="http://schemas.openxmlformats.org/officeDocument/2006/relationships" xmlns:ac="http://schemas.microsoft.com/office/drawing/2013/main/command" xmlns:pc="http://schemas.microsoft.com/office/powerpoint/2013/main/command">
   <pc:docChgLst>
     <pc:chgData name="Ben Jones (Ben Jones)" userId="e6e8a0f3-34fe-4d14-b7ab-3a9f1769fff2" providerId="ADAL" clId="{2A4F3FF4-B48F-4BF2-8996-C16EAC4E46EE}"/>
-    <pc:docChg chg="undo custSel addSld delSld modSld">
-      <pc:chgData name="Ben Jones (Ben Jones)" userId="e6e8a0f3-34fe-4d14-b7ab-3a9f1769fff2" providerId="ADAL" clId="{2A4F3FF4-B48F-4BF2-8996-C16EAC4E46EE}" dt="2025-06-10T11:45:41.355" v="438" actId="6549"/>
+    <pc:docChg chg="undo custSel addSld delSld modSld sldOrd">
+      <pc:chgData name="Ben Jones (Ben Jones)" userId="e6e8a0f3-34fe-4d14-b7ab-3a9f1769fff2" providerId="ADAL" clId="{2A4F3FF4-B48F-4BF2-8996-C16EAC4E46EE}" dt="2025-06-11T10:50:10.142" v="509" actId="20577"/>
       <pc:docMkLst>
         <pc:docMk/>
       </pc:docMkLst>
@@ -166,14 +166,14 @@
           </ac:spMkLst>
         </pc:spChg>
       </pc:sldChg>
-      <pc:sldChg chg="modSp">
-        <pc:chgData name="Ben Jones (Ben Jones)" userId="e6e8a0f3-34fe-4d14-b7ab-3a9f1769fff2" providerId="ADAL" clId="{2A4F3FF4-B48F-4BF2-8996-C16EAC4E46EE}" dt="2025-06-10T10:43:24.905" v="0"/>
+      <pc:sldChg chg="modSp mod">
+        <pc:chgData name="Ben Jones (Ben Jones)" userId="e6e8a0f3-34fe-4d14-b7ab-3a9f1769fff2" providerId="ADAL" clId="{2A4F3FF4-B48F-4BF2-8996-C16EAC4E46EE}" dt="2025-06-11T10:50:10.142" v="509" actId="20577"/>
         <pc:sldMkLst>
           <pc:docMk/>
           <pc:sldMk cId="3635014069" sldId="258"/>
         </pc:sldMkLst>
         <pc:spChg chg="mod">
-          <ac:chgData name="Ben Jones (Ben Jones)" userId="e6e8a0f3-34fe-4d14-b7ab-3a9f1769fff2" providerId="ADAL" clId="{2A4F3FF4-B48F-4BF2-8996-C16EAC4E46EE}" dt="2025-06-10T10:43:24.905" v="0"/>
+          <ac:chgData name="Ben Jones (Ben Jones)" userId="e6e8a0f3-34fe-4d14-b7ab-3a9f1769fff2" providerId="ADAL" clId="{2A4F3FF4-B48F-4BF2-8996-C16EAC4E46EE}" dt="2025-06-11T10:50:10.142" v="509" actId="20577"/>
           <ac:spMkLst>
             <pc:docMk/>
             <pc:sldMk cId="3635014069" sldId="258"/>
@@ -279,8 +279,8 @@
           <pc:sldMk cId="549990195" sldId="264"/>
         </pc:sldMkLst>
       </pc:sldChg>
-      <pc:sldChg chg="addSp delSp modSp new mod modClrScheme chgLayout">
-        <pc:chgData name="Ben Jones (Ben Jones)" userId="e6e8a0f3-34fe-4d14-b7ab-3a9f1769fff2" providerId="ADAL" clId="{2A4F3FF4-B48F-4BF2-8996-C16EAC4E46EE}" dt="2025-06-10T11:12:14.588" v="58" actId="113"/>
+      <pc:sldChg chg="addSp delSp modSp new add del mod ord modClrScheme chgLayout">
+        <pc:chgData name="Ben Jones (Ben Jones)" userId="e6e8a0f3-34fe-4d14-b7ab-3a9f1769fff2" providerId="ADAL" clId="{2A4F3FF4-B48F-4BF2-8996-C16EAC4E46EE}" dt="2025-06-11T10:49:26.701" v="447"/>
         <pc:sldMkLst>
           <pc:docMk/>
           <pc:sldMk cId="2546578239" sldId="265"/>
@@ -372,6 +372,13 @@
             <ac:spMk id="6" creationId="{95A9DC49-463E-4EFF-BD3E-E4AEF9DAF757}"/>
           </ac:spMkLst>
         </pc:spChg>
+      </pc:sldChg>
+      <pc:sldChg chg="add ord">
+        <pc:chgData name="Ben Jones (Ben Jones)" userId="e6e8a0f3-34fe-4d14-b7ab-3a9f1769fff2" providerId="ADAL" clId="{2A4F3FF4-B48F-4BF2-8996-C16EAC4E46EE}" dt="2025-06-11T10:49:25.624" v="445"/>
+        <pc:sldMkLst>
+          <pc:docMk/>
+          <pc:sldMk cId="3160910607" sldId="267"/>
+        </pc:sldMkLst>
       </pc:sldChg>
     </pc:docChg>
   </pc:docChgLst>
@@ -1043,7 +1050,7 @@
           <a:p>
             <a:fld id="{1D30A4DD-26E1-4754-8784-A5449317D6AC}" type="datetimeFigureOut">
               <a:rPr lang="en-AU" smtClean="0"/>
-              <a:t>10/06/2025</a:t>
+              <a:t>11/06/2025</a:t>
             </a:fld>
             <a:endParaRPr lang="en-AU"/>
           </a:p>
@@ -1243,7 +1250,7 @@
           <a:p>
             <a:fld id="{1D30A4DD-26E1-4754-8784-A5449317D6AC}" type="datetimeFigureOut">
               <a:rPr lang="en-AU" smtClean="0"/>
-              <a:t>10/06/2025</a:t>
+              <a:t>11/06/2025</a:t>
             </a:fld>
             <a:endParaRPr lang="en-AU"/>
           </a:p>
@@ -1453,7 +1460,7 @@
           <a:p>
             <a:fld id="{1D30A4DD-26E1-4754-8784-A5449317D6AC}" type="datetimeFigureOut">
               <a:rPr lang="en-AU" smtClean="0"/>
-              <a:t>10/06/2025</a:t>
+              <a:t>11/06/2025</a:t>
             </a:fld>
             <a:endParaRPr lang="en-AU"/>
           </a:p>
@@ -1653,7 +1660,7 @@
           <a:p>
             <a:fld id="{1D30A4DD-26E1-4754-8784-A5449317D6AC}" type="datetimeFigureOut">
               <a:rPr lang="en-AU" smtClean="0"/>
-              <a:t>10/06/2025</a:t>
+              <a:t>11/06/2025</a:t>
             </a:fld>
             <a:endParaRPr lang="en-AU"/>
           </a:p>
@@ -1929,7 +1936,7 @@
           <a:p>
             <a:fld id="{1D30A4DD-26E1-4754-8784-A5449317D6AC}" type="datetimeFigureOut">
               <a:rPr lang="en-AU" smtClean="0"/>
-              <a:t>10/06/2025</a:t>
+              <a:t>11/06/2025</a:t>
             </a:fld>
             <a:endParaRPr lang="en-AU"/>
           </a:p>
@@ -2197,7 +2204,7 @@
           <a:p>
             <a:fld id="{1D30A4DD-26E1-4754-8784-A5449317D6AC}" type="datetimeFigureOut">
               <a:rPr lang="en-AU" smtClean="0"/>
-              <a:t>10/06/2025</a:t>
+              <a:t>11/06/2025</a:t>
             </a:fld>
             <a:endParaRPr lang="en-AU"/>
           </a:p>
@@ -2612,7 +2619,7 @@
           <a:p>
             <a:fld id="{1D30A4DD-26E1-4754-8784-A5449317D6AC}" type="datetimeFigureOut">
               <a:rPr lang="en-AU" smtClean="0"/>
-              <a:t>10/06/2025</a:t>
+              <a:t>11/06/2025</a:t>
             </a:fld>
             <a:endParaRPr lang="en-AU"/>
           </a:p>
@@ -2754,7 +2761,7 @@
           <a:p>
             <a:fld id="{1D30A4DD-26E1-4754-8784-A5449317D6AC}" type="datetimeFigureOut">
               <a:rPr lang="en-AU" smtClean="0"/>
-              <a:t>10/06/2025</a:t>
+              <a:t>11/06/2025</a:t>
             </a:fld>
             <a:endParaRPr lang="en-AU"/>
           </a:p>
@@ -2867,7 +2874,7 @@
           <a:p>
             <a:fld id="{1D30A4DD-26E1-4754-8784-A5449317D6AC}" type="datetimeFigureOut">
               <a:rPr lang="en-AU" smtClean="0"/>
-              <a:t>10/06/2025</a:t>
+              <a:t>11/06/2025</a:t>
             </a:fld>
             <a:endParaRPr lang="en-AU"/>
           </a:p>
@@ -3180,7 +3187,7 @@
           <a:p>
             <a:fld id="{1D30A4DD-26E1-4754-8784-A5449317D6AC}" type="datetimeFigureOut">
               <a:rPr lang="en-AU" smtClean="0"/>
-              <a:t>10/06/2025</a:t>
+              <a:t>11/06/2025</a:t>
             </a:fld>
             <a:endParaRPr lang="en-AU"/>
           </a:p>
@@ -3469,7 +3476,7 @@
           <a:p>
             <a:fld id="{1D30A4DD-26E1-4754-8784-A5449317D6AC}" type="datetimeFigureOut">
               <a:rPr lang="en-AU" smtClean="0"/>
-              <a:t>10/06/2025</a:t>
+              <a:t>11/06/2025</a:t>
             </a:fld>
             <a:endParaRPr lang="en-AU"/>
           </a:p>
@@ -3712,7 +3719,7 @@
           <a:p>
             <a:fld id="{1D30A4DD-26E1-4754-8784-A5449317D6AC}" type="datetimeFigureOut">
               <a:rPr lang="en-AU" smtClean="0"/>
-              <a:t>10/06/2025</a:t>
+              <a:t>11/06/2025</a:t>
             </a:fld>
             <a:endParaRPr lang="en-AU"/>
           </a:p>
@@ -4599,12 +4606,6 @@
           <a:p>
             <a:r>
               <a:rPr lang="en-AU" dirty="0"/>
-              <a:t>UML (Unified Modelling Language)</a:t>
-            </a:r>
-          </a:p>
-          <a:p>
-            <a:r>
-              <a:rPr lang="en-AU" dirty="0"/>
               <a:t>Overriding Polymorphism</a:t>
             </a:r>
           </a:p>
@@ -4617,8 +4618,21 @@
           <a:p>
             <a:r>
               <a:rPr lang="en-AU" dirty="0"/>
+              <a:t>Setters &amp; Getters</a:t>
+            </a:r>
+          </a:p>
+          <a:p>
+            <a:r>
+              <a:rPr lang="en-AU" dirty="0"/>
+              <a:t>Encapsulation</a:t>
+            </a:r>
+          </a:p>
+          <a:p>
+            <a:r>
+              <a:rPr lang="en-AU"/>
               <a:t>Overloading Polymorphism</a:t>
             </a:r>
+            <a:endParaRPr lang="en-AU" dirty="0"/>
           </a:p>
         </p:txBody>
       </p:sp>
@@ -4654,10 +4668,10 @@
       </p:grpSpPr>
       <p:sp>
         <p:nvSpPr>
-          <p:cNvPr id="2" name="Title 1">
-            <a:extLst>
-              <a:ext uri="{FF2B5EF4-FFF2-40B4-BE49-F238E27FC236}">
-                <a16:creationId xmlns:a16="http://schemas.microsoft.com/office/drawing/2014/main" id="{698432A2-2D2E-3F70-F830-5A67ED205318}"/>
+          <p:cNvPr id="5" name="Title 4">
+            <a:extLst>
+              <a:ext uri="{FF2B5EF4-FFF2-40B4-BE49-F238E27FC236}">
+                <a16:creationId xmlns:a16="http://schemas.microsoft.com/office/drawing/2014/main" id="{96EBD5BC-A418-B3D5-F3BE-15BADC7685D9}"/>
               </a:ext>
             </a:extLst>
           </p:cNvPr>
@@ -4675,108 +4689,78 @@
           <a:p>
             <a:r>
               <a:rPr lang="en-AU" dirty="0"/>
-              <a:t>UML</a:t>
-            </a:r>
-          </a:p>
-        </p:txBody>
-      </p:sp>
-      <p:pic>
-        <p:nvPicPr>
-          <p:cNvPr id="7" name="Content Placeholder 6">
-            <a:extLst>
-              <a:ext uri="{FF2B5EF4-FFF2-40B4-BE49-F238E27FC236}">
-                <a16:creationId xmlns:a16="http://schemas.microsoft.com/office/drawing/2014/main" id="{DA9346F2-BD5F-D909-036A-067426C4A237}"/>
-              </a:ext>
-            </a:extLst>
-          </p:cNvPr>
-          <p:cNvPicPr>
-            <a:picLocks noGrp="1" noChangeAspect="1"/>
-          </p:cNvPicPr>
+              <a:t>Overriding Polymorphism</a:t>
+            </a:r>
+          </a:p>
+        </p:txBody>
+      </p:sp>
+      <p:sp>
+        <p:nvSpPr>
+          <p:cNvPr id="6" name="Content Placeholder 5">
+            <a:extLst>
+              <a:ext uri="{FF2B5EF4-FFF2-40B4-BE49-F238E27FC236}">
+                <a16:creationId xmlns:a16="http://schemas.microsoft.com/office/drawing/2014/main" id="{95A9DC49-463E-4EFF-BD3E-E4AEF9DAF757}"/>
+              </a:ext>
+            </a:extLst>
+          </p:cNvPr>
+          <p:cNvSpPr>
+            <a:spLocks noGrp="1"/>
+          </p:cNvSpPr>
           <p:nvPr>
             <p:ph idx="1"/>
           </p:nvPr>
-        </p:nvPicPr>
-        <p:blipFill>
-          <a:blip r:embed="rId2"/>
-          <a:stretch>
-            <a:fillRect/>
-          </a:stretch>
-        </p:blipFill>
-        <p:spPr>
-          <a:xfrm>
-            <a:off x="5298730" y="2039795"/>
-            <a:ext cx="5706789" cy="2778409"/>
-          </a:xfrm>
-        </p:spPr>
-      </p:pic>
-      <p:sp>
-        <p:nvSpPr>
-          <p:cNvPr id="5" name="Text Placeholder 4">
-            <a:extLst>
-              <a:ext uri="{FF2B5EF4-FFF2-40B4-BE49-F238E27FC236}">
-                <a16:creationId xmlns:a16="http://schemas.microsoft.com/office/drawing/2014/main" id="{24677B90-A9AF-EC0B-A47C-BB671119F84D}"/>
-              </a:ext>
-            </a:extLst>
-          </p:cNvPr>
-          <p:cNvSpPr>
-            <a:spLocks noGrp="1"/>
-          </p:cNvSpPr>
-          <p:nvPr>
-            <p:ph type="body" sz="half" idx="2"/>
-          </p:nvPr>
         </p:nvSpPr>
         <p:spPr/>
         <p:txBody>
           <a:bodyPr>
-            <a:normAutofit fontScale="92500" lnSpcReduction="10000"/>
+            <a:normAutofit lnSpcReduction="10000"/>
           </a:bodyPr>
           <a:lstStyle/>
           <a:p>
+            <a:pPr marL="0" indent="0">
+              <a:buNone/>
+            </a:pPr>
+            <a:r>
+              <a:rPr lang="en-US" dirty="0"/>
+              <a:t>Polymorphism Overriding occurs when a child class (subclass) provides a new implementation for a method it inherits from its parent class (superclass).</a:t>
+            </a:r>
+          </a:p>
+          <a:p>
+            <a:pPr marL="0" indent="0">
+              <a:buNone/>
+            </a:pPr>
+            <a:br>
+              <a:rPr lang="en-US" dirty="0"/>
+            </a:br>
+            <a:r>
+              <a:rPr lang="en-US" dirty="0"/>
+              <a:t>The method in the child class has the same name and parameters as the one in the parent class. When the method is called on an object of the child class, Python (or any object-oriented language) uses the child’s version—even if the object is referenced using the parent type.</a:t>
+            </a:r>
+          </a:p>
+          <a:p>
+            <a:pPr marL="0" indent="0">
+              <a:buNone/>
+            </a:pPr>
+            <a:endParaRPr lang="en-US" dirty="0"/>
+          </a:p>
+          <a:p>
+            <a:pPr marL="0" indent="0">
+              <a:buNone/>
+            </a:pPr>
             <a:r>
               <a:rPr lang="en-US" b="1" dirty="0"/>
-              <a:t>Class Name </a:t>
-            </a:r>
-            <a:r>
-              <a:rPr lang="en-US" dirty="0"/>
-              <a:t>(Top Section): This is the uppermost part of the box. It displays the name of the class (e.g., Student, Order, Car).</a:t>
-            </a:r>
-          </a:p>
-          <a:p>
-            <a:r>
-              <a:rPr lang="en-US" b="1" dirty="0"/>
-              <a:t>Attributes</a:t>
-            </a:r>
-            <a:r>
-              <a:rPr lang="en-US" dirty="0"/>
-              <a:t> (Middle Section): This section lists the attributes (or properties/fields) of the class. Each attribute is typically shown with its visibility (+ for public, - for private, # for protected), name, and type.</a:t>
-            </a:r>
-          </a:p>
-          <a:p>
-            <a:r>
-              <a:rPr lang="en-US" b="1" dirty="0"/>
-              <a:t>Methods</a:t>
-            </a:r>
-            <a:r>
-              <a:rPr lang="en-US" dirty="0"/>
-              <a:t> (Bottom Section): This section lists the methods (or operations/functions) that belong to the class. Each method is shown with its visibility, name, parameters, and return type.</a:t>
-            </a:r>
-          </a:p>
-          <a:p>
-            <a:r>
-              <a:rPr lang="en-US" b="1" dirty="0"/>
-              <a:t>Connections </a:t>
-            </a:r>
-            <a:r>
-              <a:rPr lang="en-US" dirty="0"/>
-              <a:t>(lines and arrows): These lines and arrows represent relationships (such as inheritance, association, aggregation, and composition) between class boxes.</a:t>
-            </a:r>
+              <a:t>Run: v05.py </a:t>
+            </a:r>
+          </a:p>
+          <a:p>
+            <a:endParaRPr lang="en-AU" dirty="0"/>
           </a:p>
         </p:txBody>
       </p:sp>
     </p:spTree>
     <p:extLst>
       <p:ext uri="{BB962C8B-B14F-4D97-AF65-F5344CB8AC3E}">
-        <p14:creationId xmlns:p14="http://schemas.microsoft.com/office/powerpoint/2010/main" val="2546578239"/>
+        <p14:creationId xmlns:p14="http://schemas.microsoft.com/office/powerpoint/2010/main" val="2628338777"/>
       </p:ext>
     </p:extLst>
   </p:cSld>
@@ -4808,7 +4792,7 @@
           <p:cNvPr id="5" name="Title 4">
             <a:extLst>
               <a:ext uri="{FF2B5EF4-FFF2-40B4-BE49-F238E27FC236}">
-                <a16:creationId xmlns:a16="http://schemas.microsoft.com/office/drawing/2014/main" id="{96EBD5BC-A418-B3D5-F3BE-15BADC7685D9}"/>
+                <a16:creationId xmlns:a16="http://schemas.microsoft.com/office/drawing/2014/main" id="{D486937B-AE08-CEA9-288B-A7E12B6EEC9E}"/>
               </a:ext>
             </a:extLst>
           </p:cNvPr>
@@ -4826,17 +4810,17 @@
           <a:p>
             <a:r>
               <a:rPr lang="en-AU" dirty="0"/>
-              <a:t>Overriding Polymorphism</a:t>
-            </a:r>
-          </a:p>
-        </p:txBody>
-      </p:sp>
-      <p:sp>
-        <p:nvSpPr>
-          <p:cNvPr id="6" name="Content Placeholder 5">
-            <a:extLst>
-              <a:ext uri="{FF2B5EF4-FFF2-40B4-BE49-F238E27FC236}">
-                <a16:creationId xmlns:a16="http://schemas.microsoft.com/office/drawing/2014/main" id="{95A9DC49-463E-4EFF-BD3E-E4AEF9DAF757}"/>
+              <a:t>WET v DRY</a:t>
+            </a:r>
+          </a:p>
+        </p:txBody>
+      </p:sp>
+      <p:sp>
+        <p:nvSpPr>
+          <p:cNvPr id="8" name="Content Placeholder 7">
+            <a:extLst>
+              <a:ext uri="{FF2B5EF4-FFF2-40B4-BE49-F238E27FC236}">
+                <a16:creationId xmlns:a16="http://schemas.microsoft.com/office/drawing/2014/main" id="{359FE974-4D1E-3967-5B90-8562E74CE499}"/>
               </a:ext>
             </a:extLst>
           </p:cNvPr>
@@ -4850,7 +4834,7 @@
         <p:spPr/>
         <p:txBody>
           <a:bodyPr>
-            <a:normAutofit lnSpcReduction="10000"/>
+            <a:normAutofit/>
           </a:bodyPr>
           <a:lstStyle/>
           <a:p>
@@ -4859,19 +4843,7 @@
             </a:pPr>
             <a:r>
               <a:rPr lang="en-US" dirty="0"/>
-              <a:t>Polymorphism Overriding occurs when a child class (subclass) provides a new implementation for a method it inherits from its parent class (superclass).</a:t>
-            </a:r>
-          </a:p>
-          <a:p>
-            <a:pPr marL="0" indent="0">
-              <a:buNone/>
-            </a:pPr>
-            <a:br>
-              <a:rPr lang="en-US" dirty="0"/>
-            </a:br>
-            <a:r>
-              <a:rPr lang="en-US" dirty="0"/>
-              <a:t>The method in the child class has the same name and parameters as the one in the parent class. When the method is called on an object of the child class, Python (or any object-oriented language) uses the child’s version—even if the object is referenced using the parent type.</a:t>
+              <a:t>Let’s implement overriding toggle with the same pattern as on() and off().</a:t>
             </a:r>
           </a:p>
           <a:p>
@@ -4886,18 +4858,45 @@
             </a:pPr>
             <a:r>
               <a:rPr lang="en-US" b="1" dirty="0"/>
-              <a:t>Run: v05.py </a:t>
-            </a:r>
-          </a:p>
-          <a:p>
+              <a:t>Run: v06.py</a:t>
+            </a:r>
+          </a:p>
+          <a:p>
+            <a:pPr marL="0" indent="0">
+              <a:buNone/>
+            </a:pPr>
+            <a:endParaRPr lang="en-US" dirty="0"/>
+          </a:p>
+          <a:p>
+            <a:pPr marL="0" indent="0">
+              <a:buNone/>
+            </a:pPr>
+            <a:r>
+              <a:rPr lang="en-US" dirty="0"/>
+              <a:t>What are the issues with this implementation?</a:t>
+            </a:r>
+          </a:p>
+          <a:p>
+            <a:pPr marL="0" indent="0">
+              <a:buNone/>
+            </a:pPr>
             <a:endParaRPr lang="en-AU" dirty="0"/>
+          </a:p>
+          <a:p>
+            <a:pPr marL="0" indent="0">
+              <a:buNone/>
+            </a:pPr>
+            <a:r>
+              <a:rPr lang="en-AU" dirty="0"/>
+              <a:t>How can the DRY pattern address these issues?</a:t>
+            </a:r>
           </a:p>
         </p:txBody>
       </p:sp>
     </p:spTree>
     <p:extLst>
       <p:ext uri="{BB962C8B-B14F-4D97-AF65-F5344CB8AC3E}">
-        <p14:creationId xmlns:p14="http://schemas.microsoft.com/office/powerpoint/2010/main" val="2628338777"/>
+        <p14:creationId xmlns:p14="http://schemas.microsoft.com/office/powerpoint/2010/main" val="3539071505"/>
       </p:ext>
     </p:extLst>
   </p:cSld>
@@ -4929,7 +4928,7 @@
           <p:cNvPr id="5" name="Title 4">
             <a:extLst>
               <a:ext uri="{FF2B5EF4-FFF2-40B4-BE49-F238E27FC236}">
-                <a16:creationId xmlns:a16="http://schemas.microsoft.com/office/drawing/2014/main" id="{D486937B-AE08-CEA9-288B-A7E12B6EEC9E}"/>
+                <a16:creationId xmlns:a16="http://schemas.microsoft.com/office/drawing/2014/main" id="{96EBD5BC-A418-B3D5-F3BE-15BADC7685D9}"/>
               </a:ext>
             </a:extLst>
           </p:cNvPr>
@@ -4947,17 +4946,17 @@
           <a:p>
             <a:r>
               <a:rPr lang="en-AU" dirty="0"/>
-              <a:t>WET v DRY</a:t>
-            </a:r>
-          </a:p>
-        </p:txBody>
-      </p:sp>
-      <p:sp>
-        <p:nvSpPr>
-          <p:cNvPr id="8" name="Content Placeholder 7">
-            <a:extLst>
-              <a:ext uri="{FF2B5EF4-FFF2-40B4-BE49-F238E27FC236}">
-                <a16:creationId xmlns:a16="http://schemas.microsoft.com/office/drawing/2014/main" id="{359FE974-4D1E-3967-5B90-8562E74CE499}"/>
+              <a:t>Setter &amp; Getters</a:t>
+            </a:r>
+          </a:p>
+        </p:txBody>
+      </p:sp>
+      <p:sp>
+        <p:nvSpPr>
+          <p:cNvPr id="3" name="Content Placeholder 2">
+            <a:extLst>
+              <a:ext uri="{FF2B5EF4-FFF2-40B4-BE49-F238E27FC236}">
+                <a16:creationId xmlns:a16="http://schemas.microsoft.com/office/drawing/2014/main" id="{D558FCB4-463D-4004-1C16-76D08CA2C42E}"/>
               </a:ext>
             </a:extLst>
           </p:cNvPr>
@@ -4971,7 +4970,7 @@
         <p:spPr/>
         <p:txBody>
           <a:bodyPr>
-            <a:normAutofit/>
+            <a:normAutofit fontScale="85000" lnSpcReduction="20000"/>
           </a:bodyPr>
           <a:lstStyle/>
           <a:p>
@@ -4980,7 +4979,7 @@
             </a:pPr>
             <a:r>
               <a:rPr lang="en-US" dirty="0"/>
-              <a:t>Let’s implement overriding toggle with the same pattern as on() and off().</a:t>
+              <a:t>Setters and getters are special methods used in object-oriented programming to access (get) or modify (set) the values of private or protected attributes of a class. They help encapsulate the internal state of an object, providing controlled access.</a:t>
             </a:r>
           </a:p>
           <a:p>
@@ -4994,8 +4993,8 @@
               <a:buNone/>
             </a:pPr>
             <a:r>
-              <a:rPr lang="en-US" b="1" dirty="0"/>
-              <a:t>Run: v06.py</a:t>
+              <a:rPr lang="en-US" dirty="0"/>
+              <a:t>A getter is a method that retrieves (gets) the value of a private attribute. It allows you to read the value without providing direct access to the underlying variable.</a:t>
             </a:r>
           </a:p>
           <a:p>
@@ -5010,7 +5009,7 @@
             </a:pPr>
             <a:r>
               <a:rPr lang="en-US" dirty="0"/>
-              <a:t>What are the issues with this implementation?</a:t>
+              <a:t>A setter is a method that sets (updates) the value of a private attribute. It allows you to validate or restrict changes before updating the attribute.</a:t>
             </a:r>
           </a:p>
           <a:p>
@@ -5024,8 +5023,8 @@
               <a:buNone/>
             </a:pPr>
             <a:r>
-              <a:rPr lang="en-AU" dirty="0"/>
-              <a:t>How can the DRY pattern address these issues?</a:t>
+              <a:rPr lang="en-AU" b="1" dirty="0"/>
+              <a:t>Run: v09.py</a:t>
             </a:r>
           </a:p>
         </p:txBody>
@@ -5033,7 +5032,7 @@
     </p:spTree>
     <p:extLst>
       <p:ext uri="{BB962C8B-B14F-4D97-AF65-F5344CB8AC3E}">
-        <p14:creationId xmlns:p14="http://schemas.microsoft.com/office/powerpoint/2010/main" val="3539071505"/>
+        <p14:creationId xmlns:p14="http://schemas.microsoft.com/office/powerpoint/2010/main" val="3160910607"/>
       </p:ext>
     </p:extLst>
   </p:cSld>
@@ -5044,6 +5043,111 @@
 </file>
 
 <file path=ppt/slides/slide7.xml><?xml version="1.0" encoding="utf-8"?>
+<p:sld xmlns:a="http://schemas.openxmlformats.org/drawingml/2006/main" xmlns:r="http://schemas.openxmlformats.org/officeDocument/2006/relationships" xmlns:p="http://schemas.openxmlformats.org/presentationml/2006/main">
+  <p:cSld>
+    <p:spTree>
+      <p:nvGrpSpPr>
+        <p:cNvPr id="1" name=""/>
+        <p:cNvGrpSpPr/>
+        <p:nvPr/>
+      </p:nvGrpSpPr>
+      <p:grpSpPr>
+        <a:xfrm>
+          <a:off x="0" y="0"/>
+          <a:ext cx="0" cy="0"/>
+          <a:chOff x="0" y="0"/>
+          <a:chExt cx="0" cy="0"/>
+        </a:xfrm>
+      </p:grpSpPr>
+      <p:sp>
+        <p:nvSpPr>
+          <p:cNvPr id="2" name="Title 1">
+            <a:extLst>
+              <a:ext uri="{FF2B5EF4-FFF2-40B4-BE49-F238E27FC236}">
+                <a16:creationId xmlns:a16="http://schemas.microsoft.com/office/drawing/2014/main" id="{698432A2-2D2E-3F70-F830-5A67ED205318}"/>
+              </a:ext>
+            </a:extLst>
+          </p:cNvPr>
+          <p:cNvSpPr>
+            <a:spLocks noGrp="1"/>
+          </p:cNvSpPr>
+          <p:nvPr>
+            <p:ph type="title"/>
+          </p:nvPr>
+        </p:nvSpPr>
+        <p:spPr/>
+        <p:txBody>
+          <a:bodyPr/>
+          <a:lstStyle/>
+          <a:p>
+            <a:r>
+              <a:rPr lang="en-AU" dirty="0"/>
+              <a:t>Encapsulation</a:t>
+            </a:r>
+          </a:p>
+        </p:txBody>
+      </p:sp>
+      <p:sp>
+        <p:nvSpPr>
+          <p:cNvPr id="4" name="Content Placeholder 3">
+            <a:extLst>
+              <a:ext uri="{FF2B5EF4-FFF2-40B4-BE49-F238E27FC236}">
+                <a16:creationId xmlns:a16="http://schemas.microsoft.com/office/drawing/2014/main" id="{E775B479-5750-95E9-CC66-C2F6F8180171}"/>
+              </a:ext>
+            </a:extLst>
+          </p:cNvPr>
+          <p:cNvSpPr>
+            <a:spLocks noGrp="1"/>
+          </p:cNvSpPr>
+          <p:nvPr>
+            <p:ph idx="1"/>
+          </p:nvPr>
+        </p:nvSpPr>
+        <p:spPr/>
+        <p:txBody>
+          <a:bodyPr/>
+          <a:lstStyle/>
+          <a:p>
+            <a:pPr marL="0" indent="0">
+              <a:buNone/>
+            </a:pPr>
+            <a:r>
+              <a:rPr lang="en-US" dirty="0"/>
+              <a:t>Encapsulation restricts direct access to some of an object's components (such as attributes or methods), meaning the internal representation of the object is hidden from the outside. This is typically achieved by making certain attributes or methods private (i.e., inaccessible from outside the class) and providing public methods (such as getters and setters) to access or modify those private members.</a:t>
+            </a:r>
+          </a:p>
+          <a:p>
+            <a:pPr marL="0" indent="0">
+              <a:buNone/>
+            </a:pPr>
+            <a:endParaRPr lang="en-US" dirty="0"/>
+          </a:p>
+          <a:p>
+            <a:pPr marL="0" indent="0">
+              <a:buNone/>
+            </a:pPr>
+            <a:r>
+              <a:rPr lang="en-US" b="1" dirty="0"/>
+              <a:t>Run: v08.py</a:t>
+            </a:r>
+            <a:endParaRPr lang="en-AU" b="1" dirty="0"/>
+          </a:p>
+        </p:txBody>
+      </p:sp>
+    </p:spTree>
+    <p:extLst>
+      <p:ext uri="{BB962C8B-B14F-4D97-AF65-F5344CB8AC3E}">
+        <p14:creationId xmlns:p14="http://schemas.microsoft.com/office/powerpoint/2010/main" val="2546578239"/>
+      </p:ext>
+    </p:extLst>
+  </p:cSld>
+  <p:clrMapOvr>
+    <a:masterClrMapping/>
+  </p:clrMapOvr>
+</p:sld>
+</file>
+
+<file path=ppt/slides/slide8.xml><?xml version="1.0" encoding="utf-8"?>
 <p:sld xmlns:a="http://schemas.openxmlformats.org/drawingml/2006/main" xmlns:r="http://schemas.openxmlformats.org/officeDocument/2006/relationships" xmlns:p="http://schemas.openxmlformats.org/presentationml/2006/main">
   <p:cSld>
     <p:spTree>

--- a/tutorials/presentations/Lecture2.pptx
+++ b/tutorials/presentations/Lecture2.pptx
@@ -9,10 +9,21 @@
     <p:sldId id="257" r:id="rId3"/>
     <p:sldId id="258" r:id="rId4"/>
     <p:sldId id="266" r:id="rId5"/>
-    <p:sldId id="261" r:id="rId6"/>
-    <p:sldId id="267" r:id="rId7"/>
-    <p:sldId id="265" r:id="rId8"/>
-    <p:sldId id="263" r:id="rId9"/>
+    <p:sldId id="268" r:id="rId6"/>
+    <p:sldId id="269" r:id="rId7"/>
+    <p:sldId id="273" r:id="rId8"/>
+    <p:sldId id="274" r:id="rId9"/>
+    <p:sldId id="275" r:id="rId10"/>
+    <p:sldId id="281" r:id="rId11"/>
+    <p:sldId id="261" r:id="rId12"/>
+    <p:sldId id="276" r:id="rId13"/>
+    <p:sldId id="265" r:id="rId14"/>
+    <p:sldId id="267" r:id="rId15"/>
+    <p:sldId id="277" r:id="rId16"/>
+    <p:sldId id="278" r:id="rId17"/>
+    <p:sldId id="279" r:id="rId18"/>
+    <p:sldId id="282" r:id="rId19"/>
+    <p:sldId id="263" r:id="rId20"/>
   </p:sldIdLst>
   <p:sldSz cx="12192000" cy="6858000"/>
   <p:notesSz cx="6858000" cy="9144000"/>
@@ -122,7 +133,7 @@
 <file path=ppt/revisionInfo.xml><?xml version="1.0" encoding="utf-8"?>
 <p1510:revInfo xmlns:a="http://schemas.openxmlformats.org/drawingml/2006/main" xmlns:r="http://schemas.openxmlformats.org/officeDocument/2006/relationships" xmlns:p1510="http://schemas.microsoft.com/office/powerpoint/2015/10/main">
   <p1510:revLst>
-    <p1510:client id="{2A4F3FF4-B48F-4BF2-8996-C16EAC4E46EE}" v="14" dt="2025-06-11T10:49:15.138"/>
+    <p1510:client id="{2A4F3FF4-B48F-4BF2-8996-C16EAC4E46EE}" v="29" dt="2025-06-11T11:26:32.090"/>
   </p1510:revLst>
 </p1510:revInfo>
 </file>
@@ -132,7 +143,7 @@
   <pc:docChgLst>
     <pc:chgData name="Ben Jones (Ben Jones)" userId="e6e8a0f3-34fe-4d14-b7ab-3a9f1769fff2" providerId="ADAL" clId="{2A4F3FF4-B48F-4BF2-8996-C16EAC4E46EE}"/>
     <pc:docChg chg="undo custSel addSld delSld modSld sldOrd">
-      <pc:chgData name="Ben Jones (Ben Jones)" userId="e6e8a0f3-34fe-4d14-b7ab-3a9f1769fff2" providerId="ADAL" clId="{2A4F3FF4-B48F-4BF2-8996-C16EAC4E46EE}" dt="2025-06-11T10:50:10.142" v="509" actId="20577"/>
+      <pc:chgData name="Ben Jones (Ben Jones)" userId="e6e8a0f3-34fe-4d14-b7ab-3a9f1769fff2" providerId="ADAL" clId="{2A4F3FF4-B48F-4BF2-8996-C16EAC4E46EE}" dt="2025-06-11T11:36:27.760" v="1568"/>
       <pc:docMkLst>
         <pc:docMk/>
       </pc:docMkLst>
@@ -167,13 +178,13 @@
         </pc:spChg>
       </pc:sldChg>
       <pc:sldChg chg="modSp mod">
-        <pc:chgData name="Ben Jones (Ben Jones)" userId="e6e8a0f3-34fe-4d14-b7ab-3a9f1769fff2" providerId="ADAL" clId="{2A4F3FF4-B48F-4BF2-8996-C16EAC4E46EE}" dt="2025-06-11T10:50:10.142" v="509" actId="20577"/>
+        <pc:chgData name="Ben Jones (Ben Jones)" userId="e6e8a0f3-34fe-4d14-b7ab-3a9f1769fff2" providerId="ADAL" clId="{2A4F3FF4-B48F-4BF2-8996-C16EAC4E46EE}" dt="2025-06-11T11:26:33.048" v="1424" actId="6549"/>
         <pc:sldMkLst>
           <pc:docMk/>
           <pc:sldMk cId="3635014069" sldId="258"/>
         </pc:sldMkLst>
         <pc:spChg chg="mod">
-          <ac:chgData name="Ben Jones (Ben Jones)" userId="e6e8a0f3-34fe-4d14-b7ab-3a9f1769fff2" providerId="ADAL" clId="{2A4F3FF4-B48F-4BF2-8996-C16EAC4E46EE}" dt="2025-06-11T10:50:10.142" v="509" actId="20577"/>
+          <ac:chgData name="Ben Jones (Ben Jones)" userId="e6e8a0f3-34fe-4d14-b7ab-3a9f1769fff2" providerId="ADAL" clId="{2A4F3FF4-B48F-4BF2-8996-C16EAC4E46EE}" dt="2025-06-11T11:26:33.048" v="1424" actId="6549"/>
           <ac:spMkLst>
             <pc:docMk/>
             <pc:sldMk cId="3635014069" sldId="258"/>
@@ -196,7 +207,7 @@
         </pc:sldMkLst>
       </pc:sldChg>
       <pc:sldChg chg="delSp modSp mod modClrScheme chgLayout">
-        <pc:chgData name="Ben Jones (Ben Jones)" userId="e6e8a0f3-34fe-4d14-b7ab-3a9f1769fff2" providerId="ADAL" clId="{2A4F3FF4-B48F-4BF2-8996-C16EAC4E46EE}" dt="2025-06-10T11:45:37.136" v="437" actId="20577"/>
+        <pc:chgData name="Ben Jones (Ben Jones)" userId="e6e8a0f3-34fe-4d14-b7ab-3a9f1769fff2" providerId="ADAL" clId="{2A4F3FF4-B48F-4BF2-8996-C16EAC4E46EE}" dt="2025-06-11T11:15:05.445" v="1148" actId="313"/>
         <pc:sldMkLst>
           <pc:docMk/>
           <pc:sldMk cId="3539071505" sldId="261"/>
@@ -218,7 +229,7 @@
           </ac:spMkLst>
         </pc:spChg>
         <pc:spChg chg="mod ord">
-          <ac:chgData name="Ben Jones (Ben Jones)" userId="e6e8a0f3-34fe-4d14-b7ab-3a9f1769fff2" providerId="ADAL" clId="{2A4F3FF4-B48F-4BF2-8996-C16EAC4E46EE}" dt="2025-06-10T11:45:37.136" v="437" actId="20577"/>
+          <ac:chgData name="Ben Jones (Ben Jones)" userId="e6e8a0f3-34fe-4d14-b7ab-3a9f1769fff2" providerId="ADAL" clId="{2A4F3FF4-B48F-4BF2-8996-C16EAC4E46EE}" dt="2025-06-11T11:15:05.445" v="1148" actId="313"/>
           <ac:spMkLst>
             <pc:docMk/>
             <pc:sldMk cId="3539071505" sldId="261"/>
@@ -250,7 +261,7 @@
         </pc:sldMkLst>
       </pc:sldChg>
       <pc:sldChg chg="modSp mod">
-        <pc:chgData name="Ben Jones (Ben Jones)" userId="e6e8a0f3-34fe-4d14-b7ab-3a9f1769fff2" providerId="ADAL" clId="{2A4F3FF4-B48F-4BF2-8996-C16EAC4E46EE}" dt="2025-06-10T11:42:59.777" v="385" actId="20577"/>
+        <pc:chgData name="Ben Jones (Ben Jones)" userId="e6e8a0f3-34fe-4d14-b7ab-3a9f1769fff2" providerId="ADAL" clId="{2A4F3FF4-B48F-4BF2-8996-C16EAC4E46EE}" dt="2025-06-11T11:16:14.624" v="1186" actId="20577"/>
         <pc:sldMkLst>
           <pc:docMk/>
           <pc:sldMk cId="1175822862" sldId="263"/>
@@ -264,7 +275,7 @@
           </ac:spMkLst>
         </pc:spChg>
         <pc:spChg chg="mod">
-          <ac:chgData name="Ben Jones (Ben Jones)" userId="e6e8a0f3-34fe-4d14-b7ab-3a9f1769fff2" providerId="ADAL" clId="{2A4F3FF4-B48F-4BF2-8996-C16EAC4E46EE}" dt="2025-06-10T11:42:59.777" v="385" actId="20577"/>
+          <ac:chgData name="Ben Jones (Ben Jones)" userId="e6e8a0f3-34fe-4d14-b7ab-3a9f1769fff2" providerId="ADAL" clId="{2A4F3FF4-B48F-4BF2-8996-C16EAC4E46EE}" dt="2025-06-11T11:16:14.624" v="1186" actId="20577"/>
           <ac:spMkLst>
             <pc:docMk/>
             <pc:sldMk cId="1175822862" sldId="263"/>
@@ -280,7 +291,7 @@
         </pc:sldMkLst>
       </pc:sldChg>
       <pc:sldChg chg="addSp delSp modSp new add del mod ord modClrScheme chgLayout">
-        <pc:chgData name="Ben Jones (Ben Jones)" userId="e6e8a0f3-34fe-4d14-b7ab-3a9f1769fff2" providerId="ADAL" clId="{2A4F3FF4-B48F-4BF2-8996-C16EAC4E46EE}" dt="2025-06-11T10:49:26.701" v="447"/>
+        <pc:chgData name="Ben Jones (Ben Jones)" userId="e6e8a0f3-34fe-4d14-b7ab-3a9f1769fff2" providerId="ADAL" clId="{2A4F3FF4-B48F-4BF2-8996-C16EAC4E46EE}" dt="2025-06-11T11:28:08.589" v="1559" actId="20577"/>
         <pc:sldMkLst>
           <pc:docMk/>
           <pc:sldMk cId="2546578239" sldId="265"/>
@@ -307,6 +318,14 @@
             <pc:docMk/>
             <pc:sldMk cId="2546578239" sldId="265"/>
             <ac:spMk id="4" creationId="{A899754A-4534-E79A-73FA-E04C4234E204}"/>
+          </ac:spMkLst>
+        </pc:spChg>
+        <pc:spChg chg="mod">
+          <ac:chgData name="Ben Jones (Ben Jones)" userId="e6e8a0f3-34fe-4d14-b7ab-3a9f1769fff2" providerId="ADAL" clId="{2A4F3FF4-B48F-4BF2-8996-C16EAC4E46EE}" dt="2025-06-11T11:28:08.589" v="1559" actId="20577"/>
+          <ac:spMkLst>
+            <pc:docMk/>
+            <pc:sldMk cId="2546578239" sldId="265"/>
+            <ac:spMk id="4" creationId="{E775B479-5750-95E9-CC66-C2F6F8180171}"/>
           </ac:spMkLst>
         </pc:spChg>
         <pc:spChg chg="add mod ord">
@@ -373,11 +392,377 @@
           </ac:spMkLst>
         </pc:spChg>
       </pc:sldChg>
-      <pc:sldChg chg="add ord">
-        <pc:chgData name="Ben Jones (Ben Jones)" userId="e6e8a0f3-34fe-4d14-b7ab-3a9f1769fff2" providerId="ADAL" clId="{2A4F3FF4-B48F-4BF2-8996-C16EAC4E46EE}" dt="2025-06-11T10:49:25.624" v="445"/>
+      <pc:sldChg chg="modSp add mod ord">
+        <pc:chgData name="Ben Jones (Ben Jones)" userId="e6e8a0f3-34fe-4d14-b7ab-3a9f1769fff2" providerId="ADAL" clId="{2A4F3FF4-B48F-4BF2-8996-C16EAC4E46EE}" dt="2025-06-11T11:15:16.891" v="1151" actId="20577"/>
         <pc:sldMkLst>
           <pc:docMk/>
           <pc:sldMk cId="3160910607" sldId="267"/>
+        </pc:sldMkLst>
+        <pc:spChg chg="mod">
+          <ac:chgData name="Ben Jones (Ben Jones)" userId="e6e8a0f3-34fe-4d14-b7ab-3a9f1769fff2" providerId="ADAL" clId="{2A4F3FF4-B48F-4BF2-8996-C16EAC4E46EE}" dt="2025-06-11T11:15:16.891" v="1151" actId="20577"/>
+          <ac:spMkLst>
+            <pc:docMk/>
+            <pc:sldMk cId="3160910607" sldId="267"/>
+            <ac:spMk id="3" creationId="{D558FCB4-463D-4004-1C16-76D08CA2C42E}"/>
+          </ac:spMkLst>
+        </pc:spChg>
+      </pc:sldChg>
+      <pc:sldChg chg="addSp delSp modSp new mod">
+        <pc:chgData name="Ben Jones (Ben Jones)" userId="e6e8a0f3-34fe-4d14-b7ab-3a9f1769fff2" providerId="ADAL" clId="{2A4F3FF4-B48F-4BF2-8996-C16EAC4E46EE}" dt="2025-06-11T11:20:14.627" v="1311" actId="255"/>
+        <pc:sldMkLst>
+          <pc:docMk/>
+          <pc:sldMk cId="4286823996" sldId="268"/>
+        </pc:sldMkLst>
+        <pc:spChg chg="mod">
+          <ac:chgData name="Ben Jones (Ben Jones)" userId="e6e8a0f3-34fe-4d14-b7ab-3a9f1769fff2" providerId="ADAL" clId="{2A4F3FF4-B48F-4BF2-8996-C16EAC4E46EE}" dt="2025-06-11T10:55:15.622" v="546" actId="20577"/>
+          <ac:spMkLst>
+            <pc:docMk/>
+            <pc:sldMk cId="4286823996" sldId="268"/>
+            <ac:spMk id="2" creationId="{1014C040-0011-B132-BBB4-963A422BA42C}"/>
+          </ac:spMkLst>
+        </pc:spChg>
+        <pc:spChg chg="mod">
+          <ac:chgData name="Ben Jones (Ben Jones)" userId="e6e8a0f3-34fe-4d14-b7ab-3a9f1769fff2" providerId="ADAL" clId="{2A4F3FF4-B48F-4BF2-8996-C16EAC4E46EE}" dt="2025-06-11T11:20:14.627" v="1311" actId="255"/>
+          <ac:spMkLst>
+            <pc:docMk/>
+            <pc:sldMk cId="4286823996" sldId="268"/>
+            <ac:spMk id="3" creationId="{10BF6715-B6F1-BE80-23EB-752BDCA181D5}"/>
+          </ac:spMkLst>
+        </pc:spChg>
+        <pc:picChg chg="add del mod">
+          <ac:chgData name="Ben Jones (Ben Jones)" userId="e6e8a0f3-34fe-4d14-b7ab-3a9f1769fff2" providerId="ADAL" clId="{2A4F3FF4-B48F-4BF2-8996-C16EAC4E46EE}" dt="2025-06-11T10:59:03.350" v="621" actId="478"/>
+          <ac:picMkLst>
+            <pc:docMk/>
+            <pc:sldMk cId="4286823996" sldId="268"/>
+            <ac:picMk id="5" creationId="{510CD770-C3BA-0195-C07D-4D19F85FFDF0}"/>
+          </ac:picMkLst>
+        </pc:picChg>
+      </pc:sldChg>
+      <pc:sldChg chg="addSp delSp modSp new add del mod">
+        <pc:chgData name="Ben Jones (Ben Jones)" userId="e6e8a0f3-34fe-4d14-b7ab-3a9f1769fff2" providerId="ADAL" clId="{2A4F3FF4-B48F-4BF2-8996-C16EAC4E46EE}" dt="2025-06-11T11:20:27.921" v="1313" actId="255"/>
+        <pc:sldMkLst>
+          <pc:docMk/>
+          <pc:sldMk cId="961451604" sldId="269"/>
+        </pc:sldMkLst>
+        <pc:spChg chg="mod">
+          <ac:chgData name="Ben Jones (Ben Jones)" userId="e6e8a0f3-34fe-4d14-b7ab-3a9f1769fff2" providerId="ADAL" clId="{2A4F3FF4-B48F-4BF2-8996-C16EAC4E46EE}" dt="2025-06-11T10:56:32.766" v="582" actId="20577"/>
+          <ac:spMkLst>
+            <pc:docMk/>
+            <pc:sldMk cId="961451604" sldId="269"/>
+            <ac:spMk id="2" creationId="{766F0F0F-94A6-311A-0249-1FFA06520973}"/>
+          </ac:spMkLst>
+        </pc:spChg>
+        <pc:spChg chg="del">
+          <ac:chgData name="Ben Jones (Ben Jones)" userId="e6e8a0f3-34fe-4d14-b7ab-3a9f1769fff2" providerId="ADAL" clId="{2A4F3FF4-B48F-4BF2-8996-C16EAC4E46EE}" dt="2025-06-11T10:56:11.119" v="551" actId="22"/>
+          <ac:spMkLst>
+            <pc:docMk/>
+            <pc:sldMk cId="961451604" sldId="269"/>
+            <ac:spMk id="3" creationId="{F89D3D5D-3486-3C93-2F62-92637899DEE7}"/>
+          </ac:spMkLst>
+        </pc:spChg>
+        <pc:spChg chg="add mod">
+          <ac:chgData name="Ben Jones (Ben Jones)" userId="e6e8a0f3-34fe-4d14-b7ab-3a9f1769fff2" providerId="ADAL" clId="{2A4F3FF4-B48F-4BF2-8996-C16EAC4E46EE}" dt="2025-06-11T11:20:27.921" v="1313" actId="255"/>
+          <ac:spMkLst>
+            <pc:docMk/>
+            <pc:sldMk cId="961451604" sldId="269"/>
+            <ac:spMk id="7" creationId="{E75A7C68-4B9E-4E7E-FB13-CB85812E84E8}"/>
+          </ac:spMkLst>
+        </pc:spChg>
+        <pc:picChg chg="add del mod ord">
+          <ac:chgData name="Ben Jones (Ben Jones)" userId="e6e8a0f3-34fe-4d14-b7ab-3a9f1769fff2" providerId="ADAL" clId="{2A4F3FF4-B48F-4BF2-8996-C16EAC4E46EE}" dt="2025-06-11T10:59:48.448" v="625" actId="478"/>
+          <ac:picMkLst>
+            <pc:docMk/>
+            <pc:sldMk cId="961451604" sldId="269"/>
+            <ac:picMk id="5" creationId="{992099BE-96D3-2DFB-C3AF-19BCFB1F399F}"/>
+          </ac:picMkLst>
+        </pc:picChg>
+      </pc:sldChg>
+      <pc:sldChg chg="modSp add del mod">
+        <pc:chgData name="Ben Jones (Ben Jones)" userId="e6e8a0f3-34fe-4d14-b7ab-3a9f1769fff2" providerId="ADAL" clId="{2A4F3FF4-B48F-4BF2-8996-C16EAC4E46EE}" dt="2025-06-11T11:07:40.578" v="814" actId="2696"/>
+        <pc:sldMkLst>
+          <pc:docMk/>
+          <pc:sldMk cId="3709361108" sldId="270"/>
+        </pc:sldMkLst>
+        <pc:spChg chg="mod">
+          <ac:chgData name="Ben Jones (Ben Jones)" userId="e6e8a0f3-34fe-4d14-b7ab-3a9f1769fff2" providerId="ADAL" clId="{2A4F3FF4-B48F-4BF2-8996-C16EAC4E46EE}" dt="2025-06-11T10:56:43.849" v="585" actId="20577"/>
+          <ac:spMkLst>
+            <pc:docMk/>
+            <pc:sldMk cId="3709361108" sldId="270"/>
+            <ac:spMk id="2" creationId="{52CC0D71-F94D-88FC-2D43-31946726B6EA}"/>
+          </ac:spMkLst>
+        </pc:spChg>
+        <pc:picChg chg="mod">
+          <ac:chgData name="Ben Jones (Ben Jones)" userId="e6e8a0f3-34fe-4d14-b7ab-3a9f1769fff2" providerId="ADAL" clId="{2A4F3FF4-B48F-4BF2-8996-C16EAC4E46EE}" dt="2025-06-11T10:57:09.963" v="586" actId="14826"/>
+          <ac:picMkLst>
+            <pc:docMk/>
+            <pc:sldMk cId="3709361108" sldId="270"/>
+            <ac:picMk id="5" creationId="{A4D65EA3-E0ED-2FB9-5250-E5383E1F6CF0}"/>
+          </ac:picMkLst>
+        </pc:picChg>
+      </pc:sldChg>
+      <pc:sldChg chg="new del">
+        <pc:chgData name="Ben Jones (Ben Jones)" userId="e6e8a0f3-34fe-4d14-b7ab-3a9f1769fff2" providerId="ADAL" clId="{2A4F3FF4-B48F-4BF2-8996-C16EAC4E46EE}" dt="2025-06-11T10:57:43.887" v="589" actId="47"/>
+        <pc:sldMkLst>
+          <pc:docMk/>
+          <pc:sldMk cId="1457428599" sldId="271"/>
+        </pc:sldMkLst>
+      </pc:sldChg>
+      <pc:sldChg chg="addSp delSp modSp add del mod">
+        <pc:chgData name="Ben Jones (Ben Jones)" userId="e6e8a0f3-34fe-4d14-b7ab-3a9f1769fff2" providerId="ADAL" clId="{2A4F3FF4-B48F-4BF2-8996-C16EAC4E46EE}" dt="2025-06-11T11:07:43.278" v="815" actId="2696"/>
+        <pc:sldMkLst>
+          <pc:docMk/>
+          <pc:sldMk cId="674969106" sldId="272"/>
+        </pc:sldMkLst>
+        <pc:spChg chg="mod">
+          <ac:chgData name="Ben Jones (Ben Jones)" userId="e6e8a0f3-34fe-4d14-b7ab-3a9f1769fff2" providerId="ADAL" clId="{2A4F3FF4-B48F-4BF2-8996-C16EAC4E46EE}" dt="2025-06-11T10:59:00.758" v="620" actId="20577"/>
+          <ac:spMkLst>
+            <pc:docMk/>
+            <pc:sldMk cId="674969106" sldId="272"/>
+            <ac:spMk id="2" creationId="{C90DFA8A-BB25-B925-D06B-E88B70F00AB4}"/>
+          </ac:spMkLst>
+        </pc:spChg>
+        <pc:spChg chg="add del mod">
+          <ac:chgData name="Ben Jones (Ben Jones)" userId="e6e8a0f3-34fe-4d14-b7ab-3a9f1769fff2" providerId="ADAL" clId="{2A4F3FF4-B48F-4BF2-8996-C16EAC4E46EE}" dt="2025-06-11T10:58:14.209" v="596" actId="478"/>
+          <ac:spMkLst>
+            <pc:docMk/>
+            <pc:sldMk cId="674969106" sldId="272"/>
+            <ac:spMk id="4" creationId="{8F2C8D8B-1368-8B3D-CC23-42C455D7A013}"/>
+          </ac:spMkLst>
+        </pc:spChg>
+        <pc:picChg chg="del mod">
+          <ac:chgData name="Ben Jones (Ben Jones)" userId="e6e8a0f3-34fe-4d14-b7ab-3a9f1769fff2" providerId="ADAL" clId="{2A4F3FF4-B48F-4BF2-8996-C16EAC4E46EE}" dt="2025-06-11T10:58:03.521" v="592" actId="478"/>
+          <ac:picMkLst>
+            <pc:docMk/>
+            <pc:sldMk cId="674969106" sldId="272"/>
+            <ac:picMk id="5" creationId="{6180E19F-02B6-46C5-8DA8-FA26A48C0A2D}"/>
+          </ac:picMkLst>
+        </pc:picChg>
+        <pc:picChg chg="add mod">
+          <ac:chgData name="Ben Jones (Ben Jones)" userId="e6e8a0f3-34fe-4d14-b7ab-3a9f1769fff2" providerId="ADAL" clId="{2A4F3FF4-B48F-4BF2-8996-C16EAC4E46EE}" dt="2025-06-11T10:58:10.995" v="595" actId="1076"/>
+          <ac:picMkLst>
+            <pc:docMk/>
+            <pc:sldMk cId="674969106" sldId="272"/>
+            <ac:picMk id="7" creationId="{D7D1D85F-172D-A548-9B53-91F1369EB6EE}"/>
+          </ac:picMkLst>
+        </pc:picChg>
+      </pc:sldChg>
+      <pc:sldChg chg="modSp new mod">
+        <pc:chgData name="Ben Jones (Ben Jones)" userId="e6e8a0f3-34fe-4d14-b7ab-3a9f1769fff2" providerId="ADAL" clId="{2A4F3FF4-B48F-4BF2-8996-C16EAC4E46EE}" dt="2025-06-11T11:20:38.415" v="1315" actId="255"/>
+        <pc:sldMkLst>
+          <pc:docMk/>
+          <pc:sldMk cId="4087278973" sldId="273"/>
+        </pc:sldMkLst>
+        <pc:spChg chg="mod">
+          <ac:chgData name="Ben Jones (Ben Jones)" userId="e6e8a0f3-34fe-4d14-b7ab-3a9f1769fff2" providerId="ADAL" clId="{2A4F3FF4-B48F-4BF2-8996-C16EAC4E46EE}" dt="2025-06-11T11:07:31.779" v="813" actId="20577"/>
+          <ac:spMkLst>
+            <pc:docMk/>
+            <pc:sldMk cId="4087278973" sldId="273"/>
+            <ac:spMk id="2" creationId="{3A28FE78-CE9D-05F7-1341-B24BEE8D807C}"/>
+          </ac:spMkLst>
+        </pc:spChg>
+        <pc:spChg chg="mod">
+          <ac:chgData name="Ben Jones (Ben Jones)" userId="e6e8a0f3-34fe-4d14-b7ab-3a9f1769fff2" providerId="ADAL" clId="{2A4F3FF4-B48F-4BF2-8996-C16EAC4E46EE}" dt="2025-06-11T11:20:38.415" v="1315" actId="255"/>
+          <ac:spMkLst>
+            <pc:docMk/>
+            <pc:sldMk cId="4087278973" sldId="273"/>
+            <ac:spMk id="3" creationId="{F5DB6176-67EB-F1D4-A5F6-3523A9B2DC7E}"/>
+          </ac:spMkLst>
+        </pc:spChg>
+      </pc:sldChg>
+      <pc:sldChg chg="modSp new mod">
+        <pc:chgData name="Ben Jones (Ben Jones)" userId="e6e8a0f3-34fe-4d14-b7ab-3a9f1769fff2" providerId="ADAL" clId="{2A4F3FF4-B48F-4BF2-8996-C16EAC4E46EE}" dt="2025-06-11T11:25:44.408" v="1420" actId="255"/>
+        <pc:sldMkLst>
+          <pc:docMk/>
+          <pc:sldMk cId="1661584646" sldId="274"/>
+        </pc:sldMkLst>
+        <pc:spChg chg="mod">
+          <ac:chgData name="Ben Jones (Ben Jones)" userId="e6e8a0f3-34fe-4d14-b7ab-3a9f1769fff2" providerId="ADAL" clId="{2A4F3FF4-B48F-4BF2-8996-C16EAC4E46EE}" dt="2025-06-11T11:09:18.246" v="896" actId="20577"/>
+          <ac:spMkLst>
+            <pc:docMk/>
+            <pc:sldMk cId="1661584646" sldId="274"/>
+            <ac:spMk id="2" creationId="{6D03F1B1-C58D-62C1-ECB0-134E164A2C7F}"/>
+          </ac:spMkLst>
+        </pc:spChg>
+        <pc:spChg chg="mod">
+          <ac:chgData name="Ben Jones (Ben Jones)" userId="e6e8a0f3-34fe-4d14-b7ab-3a9f1769fff2" providerId="ADAL" clId="{2A4F3FF4-B48F-4BF2-8996-C16EAC4E46EE}" dt="2025-06-11T11:25:44.408" v="1420" actId="255"/>
+          <ac:spMkLst>
+            <pc:docMk/>
+            <pc:sldMk cId="1661584646" sldId="274"/>
+            <ac:spMk id="3" creationId="{E67D8705-E839-93D0-8DD3-D8B264503D3A}"/>
+          </ac:spMkLst>
+        </pc:spChg>
+      </pc:sldChg>
+      <pc:sldChg chg="modSp new mod">
+        <pc:chgData name="Ben Jones (Ben Jones)" userId="e6e8a0f3-34fe-4d14-b7ab-3a9f1769fff2" providerId="ADAL" clId="{2A4F3FF4-B48F-4BF2-8996-C16EAC4E46EE}" dt="2025-06-11T11:20:55.141" v="1320" actId="255"/>
+        <pc:sldMkLst>
+          <pc:docMk/>
+          <pc:sldMk cId="3462142984" sldId="275"/>
+        </pc:sldMkLst>
+        <pc:spChg chg="mod">
+          <ac:chgData name="Ben Jones (Ben Jones)" userId="e6e8a0f3-34fe-4d14-b7ab-3a9f1769fff2" providerId="ADAL" clId="{2A4F3FF4-B48F-4BF2-8996-C16EAC4E46EE}" dt="2025-06-11T11:10:15.530" v="938" actId="20577"/>
+          <ac:spMkLst>
+            <pc:docMk/>
+            <pc:sldMk cId="3462142984" sldId="275"/>
+            <ac:spMk id="2" creationId="{2B229727-E3FA-AF1A-55BE-F069FFAE1D62}"/>
+          </ac:spMkLst>
+        </pc:spChg>
+        <pc:spChg chg="mod">
+          <ac:chgData name="Ben Jones (Ben Jones)" userId="e6e8a0f3-34fe-4d14-b7ab-3a9f1769fff2" providerId="ADAL" clId="{2A4F3FF4-B48F-4BF2-8996-C16EAC4E46EE}" dt="2025-06-11T11:20:55.141" v="1320" actId="255"/>
+          <ac:spMkLst>
+            <pc:docMk/>
+            <pc:sldMk cId="3462142984" sldId="275"/>
+            <ac:spMk id="3" creationId="{CE2DE590-1B3C-1373-C116-1BE0B279E63A}"/>
+          </ac:spMkLst>
+        </pc:spChg>
+      </pc:sldChg>
+      <pc:sldChg chg="new del">
+        <pc:chgData name="Ben Jones (Ben Jones)" userId="e6e8a0f3-34fe-4d14-b7ab-3a9f1769fff2" providerId="ADAL" clId="{2A4F3FF4-B48F-4BF2-8996-C16EAC4E46EE}" dt="2025-06-11T11:14:02.345" v="1023" actId="2696"/>
+        <pc:sldMkLst>
+          <pc:docMk/>
+          <pc:sldMk cId="3498394345" sldId="276"/>
+        </pc:sldMkLst>
+      </pc:sldChg>
+      <pc:sldChg chg="modSp add mod">
+        <pc:chgData name="Ben Jones (Ben Jones)" userId="e6e8a0f3-34fe-4d14-b7ab-3a9f1769fff2" providerId="ADAL" clId="{2A4F3FF4-B48F-4BF2-8996-C16EAC4E46EE}" dt="2025-06-11T11:21:04.448" v="1322" actId="255"/>
+        <pc:sldMkLst>
+          <pc:docMk/>
+          <pc:sldMk cId="3722578529" sldId="276"/>
+        </pc:sldMkLst>
+        <pc:spChg chg="mod">
+          <ac:chgData name="Ben Jones (Ben Jones)" userId="e6e8a0f3-34fe-4d14-b7ab-3a9f1769fff2" providerId="ADAL" clId="{2A4F3FF4-B48F-4BF2-8996-C16EAC4E46EE}" dt="2025-06-11T11:14:23.122" v="1052" actId="20577"/>
+          <ac:spMkLst>
+            <pc:docMk/>
+            <pc:sldMk cId="3722578529" sldId="276"/>
+            <ac:spMk id="5" creationId="{6EE430AD-A8BB-B396-9CAF-4270103D0FF9}"/>
+          </ac:spMkLst>
+        </pc:spChg>
+        <pc:spChg chg="mod">
+          <ac:chgData name="Ben Jones (Ben Jones)" userId="e6e8a0f3-34fe-4d14-b7ab-3a9f1769fff2" providerId="ADAL" clId="{2A4F3FF4-B48F-4BF2-8996-C16EAC4E46EE}" dt="2025-06-11T11:21:04.448" v="1322" actId="255"/>
+          <ac:spMkLst>
+            <pc:docMk/>
+            <pc:sldMk cId="3722578529" sldId="276"/>
+            <ac:spMk id="8" creationId="{09AA8B3D-15A9-6B14-EFC7-470CD397637D}"/>
+          </ac:spMkLst>
+        </pc:spChg>
+      </pc:sldChg>
+      <pc:sldChg chg="modSp new mod">
+        <pc:chgData name="Ben Jones (Ben Jones)" userId="e6e8a0f3-34fe-4d14-b7ab-3a9f1769fff2" providerId="ADAL" clId="{2A4F3FF4-B48F-4BF2-8996-C16EAC4E46EE}" dt="2025-06-11T11:36:27.760" v="1568"/>
+        <pc:sldMkLst>
+          <pc:docMk/>
+          <pc:sldMk cId="1200987726" sldId="277"/>
+        </pc:sldMkLst>
+        <pc:spChg chg="mod">
+          <ac:chgData name="Ben Jones (Ben Jones)" userId="e6e8a0f3-34fe-4d14-b7ab-3a9f1769fff2" providerId="ADAL" clId="{2A4F3FF4-B48F-4BF2-8996-C16EAC4E46EE}" dt="2025-06-11T11:17:33.562" v="1219" actId="20577"/>
+          <ac:spMkLst>
+            <pc:docMk/>
+            <pc:sldMk cId="1200987726" sldId="277"/>
+            <ac:spMk id="2" creationId="{44375452-9F4E-B055-718A-F19667AF518D}"/>
+          </ac:spMkLst>
+        </pc:spChg>
+        <pc:spChg chg="mod">
+          <ac:chgData name="Ben Jones (Ben Jones)" userId="e6e8a0f3-34fe-4d14-b7ab-3a9f1769fff2" providerId="ADAL" clId="{2A4F3FF4-B48F-4BF2-8996-C16EAC4E46EE}" dt="2025-06-11T11:36:27.760" v="1568"/>
+          <ac:spMkLst>
+            <pc:docMk/>
+            <pc:sldMk cId="1200987726" sldId="277"/>
+            <ac:spMk id="3" creationId="{DD04821B-3CDE-B72D-FD94-23B33CD0F272}"/>
+          </ac:spMkLst>
+        </pc:spChg>
+      </pc:sldChg>
+      <pc:sldChg chg="modSp new mod">
+        <pc:chgData name="Ben Jones (Ben Jones)" userId="e6e8a0f3-34fe-4d14-b7ab-3a9f1769fff2" providerId="ADAL" clId="{2A4F3FF4-B48F-4BF2-8996-C16EAC4E46EE}" dt="2025-06-11T11:21:35.245" v="1330" actId="313"/>
+        <pc:sldMkLst>
+          <pc:docMk/>
+          <pc:sldMk cId="150327059" sldId="278"/>
+        </pc:sldMkLst>
+        <pc:spChg chg="mod">
+          <ac:chgData name="Ben Jones (Ben Jones)" userId="e6e8a0f3-34fe-4d14-b7ab-3a9f1769fff2" providerId="ADAL" clId="{2A4F3FF4-B48F-4BF2-8996-C16EAC4E46EE}" dt="2025-06-11T11:21:35.245" v="1330" actId="313"/>
+          <ac:spMkLst>
+            <pc:docMk/>
+            <pc:sldMk cId="150327059" sldId="278"/>
+            <ac:spMk id="2" creationId="{2F9F0260-1F0F-D26A-38E1-A63A8C7DBEC7}"/>
+          </ac:spMkLst>
+        </pc:spChg>
+        <pc:spChg chg="mod">
+          <ac:chgData name="Ben Jones (Ben Jones)" userId="e6e8a0f3-34fe-4d14-b7ab-3a9f1769fff2" providerId="ADAL" clId="{2A4F3FF4-B48F-4BF2-8996-C16EAC4E46EE}" dt="2025-06-11T11:21:20.886" v="1326" actId="255"/>
+          <ac:spMkLst>
+            <pc:docMk/>
+            <pc:sldMk cId="150327059" sldId="278"/>
+            <ac:spMk id="3" creationId="{76294FBC-8E24-85B4-359B-11942119256F}"/>
+          </ac:spMkLst>
+        </pc:spChg>
+      </pc:sldChg>
+      <pc:sldChg chg="modSp add mod">
+        <pc:chgData name="Ben Jones (Ben Jones)" userId="e6e8a0f3-34fe-4d14-b7ab-3a9f1769fff2" providerId="ADAL" clId="{2A4F3FF4-B48F-4BF2-8996-C16EAC4E46EE}" dt="2025-06-11T11:22:58.588" v="1351" actId="2711"/>
+        <pc:sldMkLst>
+          <pc:docMk/>
+          <pc:sldMk cId="578616549" sldId="279"/>
+        </pc:sldMkLst>
+        <pc:spChg chg="mod">
+          <ac:chgData name="Ben Jones (Ben Jones)" userId="e6e8a0f3-34fe-4d14-b7ab-3a9f1769fff2" providerId="ADAL" clId="{2A4F3FF4-B48F-4BF2-8996-C16EAC4E46EE}" dt="2025-06-11T11:21:41.570" v="1334" actId="20577"/>
+          <ac:spMkLst>
+            <pc:docMk/>
+            <pc:sldMk cId="578616549" sldId="279"/>
+            <ac:spMk id="2" creationId="{F9FE0DCF-3041-CDCF-80AB-ED8FCDC760F2}"/>
+          </ac:spMkLst>
+        </pc:spChg>
+        <pc:spChg chg="mod">
+          <ac:chgData name="Ben Jones (Ben Jones)" userId="e6e8a0f3-34fe-4d14-b7ab-3a9f1769fff2" providerId="ADAL" clId="{2A4F3FF4-B48F-4BF2-8996-C16EAC4E46EE}" dt="2025-06-11T11:22:58.588" v="1351" actId="2711"/>
+          <ac:spMkLst>
+            <pc:docMk/>
+            <pc:sldMk cId="578616549" sldId="279"/>
+            <ac:spMk id="3" creationId="{80B035CA-EE87-9CA8-8176-1BB1833A59B1}"/>
+          </ac:spMkLst>
+        </pc:spChg>
+      </pc:sldChg>
+      <pc:sldChg chg="new del">
+        <pc:chgData name="Ben Jones (Ben Jones)" userId="e6e8a0f3-34fe-4d14-b7ab-3a9f1769fff2" providerId="ADAL" clId="{2A4F3FF4-B48F-4BF2-8996-C16EAC4E46EE}" dt="2025-06-11T11:24:08.724" v="1368" actId="2696"/>
+        <pc:sldMkLst>
+          <pc:docMk/>
+          <pc:sldMk cId="907687379" sldId="280"/>
+        </pc:sldMkLst>
+      </pc:sldChg>
+      <pc:sldChg chg="modSp add mod ord">
+        <pc:chgData name="Ben Jones (Ben Jones)" userId="e6e8a0f3-34fe-4d14-b7ab-3a9f1769fff2" providerId="ADAL" clId="{2A4F3FF4-B48F-4BF2-8996-C16EAC4E46EE}" dt="2025-06-11T11:25:18.219" v="1410" actId="255"/>
+        <pc:sldMkLst>
+          <pc:docMk/>
+          <pc:sldMk cId="3994203339" sldId="281"/>
+        </pc:sldMkLst>
+        <pc:spChg chg="mod">
+          <ac:chgData name="Ben Jones (Ben Jones)" userId="e6e8a0f3-34fe-4d14-b7ab-3a9f1769fff2" providerId="ADAL" clId="{2A4F3FF4-B48F-4BF2-8996-C16EAC4E46EE}" dt="2025-06-11T11:25:18.219" v="1410" actId="255"/>
+          <ac:spMkLst>
+            <pc:docMk/>
+            <pc:sldMk cId="3994203339" sldId="281"/>
+            <ac:spMk id="3" creationId="{3897CBEF-DA10-4BE4-10BD-8C379BAB0426}"/>
+          </ac:spMkLst>
+        </pc:spChg>
+      </pc:sldChg>
+      <pc:sldChg chg="modSp add mod">
+        <pc:chgData name="Ben Jones (Ben Jones)" userId="e6e8a0f3-34fe-4d14-b7ab-3a9f1769fff2" providerId="ADAL" clId="{2A4F3FF4-B48F-4BF2-8996-C16EAC4E46EE}" dt="2025-06-11T11:25:01.406" v="1405" actId="2711"/>
+        <pc:sldMkLst>
+          <pc:docMk/>
+          <pc:sldMk cId="19356993" sldId="282"/>
+        </pc:sldMkLst>
+        <pc:spChg chg="mod">
+          <ac:chgData name="Ben Jones (Ben Jones)" userId="e6e8a0f3-34fe-4d14-b7ab-3a9f1769fff2" providerId="ADAL" clId="{2A4F3FF4-B48F-4BF2-8996-C16EAC4E46EE}" dt="2025-06-11T11:25:01.406" v="1405" actId="2711"/>
+          <ac:spMkLst>
+            <pc:docMk/>
+            <pc:sldMk cId="19356993" sldId="282"/>
+            <ac:spMk id="3" creationId="{54DECC49-34B7-7467-C2E0-D570B7E2F497}"/>
+          </ac:spMkLst>
+        </pc:spChg>
+      </pc:sldChg>
+      <pc:sldChg chg="add del">
+        <pc:chgData name="Ben Jones (Ben Jones)" userId="e6e8a0f3-34fe-4d14-b7ab-3a9f1769fff2" providerId="ADAL" clId="{2A4F3FF4-B48F-4BF2-8996-C16EAC4E46EE}" dt="2025-06-11T11:23:55.409" v="1366" actId="2696"/>
+        <pc:sldMkLst>
+          <pc:docMk/>
+          <pc:sldMk cId="1498570592" sldId="282"/>
+        </pc:sldMkLst>
+      </pc:sldChg>
+      <pc:sldChg chg="new del">
+        <pc:chgData name="Ben Jones (Ben Jones)" userId="e6e8a0f3-34fe-4d14-b7ab-3a9f1769fff2" providerId="ADAL" clId="{2A4F3FF4-B48F-4BF2-8996-C16EAC4E46EE}" dt="2025-06-11T11:36:25.836" v="1565" actId="680"/>
+        <pc:sldMkLst>
+          <pc:docMk/>
+          <pc:sldMk cId="2264546196" sldId="283"/>
         </pc:sldMkLst>
       </pc:sldChg>
     </pc:docChg>
@@ -4217,6 +4602,1769 @@
 </p:sld>
 </file>
 
+<file path=ppt/slides/slide10.xml><?xml version="1.0" encoding="utf-8"?>
+<p:sld xmlns:a="http://schemas.openxmlformats.org/drawingml/2006/main" xmlns:r="http://schemas.openxmlformats.org/officeDocument/2006/relationships" xmlns:p="http://schemas.openxmlformats.org/presentationml/2006/main">
+  <p:cSld>
+    <p:spTree>
+      <p:nvGrpSpPr>
+        <p:cNvPr id="1" name="">
+          <a:extLst>
+            <a:ext uri="{FF2B5EF4-FFF2-40B4-BE49-F238E27FC236}">
+              <a16:creationId xmlns:a16="http://schemas.microsoft.com/office/drawing/2014/main" id="{0E95C27E-1D9B-E82B-65D0-6EDF714D70A3}"/>
+            </a:ext>
+          </a:extLst>
+        </p:cNvPr>
+        <p:cNvGrpSpPr/>
+        <p:nvPr/>
+      </p:nvGrpSpPr>
+      <p:grpSpPr>
+        <a:xfrm>
+          <a:off x="0" y="0"/>
+          <a:ext cx="0" cy="0"/>
+          <a:chOff x="0" y="0"/>
+          <a:chExt cx="0" cy="0"/>
+        </a:xfrm>
+      </p:grpSpPr>
+      <p:sp>
+        <p:nvSpPr>
+          <p:cNvPr id="2" name="Title 1">
+            <a:extLst>
+              <a:ext uri="{FF2B5EF4-FFF2-40B4-BE49-F238E27FC236}">
+                <a16:creationId xmlns:a16="http://schemas.microsoft.com/office/drawing/2014/main" id="{5D1FE91B-147D-F0A3-A938-5FDE72790A04}"/>
+              </a:ext>
+            </a:extLst>
+          </p:cNvPr>
+          <p:cNvSpPr>
+            <a:spLocks noGrp="1"/>
+          </p:cNvSpPr>
+          <p:nvPr>
+            <p:ph type="title"/>
+          </p:nvPr>
+        </p:nvSpPr>
+        <p:spPr/>
+        <p:txBody>
+          <a:bodyPr/>
+          <a:lstStyle/>
+          <a:p>
+            <a:r>
+              <a:rPr lang="en-AU" dirty="0"/>
+              <a:t>Instantiate &amp; test </a:t>
+            </a:r>
+          </a:p>
+        </p:txBody>
+      </p:sp>
+      <p:sp>
+        <p:nvSpPr>
+          <p:cNvPr id="3" name="Content Placeholder 2">
+            <a:extLst>
+              <a:ext uri="{FF2B5EF4-FFF2-40B4-BE49-F238E27FC236}">
+                <a16:creationId xmlns:a16="http://schemas.microsoft.com/office/drawing/2014/main" id="{3897CBEF-DA10-4BE4-10BD-8C379BAB0426}"/>
+              </a:ext>
+            </a:extLst>
+          </p:cNvPr>
+          <p:cNvSpPr>
+            <a:spLocks noGrp="1"/>
+          </p:cNvSpPr>
+          <p:nvPr>
+            <p:ph idx="1"/>
+          </p:nvPr>
+        </p:nvSpPr>
+        <p:spPr/>
+        <p:txBody>
+          <a:bodyPr>
+            <a:normAutofit/>
+          </a:bodyPr>
+          <a:lstStyle/>
+          <a:p>
+            <a:pPr marL="0" indent="0">
+              <a:buNone/>
+            </a:pPr>
+            <a:r>
+              <a:rPr lang="en-US" sz="2400" dirty="0">
+                <a:latin typeface="Consolas" panose="020B0609020204030204" pitchFamily="49" charset="0"/>
+              </a:rPr>
+              <a:t>from machine import Pin</a:t>
+            </a:r>
+          </a:p>
+          <a:p>
+            <a:pPr marL="0" indent="0">
+              <a:buNone/>
+            </a:pPr>
+            <a:r>
+              <a:rPr lang="en-US" sz="2400" dirty="0">
+                <a:latin typeface="Consolas" panose="020B0609020204030204" pitchFamily="49" charset="0"/>
+              </a:rPr>
+              <a:t>from time import sleep</a:t>
+            </a:r>
+          </a:p>
+          <a:p>
+            <a:pPr marL="0" indent="0">
+              <a:buNone/>
+            </a:pPr>
+            <a:endParaRPr lang="en-US" sz="2400" dirty="0">
+              <a:latin typeface="Consolas" panose="020B0609020204030204" pitchFamily="49" charset="0"/>
+            </a:endParaRPr>
+          </a:p>
+          <a:p>
+            <a:pPr marL="0" indent="0">
+              <a:buNone/>
+            </a:pPr>
+            <a:r>
+              <a:rPr lang="en-US" sz="2400" dirty="0" err="1">
+                <a:latin typeface="Consolas" panose="020B0609020204030204" pitchFamily="49" charset="0"/>
+              </a:rPr>
+              <a:t>red_light</a:t>
+            </a:r>
+            <a:r>
+              <a:rPr lang="en-US" sz="2400" dirty="0">
+                <a:latin typeface="Consolas" panose="020B0609020204030204" pitchFamily="49" charset="0"/>
+              </a:rPr>
+              <a:t> = </a:t>
+            </a:r>
+            <a:r>
+              <a:rPr lang="en-US" sz="2400" dirty="0" err="1">
+                <a:latin typeface="Consolas" panose="020B0609020204030204" pitchFamily="49" charset="0"/>
+              </a:rPr>
+              <a:t>Led_Light</a:t>
+            </a:r>
+            <a:r>
+              <a:rPr lang="en-US" sz="2400" dirty="0">
+                <a:latin typeface="Consolas" panose="020B0609020204030204" pitchFamily="49" charset="0"/>
+              </a:rPr>
+              <a:t>(3)</a:t>
+            </a:r>
+          </a:p>
+          <a:p>
+            <a:pPr marL="0" indent="0">
+              <a:buNone/>
+            </a:pPr>
+            <a:br>
+              <a:rPr lang="en-US" sz="2400" dirty="0">
+                <a:latin typeface="Consolas" panose="020B0609020204030204" pitchFamily="49" charset="0"/>
+              </a:rPr>
+            </a:br>
+            <a:r>
+              <a:rPr lang="en-US" sz="2400" dirty="0">
+                <a:latin typeface="Consolas" panose="020B0609020204030204" pitchFamily="49" charset="0"/>
+              </a:rPr>
+              <a:t>while True:</a:t>
+            </a:r>
+          </a:p>
+          <a:p>
+            <a:pPr marL="457200" lvl="1" indent="0">
+              <a:buNone/>
+            </a:pPr>
+            <a:r>
+              <a:rPr lang="en-US" dirty="0" err="1">
+                <a:latin typeface="Consolas" panose="020B0609020204030204" pitchFamily="49" charset="0"/>
+              </a:rPr>
+              <a:t>red_light.toggle</a:t>
+            </a:r>
+            <a:r>
+              <a:rPr lang="en-US" dirty="0">
+                <a:latin typeface="Consolas" panose="020B0609020204030204" pitchFamily="49" charset="0"/>
+              </a:rPr>
+              <a:t>()</a:t>
+            </a:r>
+          </a:p>
+          <a:p>
+            <a:pPr marL="457200" lvl="1" indent="0">
+              <a:buNone/>
+            </a:pPr>
+            <a:r>
+              <a:rPr lang="en-US" dirty="0">
+                <a:latin typeface="Consolas" panose="020B0609020204030204" pitchFamily="49" charset="0"/>
+              </a:rPr>
+              <a:t>sleep(1)</a:t>
+            </a:r>
+          </a:p>
+        </p:txBody>
+      </p:sp>
+    </p:spTree>
+    <p:extLst>
+      <p:ext uri="{BB962C8B-B14F-4D97-AF65-F5344CB8AC3E}">
+        <p14:creationId xmlns:p14="http://schemas.microsoft.com/office/powerpoint/2010/main" val="3994203339"/>
+      </p:ext>
+    </p:extLst>
+  </p:cSld>
+  <p:clrMapOvr>
+    <a:masterClrMapping/>
+  </p:clrMapOvr>
+</p:sld>
+</file>
+
+<file path=ppt/slides/slide11.xml><?xml version="1.0" encoding="utf-8"?>
+<p:sld xmlns:a="http://schemas.openxmlformats.org/drawingml/2006/main" xmlns:r="http://schemas.openxmlformats.org/officeDocument/2006/relationships" xmlns:p="http://schemas.openxmlformats.org/presentationml/2006/main">
+  <p:cSld>
+    <p:spTree>
+      <p:nvGrpSpPr>
+        <p:cNvPr id="1" name=""/>
+        <p:cNvGrpSpPr/>
+        <p:nvPr/>
+      </p:nvGrpSpPr>
+      <p:grpSpPr>
+        <a:xfrm>
+          <a:off x="0" y="0"/>
+          <a:ext cx="0" cy="0"/>
+          <a:chOff x="0" y="0"/>
+          <a:chExt cx="0" cy="0"/>
+        </a:xfrm>
+      </p:grpSpPr>
+      <p:sp>
+        <p:nvSpPr>
+          <p:cNvPr id="5" name="Title 4">
+            <a:extLst>
+              <a:ext uri="{FF2B5EF4-FFF2-40B4-BE49-F238E27FC236}">
+                <a16:creationId xmlns:a16="http://schemas.microsoft.com/office/drawing/2014/main" id="{D486937B-AE08-CEA9-288B-A7E12B6EEC9E}"/>
+              </a:ext>
+            </a:extLst>
+          </p:cNvPr>
+          <p:cNvSpPr>
+            <a:spLocks noGrp="1"/>
+          </p:cNvSpPr>
+          <p:nvPr>
+            <p:ph type="title"/>
+          </p:nvPr>
+        </p:nvSpPr>
+        <p:spPr/>
+        <p:txBody>
+          <a:bodyPr/>
+          <a:lstStyle/>
+          <a:p>
+            <a:r>
+              <a:rPr lang="en-AU" dirty="0"/>
+              <a:t>WET v DRY</a:t>
+            </a:r>
+          </a:p>
+        </p:txBody>
+      </p:sp>
+      <p:sp>
+        <p:nvSpPr>
+          <p:cNvPr id="8" name="Content Placeholder 7">
+            <a:extLst>
+              <a:ext uri="{FF2B5EF4-FFF2-40B4-BE49-F238E27FC236}">
+                <a16:creationId xmlns:a16="http://schemas.microsoft.com/office/drawing/2014/main" id="{359FE974-4D1E-3967-5B90-8562E74CE499}"/>
+              </a:ext>
+            </a:extLst>
+          </p:cNvPr>
+          <p:cNvSpPr>
+            <a:spLocks noGrp="1"/>
+          </p:cNvSpPr>
+          <p:nvPr>
+            <p:ph idx="1"/>
+          </p:nvPr>
+        </p:nvSpPr>
+        <p:spPr/>
+        <p:txBody>
+          <a:bodyPr>
+            <a:normAutofit/>
+          </a:bodyPr>
+          <a:lstStyle/>
+          <a:p>
+            <a:pPr marL="0" indent="0">
+              <a:buNone/>
+            </a:pPr>
+            <a:r>
+              <a:rPr lang="en-US" dirty="0"/>
+              <a:t>DRY = “Don’t Repeat Yourself”</a:t>
+            </a:r>
+          </a:p>
+          <a:p>
+            <a:pPr marL="0" indent="0">
+              <a:buNone/>
+            </a:pPr>
+            <a:r>
+              <a:rPr lang="en-US" dirty="0"/>
+              <a:t>WET = “Write Every Thought”</a:t>
+            </a:r>
+          </a:p>
+          <a:p>
+            <a:pPr marL="0" indent="0">
+              <a:buNone/>
+            </a:pPr>
+            <a:endParaRPr lang="en-US" dirty="0"/>
+          </a:p>
+          <a:p>
+            <a:pPr marL="0" indent="0">
+              <a:buNone/>
+            </a:pPr>
+            <a:r>
+              <a:rPr lang="en-US" dirty="0"/>
+              <a:t>What are the issues with this implementation?</a:t>
+            </a:r>
+          </a:p>
+          <a:p>
+            <a:pPr marL="0" indent="0">
+              <a:buNone/>
+            </a:pPr>
+            <a:endParaRPr lang="en-AU" dirty="0"/>
+          </a:p>
+          <a:p>
+            <a:pPr marL="0" indent="0">
+              <a:buNone/>
+            </a:pPr>
+            <a:r>
+              <a:rPr lang="en-AU" dirty="0"/>
+              <a:t>How can the DRY pattern address these issues?</a:t>
+            </a:r>
+          </a:p>
+        </p:txBody>
+      </p:sp>
+    </p:spTree>
+    <p:extLst>
+      <p:ext uri="{BB962C8B-B14F-4D97-AF65-F5344CB8AC3E}">
+        <p14:creationId xmlns:p14="http://schemas.microsoft.com/office/powerpoint/2010/main" val="3539071505"/>
+      </p:ext>
+    </p:extLst>
+  </p:cSld>
+  <p:clrMapOvr>
+    <a:masterClrMapping/>
+  </p:clrMapOvr>
+</p:sld>
+</file>
+
+<file path=ppt/slides/slide12.xml><?xml version="1.0" encoding="utf-8"?>
+<p:sld xmlns:a="http://schemas.openxmlformats.org/drawingml/2006/main" xmlns:r="http://schemas.openxmlformats.org/officeDocument/2006/relationships" xmlns:p="http://schemas.openxmlformats.org/presentationml/2006/main">
+  <p:cSld>
+    <p:spTree>
+      <p:nvGrpSpPr>
+        <p:cNvPr id="1" name="">
+          <a:extLst>
+            <a:ext uri="{FF2B5EF4-FFF2-40B4-BE49-F238E27FC236}">
+              <a16:creationId xmlns:a16="http://schemas.microsoft.com/office/drawing/2014/main" id="{9A1DE396-1CD5-2559-F63A-B6A1FBD39104}"/>
+            </a:ext>
+          </a:extLst>
+        </p:cNvPr>
+        <p:cNvGrpSpPr/>
+        <p:nvPr/>
+      </p:nvGrpSpPr>
+      <p:grpSpPr>
+        <a:xfrm>
+          <a:off x="0" y="0"/>
+          <a:ext cx="0" cy="0"/>
+          <a:chOff x="0" y="0"/>
+          <a:chExt cx="0" cy="0"/>
+        </a:xfrm>
+      </p:grpSpPr>
+      <p:sp>
+        <p:nvSpPr>
+          <p:cNvPr id="5" name="Title 4">
+            <a:extLst>
+              <a:ext uri="{FF2B5EF4-FFF2-40B4-BE49-F238E27FC236}">
+                <a16:creationId xmlns:a16="http://schemas.microsoft.com/office/drawing/2014/main" id="{6EE430AD-A8BB-B396-9CAF-4270103D0FF9}"/>
+              </a:ext>
+            </a:extLst>
+          </p:cNvPr>
+          <p:cNvSpPr>
+            <a:spLocks noGrp="1"/>
+          </p:cNvSpPr>
+          <p:nvPr>
+            <p:ph type="title"/>
+          </p:nvPr>
+        </p:nvSpPr>
+        <p:spPr/>
+        <p:txBody>
+          <a:bodyPr/>
+          <a:lstStyle/>
+          <a:p>
+            <a:r>
+              <a:rPr lang="en-AU" dirty="0"/>
+              <a:t>DRY Implementation</a:t>
+            </a:r>
+          </a:p>
+        </p:txBody>
+      </p:sp>
+      <p:sp>
+        <p:nvSpPr>
+          <p:cNvPr id="8" name="Content Placeholder 7">
+            <a:extLst>
+              <a:ext uri="{FF2B5EF4-FFF2-40B4-BE49-F238E27FC236}">
+                <a16:creationId xmlns:a16="http://schemas.microsoft.com/office/drawing/2014/main" id="{09AA8B3D-15A9-6B14-EFC7-470CD397637D}"/>
+              </a:ext>
+            </a:extLst>
+          </p:cNvPr>
+          <p:cNvSpPr>
+            <a:spLocks noGrp="1"/>
+          </p:cNvSpPr>
+          <p:nvPr>
+            <p:ph idx="1"/>
+          </p:nvPr>
+        </p:nvSpPr>
+        <p:spPr/>
+        <p:txBody>
+          <a:bodyPr>
+            <a:normAutofit/>
+          </a:bodyPr>
+          <a:lstStyle/>
+          <a:p>
+            <a:pPr marL="0" indent="0">
+              <a:buNone/>
+            </a:pPr>
+            <a:r>
+              <a:rPr lang="en-US" sz="2400" dirty="0">
+                <a:latin typeface="Consolas" panose="020B0609020204030204" pitchFamily="49" charset="0"/>
+              </a:rPr>
+              <a:t>def toggle(self):</a:t>
+            </a:r>
+          </a:p>
+          <a:p>
+            <a:pPr marL="0" indent="0">
+              <a:buNone/>
+            </a:pPr>
+            <a:r>
+              <a:rPr lang="en-US" sz="2400" dirty="0">
+                <a:latin typeface="Consolas" panose="020B0609020204030204" pitchFamily="49" charset="0"/>
+              </a:rPr>
+              <a:t># method overriding polymorphism of the parent class</a:t>
+            </a:r>
+          </a:p>
+          <a:p>
+            <a:pPr marL="457200" lvl="1" indent="0">
+              <a:buNone/>
+            </a:pPr>
+            <a:r>
+              <a:rPr lang="en-US" dirty="0">
+                <a:latin typeface="Consolas" panose="020B0609020204030204" pitchFamily="49" charset="0"/>
+              </a:rPr>
+              <a:t>if </a:t>
+            </a:r>
+            <a:r>
+              <a:rPr lang="en-US" dirty="0" err="1">
+                <a:latin typeface="Consolas" panose="020B0609020204030204" pitchFamily="49" charset="0"/>
+              </a:rPr>
+              <a:t>self.value</a:t>
+            </a:r>
+            <a:r>
+              <a:rPr lang="en-US" dirty="0">
+                <a:latin typeface="Consolas" panose="020B0609020204030204" pitchFamily="49" charset="0"/>
+              </a:rPr>
+              <a:t>() == 0:</a:t>
+            </a:r>
+          </a:p>
+          <a:p>
+            <a:pPr marL="914400" lvl="2" indent="0">
+              <a:buNone/>
+            </a:pPr>
+            <a:r>
+              <a:rPr lang="en-US" sz="2400" dirty="0" err="1">
+                <a:latin typeface="Consolas" panose="020B0609020204030204" pitchFamily="49" charset="0"/>
+              </a:rPr>
+              <a:t>self.on</a:t>
+            </a:r>
+            <a:r>
+              <a:rPr lang="en-US" sz="2400" dirty="0">
+                <a:latin typeface="Consolas" panose="020B0609020204030204" pitchFamily="49" charset="0"/>
+              </a:rPr>
+              <a:t>()</a:t>
+            </a:r>
+          </a:p>
+          <a:p>
+            <a:pPr marL="457200" lvl="1" indent="0">
+              <a:buNone/>
+            </a:pPr>
+            <a:r>
+              <a:rPr lang="en-US" dirty="0" err="1">
+                <a:latin typeface="Consolas" panose="020B0609020204030204" pitchFamily="49" charset="0"/>
+              </a:rPr>
+              <a:t>elif</a:t>
+            </a:r>
+            <a:r>
+              <a:rPr lang="en-US" dirty="0">
+                <a:latin typeface="Consolas" panose="020B0609020204030204" pitchFamily="49" charset="0"/>
+              </a:rPr>
+              <a:t> </a:t>
+            </a:r>
+            <a:r>
+              <a:rPr lang="en-US" dirty="0" err="1">
+                <a:latin typeface="Consolas" panose="020B0609020204030204" pitchFamily="49" charset="0"/>
+              </a:rPr>
+              <a:t>self.value</a:t>
+            </a:r>
+            <a:r>
+              <a:rPr lang="en-US" dirty="0">
+                <a:latin typeface="Consolas" panose="020B0609020204030204" pitchFamily="49" charset="0"/>
+              </a:rPr>
+              <a:t>() == 1:</a:t>
+            </a:r>
+          </a:p>
+          <a:p>
+            <a:pPr marL="914400" lvl="2" indent="0">
+              <a:buNone/>
+            </a:pPr>
+            <a:r>
+              <a:rPr lang="en-US" sz="2400" dirty="0" err="1">
+                <a:latin typeface="Consolas" panose="020B0609020204030204" pitchFamily="49" charset="0"/>
+              </a:rPr>
+              <a:t>self.off</a:t>
+            </a:r>
+            <a:r>
+              <a:rPr lang="en-US" sz="2400" dirty="0">
+                <a:latin typeface="Consolas" panose="020B0609020204030204" pitchFamily="49" charset="0"/>
+              </a:rPr>
+              <a:t>()</a:t>
+            </a:r>
+            <a:endParaRPr lang="en-AU" sz="2400" dirty="0">
+              <a:latin typeface="Consolas" panose="020B0609020204030204" pitchFamily="49" charset="0"/>
+            </a:endParaRPr>
+          </a:p>
+        </p:txBody>
+      </p:sp>
+    </p:spTree>
+    <p:extLst>
+      <p:ext uri="{BB962C8B-B14F-4D97-AF65-F5344CB8AC3E}">
+        <p14:creationId xmlns:p14="http://schemas.microsoft.com/office/powerpoint/2010/main" val="3722578529"/>
+      </p:ext>
+    </p:extLst>
+  </p:cSld>
+  <p:clrMapOvr>
+    <a:masterClrMapping/>
+  </p:clrMapOvr>
+</p:sld>
+</file>
+
+<file path=ppt/slides/slide13.xml><?xml version="1.0" encoding="utf-8"?>
+<p:sld xmlns:a="http://schemas.openxmlformats.org/drawingml/2006/main" xmlns:r="http://schemas.openxmlformats.org/officeDocument/2006/relationships" xmlns:p="http://schemas.openxmlformats.org/presentationml/2006/main">
+  <p:cSld>
+    <p:spTree>
+      <p:nvGrpSpPr>
+        <p:cNvPr id="1" name=""/>
+        <p:cNvGrpSpPr/>
+        <p:nvPr/>
+      </p:nvGrpSpPr>
+      <p:grpSpPr>
+        <a:xfrm>
+          <a:off x="0" y="0"/>
+          <a:ext cx="0" cy="0"/>
+          <a:chOff x="0" y="0"/>
+          <a:chExt cx="0" cy="0"/>
+        </a:xfrm>
+      </p:grpSpPr>
+      <p:sp>
+        <p:nvSpPr>
+          <p:cNvPr id="2" name="Title 1">
+            <a:extLst>
+              <a:ext uri="{FF2B5EF4-FFF2-40B4-BE49-F238E27FC236}">
+                <a16:creationId xmlns:a16="http://schemas.microsoft.com/office/drawing/2014/main" id="{698432A2-2D2E-3F70-F830-5A67ED205318}"/>
+              </a:ext>
+            </a:extLst>
+          </p:cNvPr>
+          <p:cNvSpPr>
+            <a:spLocks noGrp="1"/>
+          </p:cNvSpPr>
+          <p:nvPr>
+            <p:ph type="title"/>
+          </p:nvPr>
+        </p:nvSpPr>
+        <p:spPr/>
+        <p:txBody>
+          <a:bodyPr/>
+          <a:lstStyle/>
+          <a:p>
+            <a:r>
+              <a:rPr lang="en-AU" dirty="0"/>
+              <a:t>Encapsulation</a:t>
+            </a:r>
+          </a:p>
+        </p:txBody>
+      </p:sp>
+      <p:sp>
+        <p:nvSpPr>
+          <p:cNvPr id="4" name="Content Placeholder 3">
+            <a:extLst>
+              <a:ext uri="{FF2B5EF4-FFF2-40B4-BE49-F238E27FC236}">
+                <a16:creationId xmlns:a16="http://schemas.microsoft.com/office/drawing/2014/main" id="{E775B479-5750-95E9-CC66-C2F6F8180171}"/>
+              </a:ext>
+            </a:extLst>
+          </p:cNvPr>
+          <p:cNvSpPr>
+            <a:spLocks noGrp="1"/>
+          </p:cNvSpPr>
+          <p:nvPr>
+            <p:ph idx="1"/>
+          </p:nvPr>
+        </p:nvSpPr>
+        <p:spPr/>
+        <p:txBody>
+          <a:bodyPr/>
+          <a:lstStyle/>
+          <a:p>
+            <a:pPr marL="0" indent="0">
+              <a:buNone/>
+            </a:pPr>
+            <a:r>
+              <a:rPr lang="en-US" dirty="0"/>
+              <a:t>Encapsulation restricts direct access to some of an object's components (such as attributes or methods), meaning the internal representation of the object is hidden from the outside. This is typically achieved by making certain attributes or methods private (i.e., inaccessible from outside the class) and providing public methods (such as getters and setters) to access or modify those private members.</a:t>
+            </a:r>
+          </a:p>
+          <a:p>
+            <a:pPr marL="0" indent="0">
+              <a:buNone/>
+            </a:pPr>
+            <a:r>
+              <a:rPr lang="en-US" dirty="0"/>
+              <a:t>In Python we use “__” to define an encapsulated attribute, and in Pseudocode, we use the PRIVATE modifier.</a:t>
+            </a:r>
+          </a:p>
+        </p:txBody>
+      </p:sp>
+    </p:spTree>
+    <p:extLst>
+      <p:ext uri="{BB962C8B-B14F-4D97-AF65-F5344CB8AC3E}">
+        <p14:creationId xmlns:p14="http://schemas.microsoft.com/office/powerpoint/2010/main" val="2546578239"/>
+      </p:ext>
+    </p:extLst>
+  </p:cSld>
+  <p:clrMapOvr>
+    <a:masterClrMapping/>
+  </p:clrMapOvr>
+</p:sld>
+</file>
+
+<file path=ppt/slides/slide14.xml><?xml version="1.0" encoding="utf-8"?>
+<p:sld xmlns:a="http://schemas.openxmlformats.org/drawingml/2006/main" xmlns:r="http://schemas.openxmlformats.org/officeDocument/2006/relationships" xmlns:p="http://schemas.openxmlformats.org/presentationml/2006/main">
+  <p:cSld>
+    <p:spTree>
+      <p:nvGrpSpPr>
+        <p:cNvPr id="1" name=""/>
+        <p:cNvGrpSpPr/>
+        <p:nvPr/>
+      </p:nvGrpSpPr>
+      <p:grpSpPr>
+        <a:xfrm>
+          <a:off x="0" y="0"/>
+          <a:ext cx="0" cy="0"/>
+          <a:chOff x="0" y="0"/>
+          <a:chExt cx="0" cy="0"/>
+        </a:xfrm>
+      </p:grpSpPr>
+      <p:sp>
+        <p:nvSpPr>
+          <p:cNvPr id="5" name="Title 4">
+            <a:extLst>
+              <a:ext uri="{FF2B5EF4-FFF2-40B4-BE49-F238E27FC236}">
+                <a16:creationId xmlns:a16="http://schemas.microsoft.com/office/drawing/2014/main" id="{96EBD5BC-A418-B3D5-F3BE-15BADC7685D9}"/>
+              </a:ext>
+            </a:extLst>
+          </p:cNvPr>
+          <p:cNvSpPr>
+            <a:spLocks noGrp="1"/>
+          </p:cNvSpPr>
+          <p:nvPr>
+            <p:ph type="title"/>
+          </p:nvPr>
+        </p:nvSpPr>
+        <p:spPr/>
+        <p:txBody>
+          <a:bodyPr/>
+          <a:lstStyle/>
+          <a:p>
+            <a:r>
+              <a:rPr lang="en-AU" dirty="0"/>
+              <a:t>Setter &amp; Getters</a:t>
+            </a:r>
+          </a:p>
+        </p:txBody>
+      </p:sp>
+      <p:sp>
+        <p:nvSpPr>
+          <p:cNvPr id="3" name="Content Placeholder 2">
+            <a:extLst>
+              <a:ext uri="{FF2B5EF4-FFF2-40B4-BE49-F238E27FC236}">
+                <a16:creationId xmlns:a16="http://schemas.microsoft.com/office/drawing/2014/main" id="{D558FCB4-463D-4004-1C16-76D08CA2C42E}"/>
+              </a:ext>
+            </a:extLst>
+          </p:cNvPr>
+          <p:cNvSpPr>
+            <a:spLocks noGrp="1"/>
+          </p:cNvSpPr>
+          <p:nvPr>
+            <p:ph idx="1"/>
+          </p:nvPr>
+        </p:nvSpPr>
+        <p:spPr/>
+        <p:txBody>
+          <a:bodyPr>
+            <a:normAutofit fontScale="92500" lnSpcReduction="10000"/>
+          </a:bodyPr>
+          <a:lstStyle/>
+          <a:p>
+            <a:pPr marL="0" indent="0">
+              <a:buNone/>
+            </a:pPr>
+            <a:r>
+              <a:rPr lang="en-US" dirty="0"/>
+              <a:t>Setters and getters are special methods used in object-oriented programming to access (get) or modify (set) the values of private or protected attributes of a class. They help encapsulate the internal state of an object, providing controlled access.</a:t>
+            </a:r>
+          </a:p>
+          <a:p>
+            <a:pPr marL="0" indent="0">
+              <a:buNone/>
+            </a:pPr>
+            <a:endParaRPr lang="en-US" dirty="0"/>
+          </a:p>
+          <a:p>
+            <a:pPr marL="0" indent="0">
+              <a:buNone/>
+            </a:pPr>
+            <a:r>
+              <a:rPr lang="en-US" dirty="0"/>
+              <a:t>A getter is a method that retrieves (gets) the value of a private attribute. It allows you to read the value without providing direct access to the underlying variable.</a:t>
+            </a:r>
+          </a:p>
+          <a:p>
+            <a:pPr marL="0" indent="0">
+              <a:buNone/>
+            </a:pPr>
+            <a:endParaRPr lang="en-US" dirty="0"/>
+          </a:p>
+          <a:p>
+            <a:pPr marL="0" indent="0">
+              <a:buNone/>
+            </a:pPr>
+            <a:r>
+              <a:rPr lang="en-US" dirty="0"/>
+              <a:t>A setter is a method that sets (updates) the value of a private attribute. It allows you to validate or restrict changes before updating the attribute.</a:t>
+            </a:r>
+          </a:p>
+        </p:txBody>
+      </p:sp>
+    </p:spTree>
+    <p:extLst>
+      <p:ext uri="{BB962C8B-B14F-4D97-AF65-F5344CB8AC3E}">
+        <p14:creationId xmlns:p14="http://schemas.microsoft.com/office/powerpoint/2010/main" val="3160910607"/>
+      </p:ext>
+    </p:extLst>
+  </p:cSld>
+  <p:clrMapOvr>
+    <a:masterClrMapping/>
+  </p:clrMapOvr>
+</p:sld>
+</file>
+
+<file path=ppt/slides/slide15.xml><?xml version="1.0" encoding="utf-8"?>
+<p:sld xmlns:a="http://schemas.openxmlformats.org/drawingml/2006/main" xmlns:r="http://schemas.openxmlformats.org/officeDocument/2006/relationships" xmlns:p="http://schemas.openxmlformats.org/presentationml/2006/main">
+  <p:cSld>
+    <p:spTree>
+      <p:nvGrpSpPr>
+        <p:cNvPr id="1" name=""/>
+        <p:cNvGrpSpPr/>
+        <p:nvPr/>
+      </p:nvGrpSpPr>
+      <p:grpSpPr>
+        <a:xfrm>
+          <a:off x="0" y="0"/>
+          <a:ext cx="0" cy="0"/>
+          <a:chOff x="0" y="0"/>
+          <a:chExt cx="0" cy="0"/>
+        </a:xfrm>
+      </p:grpSpPr>
+      <p:sp>
+        <p:nvSpPr>
+          <p:cNvPr id="2" name="Title 1">
+            <a:extLst>
+              <a:ext uri="{FF2B5EF4-FFF2-40B4-BE49-F238E27FC236}">
+                <a16:creationId xmlns:a16="http://schemas.microsoft.com/office/drawing/2014/main" id="{44375452-9F4E-B055-718A-F19667AF518D}"/>
+              </a:ext>
+            </a:extLst>
+          </p:cNvPr>
+          <p:cNvSpPr>
+            <a:spLocks noGrp="1"/>
+          </p:cNvSpPr>
+          <p:nvPr>
+            <p:ph type="title"/>
+          </p:nvPr>
+        </p:nvSpPr>
+        <p:spPr/>
+        <p:txBody>
+          <a:bodyPr/>
+          <a:lstStyle/>
+          <a:p>
+            <a:r>
+              <a:rPr lang="en-AU" dirty="0"/>
+              <a:t>Add a </a:t>
+            </a:r>
+            <a:r>
+              <a:rPr lang="en-AU" dirty="0" err="1"/>
+              <a:t>led_light_state</a:t>
+            </a:r>
+            <a:r>
+              <a:rPr lang="en-AU" dirty="0"/>
+              <a:t> attribute </a:t>
+            </a:r>
+          </a:p>
+        </p:txBody>
+      </p:sp>
+      <p:sp>
+        <p:nvSpPr>
+          <p:cNvPr id="3" name="Content Placeholder 2">
+            <a:extLst>
+              <a:ext uri="{FF2B5EF4-FFF2-40B4-BE49-F238E27FC236}">
+                <a16:creationId xmlns:a16="http://schemas.microsoft.com/office/drawing/2014/main" id="{DD04821B-3CDE-B72D-FD94-23B33CD0F272}"/>
+              </a:ext>
+            </a:extLst>
+          </p:cNvPr>
+          <p:cNvSpPr>
+            <a:spLocks noGrp="1"/>
+          </p:cNvSpPr>
+          <p:nvPr>
+            <p:ph idx="1"/>
+          </p:nvPr>
+        </p:nvSpPr>
+        <p:spPr/>
+        <p:txBody>
+          <a:bodyPr>
+            <a:normAutofit/>
+          </a:bodyPr>
+          <a:lstStyle/>
+          <a:p>
+            <a:pPr marL="0" indent="0">
+              <a:buNone/>
+            </a:pPr>
+            <a:r>
+              <a:rPr lang="en-AU" sz="2400" dirty="0">
+                <a:latin typeface="Consolas" panose="020B0609020204030204" pitchFamily="49" charset="0"/>
+              </a:rPr>
+              <a:t>class </a:t>
+            </a:r>
+            <a:r>
+              <a:rPr lang="en-AU" sz="2400" dirty="0" err="1">
+                <a:latin typeface="Consolas" panose="020B0609020204030204" pitchFamily="49" charset="0"/>
+              </a:rPr>
+              <a:t>Led_Light</a:t>
+            </a:r>
+            <a:r>
+              <a:rPr lang="en-AU" sz="2400" dirty="0">
+                <a:latin typeface="Consolas" panose="020B0609020204030204" pitchFamily="49" charset="0"/>
+              </a:rPr>
+              <a:t>(Pin):</a:t>
+            </a:r>
+          </a:p>
+          <a:p>
+            <a:pPr marL="0" indent="0">
+              <a:buNone/>
+            </a:pPr>
+            <a:r>
+              <a:rPr lang="en-AU" sz="2400" dirty="0">
+                <a:latin typeface="Consolas" panose="020B0609020204030204" pitchFamily="49" charset="0"/>
+              </a:rPr>
+              <a:t># child class inherits the parent 'Pin' class</a:t>
+            </a:r>
+          </a:p>
+          <a:p>
+            <a:pPr marL="457200" lvl="1" indent="0">
+              <a:buNone/>
+            </a:pPr>
+            <a:r>
+              <a:rPr lang="en-AU" dirty="0">
+                <a:latin typeface="Consolas" panose="020B0609020204030204" pitchFamily="49" charset="0"/>
+              </a:rPr>
+              <a:t>def __</a:t>
+            </a:r>
+            <a:r>
+              <a:rPr lang="en-AU" dirty="0" err="1">
+                <a:latin typeface="Consolas" panose="020B0609020204030204" pitchFamily="49" charset="0"/>
+              </a:rPr>
+              <a:t>init</a:t>
+            </a:r>
+            <a:r>
+              <a:rPr lang="en-AU" dirty="0">
+                <a:latin typeface="Consolas" panose="020B0609020204030204" pitchFamily="49" charset="0"/>
+              </a:rPr>
+              <a:t>__(self, pin, flashing=False, debug=False):</a:t>
+            </a:r>
+          </a:p>
+          <a:p>
+            <a:pPr marL="914400" lvl="2" indent="0">
+              <a:buNone/>
+            </a:pPr>
+            <a:r>
+              <a:rPr lang="en-AU" sz="2400" dirty="0">
+                <a:latin typeface="Consolas" panose="020B0609020204030204" pitchFamily="49" charset="0"/>
+              </a:rPr>
+              <a:t>super().__</a:t>
+            </a:r>
+            <a:r>
+              <a:rPr lang="en-AU" sz="2400" dirty="0" err="1">
+                <a:latin typeface="Consolas" panose="020B0609020204030204" pitchFamily="49" charset="0"/>
+              </a:rPr>
+              <a:t>init</a:t>
+            </a:r>
+            <a:r>
+              <a:rPr lang="en-AU" sz="2400" dirty="0">
+                <a:latin typeface="Consolas" panose="020B0609020204030204" pitchFamily="49" charset="0"/>
+              </a:rPr>
+              <a:t>__(pin, </a:t>
+            </a:r>
+            <a:r>
+              <a:rPr lang="en-AU" sz="2400" dirty="0" err="1">
+                <a:latin typeface="Consolas" panose="020B0609020204030204" pitchFamily="49" charset="0"/>
+              </a:rPr>
+              <a:t>Pin.OUT</a:t>
+            </a:r>
+            <a:r>
+              <a:rPr lang="en-AU" sz="2400" dirty="0">
+                <a:latin typeface="Consolas" panose="020B0609020204030204" pitchFamily="49" charset="0"/>
+              </a:rPr>
+              <a:t>)</a:t>
+            </a:r>
+          </a:p>
+          <a:p>
+            <a:pPr marL="914400" lvl="2" indent="0">
+              <a:buNone/>
+            </a:pPr>
+            <a:r>
+              <a:rPr lang="en-AU" sz="2400" dirty="0" err="1">
+                <a:solidFill>
+                  <a:srgbClr val="FF0000"/>
+                </a:solidFill>
+                <a:latin typeface="Consolas" panose="020B0609020204030204" pitchFamily="49" charset="0"/>
+              </a:rPr>
+              <a:t>self.led_light_state</a:t>
+            </a:r>
+            <a:endParaRPr lang="en-AU" sz="2400" dirty="0">
+              <a:solidFill>
+                <a:srgbClr val="FF0000"/>
+              </a:solidFill>
+              <a:latin typeface="Consolas" panose="020B0609020204030204" pitchFamily="49" charset="0"/>
+            </a:endParaRPr>
+          </a:p>
+          <a:p>
+            <a:pPr marL="914400" lvl="2" indent="0">
+              <a:buNone/>
+            </a:pPr>
+            <a:r>
+              <a:rPr lang="en-AU" sz="2400" dirty="0" err="1">
+                <a:latin typeface="Consolas" panose="020B0609020204030204" pitchFamily="49" charset="0"/>
+              </a:rPr>
+              <a:t>self.__debug</a:t>
+            </a:r>
+            <a:r>
+              <a:rPr lang="en-AU" sz="2400" dirty="0">
+                <a:latin typeface="Consolas" panose="020B0609020204030204" pitchFamily="49" charset="0"/>
+              </a:rPr>
+              <a:t> = debug</a:t>
+            </a:r>
+          </a:p>
+          <a:p>
+            <a:pPr marL="914400" lvl="2" indent="0">
+              <a:buNone/>
+            </a:pPr>
+            <a:r>
+              <a:rPr lang="en-AU" sz="2400" dirty="0" err="1">
+                <a:latin typeface="Consolas" panose="020B0609020204030204" pitchFamily="49" charset="0"/>
+              </a:rPr>
+              <a:t>self.__pin</a:t>
+            </a:r>
+            <a:r>
+              <a:rPr lang="en-AU" sz="2400" dirty="0">
+                <a:latin typeface="Consolas" panose="020B0609020204030204" pitchFamily="49" charset="0"/>
+              </a:rPr>
+              <a:t> = pin</a:t>
+            </a:r>
+          </a:p>
+          <a:p>
+            <a:pPr marL="914400" lvl="2" indent="0">
+              <a:buNone/>
+            </a:pPr>
+            <a:r>
+              <a:rPr lang="en-AU" sz="2400" dirty="0" err="1">
+                <a:latin typeface="Consolas" panose="020B0609020204030204" pitchFamily="49" charset="0"/>
+              </a:rPr>
+              <a:t>self.__flashing</a:t>
+            </a:r>
+            <a:r>
+              <a:rPr lang="en-AU" sz="2400" dirty="0">
+                <a:latin typeface="Consolas" panose="020B0609020204030204" pitchFamily="49" charset="0"/>
+              </a:rPr>
+              <a:t> = flashing</a:t>
+            </a:r>
+          </a:p>
+          <a:p>
+            <a:pPr marL="914400" lvl="2" indent="0">
+              <a:buNone/>
+            </a:pPr>
+            <a:endParaRPr lang="en-AU" sz="2400" dirty="0">
+              <a:latin typeface="Consolas" panose="020B0609020204030204" pitchFamily="49" charset="0"/>
+            </a:endParaRPr>
+          </a:p>
+        </p:txBody>
+      </p:sp>
+    </p:spTree>
+    <p:extLst>
+      <p:ext uri="{BB962C8B-B14F-4D97-AF65-F5344CB8AC3E}">
+        <p14:creationId xmlns:p14="http://schemas.microsoft.com/office/powerpoint/2010/main" val="1200987726"/>
+      </p:ext>
+    </p:extLst>
+  </p:cSld>
+  <p:clrMapOvr>
+    <a:masterClrMapping/>
+  </p:clrMapOvr>
+</p:sld>
+</file>
+
+<file path=ppt/slides/slide16.xml><?xml version="1.0" encoding="utf-8"?>
+<p:sld xmlns:a="http://schemas.openxmlformats.org/drawingml/2006/main" xmlns:r="http://schemas.openxmlformats.org/officeDocument/2006/relationships" xmlns:p="http://schemas.openxmlformats.org/presentationml/2006/main">
+  <p:cSld>
+    <p:spTree>
+      <p:nvGrpSpPr>
+        <p:cNvPr id="1" name=""/>
+        <p:cNvGrpSpPr/>
+        <p:nvPr/>
+      </p:nvGrpSpPr>
+      <p:grpSpPr>
+        <a:xfrm>
+          <a:off x="0" y="0"/>
+          <a:ext cx="0" cy="0"/>
+          <a:chOff x="0" y="0"/>
+          <a:chExt cx="0" cy="0"/>
+        </a:xfrm>
+      </p:grpSpPr>
+      <p:sp>
+        <p:nvSpPr>
+          <p:cNvPr id="2" name="Title 1">
+            <a:extLst>
+              <a:ext uri="{FF2B5EF4-FFF2-40B4-BE49-F238E27FC236}">
+                <a16:creationId xmlns:a16="http://schemas.microsoft.com/office/drawing/2014/main" id="{2F9F0260-1F0F-D26A-38E1-A63A8C7DBEC7}"/>
+              </a:ext>
+            </a:extLst>
+          </p:cNvPr>
+          <p:cNvSpPr>
+            <a:spLocks noGrp="1"/>
+          </p:cNvSpPr>
+          <p:nvPr>
+            <p:ph type="title"/>
+          </p:nvPr>
+        </p:nvSpPr>
+        <p:spPr/>
+        <p:txBody>
+          <a:bodyPr/>
+          <a:lstStyle/>
+          <a:p>
+            <a:r>
+              <a:rPr lang="en-AU" dirty="0"/>
+              <a:t>Create a “getter”</a:t>
+            </a:r>
+          </a:p>
+        </p:txBody>
+      </p:sp>
+      <p:sp>
+        <p:nvSpPr>
+          <p:cNvPr id="3" name="Content Placeholder 2">
+            <a:extLst>
+              <a:ext uri="{FF2B5EF4-FFF2-40B4-BE49-F238E27FC236}">
+                <a16:creationId xmlns:a16="http://schemas.microsoft.com/office/drawing/2014/main" id="{76294FBC-8E24-85B4-359B-11942119256F}"/>
+              </a:ext>
+            </a:extLst>
+          </p:cNvPr>
+          <p:cNvSpPr>
+            <a:spLocks noGrp="1"/>
+          </p:cNvSpPr>
+          <p:nvPr>
+            <p:ph idx="1"/>
+          </p:nvPr>
+        </p:nvSpPr>
+        <p:spPr/>
+        <p:txBody>
+          <a:bodyPr/>
+          <a:lstStyle/>
+          <a:p>
+            <a:pPr marL="0" indent="0">
+              <a:buNone/>
+            </a:pPr>
+            <a:r>
+              <a:rPr lang="en-US" sz="2400" dirty="0">
+                <a:latin typeface="Consolas" panose="020B0609020204030204" pitchFamily="49" charset="0"/>
+              </a:rPr>
+              <a:t>@property</a:t>
+            </a:r>
+          </a:p>
+          <a:p>
+            <a:pPr marL="0" indent="0">
+              <a:buNone/>
+            </a:pPr>
+            <a:r>
+              <a:rPr lang="en-US" sz="2400" dirty="0">
+                <a:latin typeface="Consolas" panose="020B0609020204030204" pitchFamily="49" charset="0"/>
+              </a:rPr>
+              <a:t>def </a:t>
+            </a:r>
+            <a:r>
+              <a:rPr lang="en-US" sz="2400" dirty="0" err="1">
+                <a:latin typeface="Consolas" panose="020B0609020204030204" pitchFamily="49" charset="0"/>
+              </a:rPr>
+              <a:t>led_light_state</a:t>
+            </a:r>
+            <a:r>
+              <a:rPr lang="en-US" sz="2400" dirty="0">
+                <a:latin typeface="Consolas" panose="020B0609020204030204" pitchFamily="49" charset="0"/>
+              </a:rPr>
+              <a:t>(self):</a:t>
+            </a:r>
+          </a:p>
+          <a:p>
+            <a:pPr marL="457200" lvl="1" indent="0">
+              <a:buNone/>
+            </a:pPr>
+            <a:r>
+              <a:rPr lang="en-US" dirty="0">
+                <a:latin typeface="Consolas" panose="020B0609020204030204" pitchFamily="49" charset="0"/>
+              </a:rPr>
+              <a:t># method overloading polymorphism in this class</a:t>
+            </a:r>
+          </a:p>
+          <a:p>
+            <a:pPr marL="457200" lvl="1" indent="0">
+              <a:buNone/>
+            </a:pPr>
+            <a:r>
+              <a:rPr lang="en-US" dirty="0">
+                <a:latin typeface="Consolas" panose="020B0609020204030204" pitchFamily="49" charset="0"/>
+              </a:rPr>
+              <a:t>return </a:t>
+            </a:r>
+            <a:r>
+              <a:rPr lang="en-US" dirty="0" err="1">
+                <a:latin typeface="Consolas" panose="020B0609020204030204" pitchFamily="49" charset="0"/>
+              </a:rPr>
+              <a:t>self.value</a:t>
+            </a:r>
+            <a:r>
+              <a:rPr lang="en-US" dirty="0">
+                <a:latin typeface="Consolas" panose="020B0609020204030204" pitchFamily="49" charset="0"/>
+              </a:rPr>
+              <a:t>()</a:t>
+            </a:r>
+          </a:p>
+          <a:p>
+            <a:pPr marL="0" indent="0">
+              <a:buNone/>
+            </a:pPr>
+            <a:endParaRPr lang="en-AU" dirty="0"/>
+          </a:p>
+        </p:txBody>
+      </p:sp>
+    </p:spTree>
+    <p:extLst>
+      <p:ext uri="{BB962C8B-B14F-4D97-AF65-F5344CB8AC3E}">
+        <p14:creationId xmlns:p14="http://schemas.microsoft.com/office/powerpoint/2010/main" val="150327059"/>
+      </p:ext>
+    </p:extLst>
+  </p:cSld>
+  <p:clrMapOvr>
+    <a:masterClrMapping/>
+  </p:clrMapOvr>
+</p:sld>
+</file>
+
+<file path=ppt/slides/slide17.xml><?xml version="1.0" encoding="utf-8"?>
+<p:sld xmlns:a="http://schemas.openxmlformats.org/drawingml/2006/main" xmlns:r="http://schemas.openxmlformats.org/officeDocument/2006/relationships" xmlns:p="http://schemas.openxmlformats.org/presentationml/2006/main">
+  <p:cSld>
+    <p:spTree>
+      <p:nvGrpSpPr>
+        <p:cNvPr id="1" name="">
+          <a:extLst>
+            <a:ext uri="{FF2B5EF4-FFF2-40B4-BE49-F238E27FC236}">
+              <a16:creationId xmlns:a16="http://schemas.microsoft.com/office/drawing/2014/main" id="{86DA9E5E-364E-1050-B382-0323230656F0}"/>
+            </a:ext>
+          </a:extLst>
+        </p:cNvPr>
+        <p:cNvGrpSpPr/>
+        <p:nvPr/>
+      </p:nvGrpSpPr>
+      <p:grpSpPr>
+        <a:xfrm>
+          <a:off x="0" y="0"/>
+          <a:ext cx="0" cy="0"/>
+          <a:chOff x="0" y="0"/>
+          <a:chExt cx="0" cy="0"/>
+        </a:xfrm>
+      </p:grpSpPr>
+      <p:sp>
+        <p:nvSpPr>
+          <p:cNvPr id="2" name="Title 1">
+            <a:extLst>
+              <a:ext uri="{FF2B5EF4-FFF2-40B4-BE49-F238E27FC236}">
+                <a16:creationId xmlns:a16="http://schemas.microsoft.com/office/drawing/2014/main" id="{F9FE0DCF-3041-CDCF-80AB-ED8FCDC760F2}"/>
+              </a:ext>
+            </a:extLst>
+          </p:cNvPr>
+          <p:cNvSpPr>
+            <a:spLocks noGrp="1"/>
+          </p:cNvSpPr>
+          <p:nvPr>
+            <p:ph type="title"/>
+          </p:nvPr>
+        </p:nvSpPr>
+        <p:spPr/>
+        <p:txBody>
+          <a:bodyPr/>
+          <a:lstStyle/>
+          <a:p>
+            <a:r>
+              <a:rPr lang="en-AU" dirty="0"/>
+              <a:t>Create a “setter”</a:t>
+            </a:r>
+          </a:p>
+        </p:txBody>
+      </p:sp>
+      <p:sp>
+        <p:nvSpPr>
+          <p:cNvPr id="3" name="Content Placeholder 2">
+            <a:extLst>
+              <a:ext uri="{FF2B5EF4-FFF2-40B4-BE49-F238E27FC236}">
+                <a16:creationId xmlns:a16="http://schemas.microsoft.com/office/drawing/2014/main" id="{80B035CA-EE87-9CA8-8176-1BB1833A59B1}"/>
+              </a:ext>
+            </a:extLst>
+          </p:cNvPr>
+          <p:cNvSpPr>
+            <a:spLocks noGrp="1"/>
+          </p:cNvSpPr>
+          <p:nvPr>
+            <p:ph idx="1"/>
+          </p:nvPr>
+        </p:nvSpPr>
+        <p:spPr/>
+        <p:txBody>
+          <a:bodyPr>
+            <a:normAutofit/>
+          </a:bodyPr>
+          <a:lstStyle/>
+          <a:p>
+            <a:pPr marL="0" indent="0">
+              <a:buNone/>
+            </a:pPr>
+            <a:r>
+              <a:rPr lang="en-US" sz="2400" dirty="0">
+                <a:latin typeface="Consolas" panose="020B0609020204030204" pitchFamily="49" charset="0"/>
+              </a:rPr>
+              <a:t>@led_light_state.setter</a:t>
+            </a:r>
+          </a:p>
+          <a:p>
+            <a:pPr marL="0" indent="0">
+              <a:buNone/>
+            </a:pPr>
+            <a:r>
+              <a:rPr lang="en-US" sz="2400" dirty="0">
+                <a:latin typeface="Consolas" panose="020B0609020204030204" pitchFamily="49" charset="0"/>
+              </a:rPr>
+              <a:t>def </a:t>
+            </a:r>
+            <a:r>
+              <a:rPr lang="en-US" sz="2400" dirty="0" err="1">
+                <a:latin typeface="Consolas" panose="020B0609020204030204" pitchFamily="49" charset="0"/>
+              </a:rPr>
+              <a:t>led_light_state</a:t>
+            </a:r>
+            <a:r>
+              <a:rPr lang="en-US" sz="2400" dirty="0">
+                <a:latin typeface="Consolas" panose="020B0609020204030204" pitchFamily="49" charset="0"/>
+              </a:rPr>
+              <a:t>(self, value):</a:t>
+            </a:r>
+          </a:p>
+          <a:p>
+            <a:pPr marL="0" indent="0">
+              <a:buNone/>
+            </a:pPr>
+            <a:r>
+              <a:rPr lang="en-US" sz="2400" dirty="0">
+                <a:latin typeface="Consolas" panose="020B0609020204030204" pitchFamily="49" charset="0"/>
+              </a:rPr>
+              <a:t># method overloading polymorphism in this class</a:t>
+            </a:r>
+          </a:p>
+          <a:p>
+            <a:pPr marL="457200" lvl="1" indent="0">
+              <a:buNone/>
+            </a:pPr>
+            <a:r>
+              <a:rPr lang="en-US" dirty="0">
+                <a:latin typeface="Consolas" panose="020B0609020204030204" pitchFamily="49" charset="0"/>
+              </a:rPr>
+              <a:t>if value == 1:</a:t>
+            </a:r>
+          </a:p>
+          <a:p>
+            <a:pPr marL="914400" lvl="2" indent="0">
+              <a:buNone/>
+            </a:pPr>
+            <a:r>
+              <a:rPr lang="en-US" sz="2400" dirty="0" err="1">
+                <a:latin typeface="Consolas" panose="020B0609020204030204" pitchFamily="49" charset="0"/>
+              </a:rPr>
+              <a:t>self.off</a:t>
+            </a:r>
+            <a:r>
+              <a:rPr lang="en-US" sz="2400" dirty="0">
+                <a:latin typeface="Consolas" panose="020B0609020204030204" pitchFamily="49" charset="0"/>
+              </a:rPr>
+              <a:t>()</a:t>
+            </a:r>
+          </a:p>
+          <a:p>
+            <a:pPr marL="457200" lvl="1" indent="0">
+              <a:buNone/>
+            </a:pPr>
+            <a:r>
+              <a:rPr lang="en-US" dirty="0" err="1">
+                <a:latin typeface="Consolas" panose="020B0609020204030204" pitchFamily="49" charset="0"/>
+              </a:rPr>
+              <a:t>elif</a:t>
+            </a:r>
+            <a:r>
+              <a:rPr lang="en-US" dirty="0">
+                <a:latin typeface="Consolas" panose="020B0609020204030204" pitchFamily="49" charset="0"/>
+              </a:rPr>
+              <a:t> value == 0:</a:t>
+            </a:r>
+          </a:p>
+          <a:p>
+            <a:pPr marL="914400" lvl="2" indent="0">
+              <a:buNone/>
+            </a:pPr>
+            <a:r>
+              <a:rPr lang="en-US" sz="2400" dirty="0" err="1">
+                <a:latin typeface="Consolas" panose="020B0609020204030204" pitchFamily="49" charset="0"/>
+              </a:rPr>
+              <a:t>self.on</a:t>
+            </a:r>
+            <a:r>
+              <a:rPr lang="en-US" sz="2400" dirty="0">
+                <a:latin typeface="Consolas" panose="020B0609020204030204" pitchFamily="49" charset="0"/>
+              </a:rPr>
+              <a:t>()</a:t>
+            </a:r>
+            <a:endParaRPr lang="en-AU" sz="2400" dirty="0">
+              <a:latin typeface="Consolas" panose="020B0609020204030204" pitchFamily="49" charset="0"/>
+            </a:endParaRPr>
+          </a:p>
+        </p:txBody>
+      </p:sp>
+    </p:spTree>
+    <p:extLst>
+      <p:ext uri="{BB962C8B-B14F-4D97-AF65-F5344CB8AC3E}">
+        <p14:creationId xmlns:p14="http://schemas.microsoft.com/office/powerpoint/2010/main" val="578616549"/>
+      </p:ext>
+    </p:extLst>
+  </p:cSld>
+  <p:clrMapOvr>
+    <a:masterClrMapping/>
+  </p:clrMapOvr>
+</p:sld>
+</file>
+
+<file path=ppt/slides/slide18.xml><?xml version="1.0" encoding="utf-8"?>
+<p:sld xmlns:a="http://schemas.openxmlformats.org/drawingml/2006/main" xmlns:r="http://schemas.openxmlformats.org/officeDocument/2006/relationships" xmlns:p="http://schemas.openxmlformats.org/presentationml/2006/main">
+  <p:cSld>
+    <p:spTree>
+      <p:nvGrpSpPr>
+        <p:cNvPr id="1" name="">
+          <a:extLst>
+            <a:ext uri="{FF2B5EF4-FFF2-40B4-BE49-F238E27FC236}">
+              <a16:creationId xmlns:a16="http://schemas.microsoft.com/office/drawing/2014/main" id="{9785E979-202B-2D42-7455-5B545CD1DC14}"/>
+            </a:ext>
+          </a:extLst>
+        </p:cNvPr>
+        <p:cNvGrpSpPr/>
+        <p:nvPr/>
+      </p:nvGrpSpPr>
+      <p:grpSpPr>
+        <a:xfrm>
+          <a:off x="0" y="0"/>
+          <a:ext cx="0" cy="0"/>
+          <a:chOff x="0" y="0"/>
+          <a:chExt cx="0" cy="0"/>
+        </a:xfrm>
+      </p:grpSpPr>
+      <p:sp>
+        <p:nvSpPr>
+          <p:cNvPr id="2" name="Title 1">
+            <a:extLst>
+              <a:ext uri="{FF2B5EF4-FFF2-40B4-BE49-F238E27FC236}">
+                <a16:creationId xmlns:a16="http://schemas.microsoft.com/office/drawing/2014/main" id="{1597F064-F41D-CEB1-040C-5B1179FF8053}"/>
+              </a:ext>
+            </a:extLst>
+          </p:cNvPr>
+          <p:cNvSpPr>
+            <a:spLocks noGrp="1"/>
+          </p:cNvSpPr>
+          <p:nvPr>
+            <p:ph type="title"/>
+          </p:nvPr>
+        </p:nvSpPr>
+        <p:spPr/>
+        <p:txBody>
+          <a:bodyPr/>
+          <a:lstStyle/>
+          <a:p>
+            <a:r>
+              <a:rPr lang="en-AU" dirty="0"/>
+              <a:t>Instantiate &amp; test </a:t>
+            </a:r>
+          </a:p>
+        </p:txBody>
+      </p:sp>
+      <p:sp>
+        <p:nvSpPr>
+          <p:cNvPr id="3" name="Content Placeholder 2">
+            <a:extLst>
+              <a:ext uri="{FF2B5EF4-FFF2-40B4-BE49-F238E27FC236}">
+                <a16:creationId xmlns:a16="http://schemas.microsoft.com/office/drawing/2014/main" id="{54DECC49-34B7-7467-C2E0-D570B7E2F497}"/>
+              </a:ext>
+            </a:extLst>
+          </p:cNvPr>
+          <p:cNvSpPr>
+            <a:spLocks noGrp="1"/>
+          </p:cNvSpPr>
+          <p:nvPr>
+            <p:ph idx="1"/>
+          </p:nvPr>
+        </p:nvSpPr>
+        <p:spPr/>
+        <p:txBody>
+          <a:bodyPr>
+            <a:normAutofit fontScale="92500" lnSpcReduction="20000"/>
+          </a:bodyPr>
+          <a:lstStyle/>
+          <a:p>
+            <a:pPr marL="0" indent="0">
+              <a:buNone/>
+            </a:pPr>
+            <a:r>
+              <a:rPr lang="en-US" sz="2600" dirty="0">
+                <a:latin typeface="Consolas" panose="020B0609020204030204" pitchFamily="49" charset="0"/>
+              </a:rPr>
+              <a:t>from machine import Pin</a:t>
+            </a:r>
+          </a:p>
+          <a:p>
+            <a:pPr marL="0" indent="0">
+              <a:buNone/>
+            </a:pPr>
+            <a:r>
+              <a:rPr lang="en-US" sz="2600" dirty="0">
+                <a:latin typeface="Consolas" panose="020B0609020204030204" pitchFamily="49" charset="0"/>
+              </a:rPr>
+              <a:t>from time import sleep</a:t>
+            </a:r>
+          </a:p>
+          <a:p>
+            <a:pPr marL="0" indent="0">
+              <a:buNone/>
+            </a:pPr>
+            <a:endParaRPr lang="en-US" sz="2600" dirty="0">
+              <a:latin typeface="Consolas" panose="020B0609020204030204" pitchFamily="49" charset="0"/>
+            </a:endParaRPr>
+          </a:p>
+          <a:p>
+            <a:pPr marL="0" indent="0">
+              <a:buNone/>
+            </a:pPr>
+            <a:r>
+              <a:rPr lang="en-US" sz="2600" dirty="0" err="1">
+                <a:latin typeface="Consolas" panose="020B0609020204030204" pitchFamily="49" charset="0"/>
+              </a:rPr>
+              <a:t>red_light</a:t>
+            </a:r>
+            <a:r>
+              <a:rPr lang="en-US" sz="2600" dirty="0">
+                <a:latin typeface="Consolas" panose="020B0609020204030204" pitchFamily="49" charset="0"/>
+              </a:rPr>
+              <a:t> = </a:t>
+            </a:r>
+            <a:r>
+              <a:rPr lang="en-US" sz="2600" dirty="0" err="1">
+                <a:latin typeface="Consolas" panose="020B0609020204030204" pitchFamily="49" charset="0"/>
+              </a:rPr>
+              <a:t>Led_Light</a:t>
+            </a:r>
+            <a:r>
+              <a:rPr lang="en-US" sz="2600" dirty="0">
+                <a:latin typeface="Consolas" panose="020B0609020204030204" pitchFamily="49" charset="0"/>
+              </a:rPr>
+              <a:t>(3)</a:t>
+            </a:r>
+          </a:p>
+          <a:p>
+            <a:pPr marL="0" indent="0">
+              <a:buNone/>
+            </a:pPr>
+            <a:br>
+              <a:rPr lang="en-US" sz="2600" dirty="0">
+                <a:latin typeface="Consolas" panose="020B0609020204030204" pitchFamily="49" charset="0"/>
+              </a:rPr>
+            </a:br>
+            <a:r>
+              <a:rPr lang="en-US" sz="2600" dirty="0">
+                <a:latin typeface="Consolas" panose="020B0609020204030204" pitchFamily="49" charset="0"/>
+              </a:rPr>
+              <a:t>while True:</a:t>
+            </a:r>
+          </a:p>
+          <a:p>
+            <a:pPr marL="457200" lvl="1" indent="0">
+              <a:buNone/>
+            </a:pPr>
+            <a:r>
+              <a:rPr lang="en-US" sz="2600" dirty="0">
+                <a:latin typeface="Consolas" panose="020B0609020204030204" pitchFamily="49" charset="0"/>
+              </a:rPr>
+              <a:t>print(</a:t>
+            </a:r>
+            <a:r>
+              <a:rPr lang="en-US" sz="2600" dirty="0" err="1">
+                <a:latin typeface="Consolas" panose="020B0609020204030204" pitchFamily="49" charset="0"/>
+              </a:rPr>
+              <a:t>red_light.led_light_state</a:t>
+            </a:r>
+            <a:r>
+              <a:rPr lang="en-US" sz="2600" dirty="0">
+                <a:latin typeface="Consolas" panose="020B0609020204030204" pitchFamily="49" charset="0"/>
+              </a:rPr>
+              <a:t>)</a:t>
+            </a:r>
+          </a:p>
+          <a:p>
+            <a:pPr marL="457200" lvl="1" indent="0">
+              <a:buNone/>
+            </a:pPr>
+            <a:r>
+              <a:rPr lang="en-US" sz="2600" dirty="0" err="1">
+                <a:latin typeface="Consolas" panose="020B0609020204030204" pitchFamily="49" charset="0"/>
+              </a:rPr>
+              <a:t>red_light.led_light_state</a:t>
+            </a:r>
+            <a:r>
+              <a:rPr lang="en-US" sz="2600" dirty="0">
+                <a:latin typeface="Consolas" panose="020B0609020204030204" pitchFamily="49" charset="0"/>
+              </a:rPr>
+              <a:t> = 1</a:t>
+            </a:r>
+          </a:p>
+          <a:p>
+            <a:pPr marL="457200" lvl="1" indent="0">
+              <a:buNone/>
+            </a:pPr>
+            <a:r>
+              <a:rPr lang="en-US" sz="2600" dirty="0">
+                <a:latin typeface="Consolas" panose="020B0609020204030204" pitchFamily="49" charset="0"/>
+              </a:rPr>
+              <a:t>sleep(0.25)</a:t>
+            </a:r>
+          </a:p>
+          <a:p>
+            <a:pPr marL="457200" lvl="1" indent="0">
+              <a:buNone/>
+            </a:pPr>
+            <a:r>
+              <a:rPr lang="en-US" sz="2600" dirty="0">
+                <a:latin typeface="Consolas" panose="020B0609020204030204" pitchFamily="49" charset="0"/>
+              </a:rPr>
+              <a:t>print(</a:t>
+            </a:r>
+            <a:r>
+              <a:rPr lang="en-US" sz="2600" dirty="0" err="1">
+                <a:latin typeface="Consolas" panose="020B0609020204030204" pitchFamily="49" charset="0"/>
+              </a:rPr>
+              <a:t>red_light.led_light_state</a:t>
+            </a:r>
+            <a:r>
+              <a:rPr lang="en-US" sz="2600" dirty="0">
+                <a:latin typeface="Consolas" panose="020B0609020204030204" pitchFamily="49" charset="0"/>
+              </a:rPr>
+              <a:t>)</a:t>
+            </a:r>
+          </a:p>
+          <a:p>
+            <a:pPr marL="457200" lvl="1" indent="0">
+              <a:buNone/>
+            </a:pPr>
+            <a:r>
+              <a:rPr lang="en-US" sz="2600" dirty="0" err="1">
+                <a:latin typeface="Consolas" panose="020B0609020204030204" pitchFamily="49" charset="0"/>
+              </a:rPr>
+              <a:t>red_light.led_light_state</a:t>
+            </a:r>
+            <a:r>
+              <a:rPr lang="en-US" sz="2600" dirty="0">
+                <a:latin typeface="Consolas" panose="020B0609020204030204" pitchFamily="49" charset="0"/>
+              </a:rPr>
+              <a:t> = 0</a:t>
+            </a:r>
+          </a:p>
+          <a:p>
+            <a:pPr marL="457200" lvl="1" indent="0">
+              <a:buNone/>
+            </a:pPr>
+            <a:r>
+              <a:rPr lang="en-US" sz="2600" dirty="0">
+                <a:latin typeface="Consolas" panose="020B0609020204030204" pitchFamily="49" charset="0"/>
+              </a:rPr>
+              <a:t>sleep(0.25)</a:t>
+            </a:r>
+          </a:p>
+          <a:p>
+            <a:pPr marL="0" indent="0">
+              <a:buNone/>
+            </a:pPr>
+            <a:endParaRPr lang="en-AU" dirty="0"/>
+          </a:p>
+        </p:txBody>
+      </p:sp>
+    </p:spTree>
+    <p:extLst>
+      <p:ext uri="{BB962C8B-B14F-4D97-AF65-F5344CB8AC3E}">
+        <p14:creationId xmlns:p14="http://schemas.microsoft.com/office/powerpoint/2010/main" val="19356993"/>
+      </p:ext>
+    </p:extLst>
+  </p:cSld>
+  <p:clrMapOvr>
+    <a:masterClrMapping/>
+  </p:clrMapOvr>
+</p:sld>
+</file>
+
+<file path=ppt/slides/slide19.xml><?xml version="1.0" encoding="utf-8"?>
+<p:sld xmlns:a="http://schemas.openxmlformats.org/drawingml/2006/main" xmlns:r="http://schemas.openxmlformats.org/officeDocument/2006/relationships" xmlns:p="http://schemas.openxmlformats.org/presentationml/2006/main">
+  <p:cSld>
+    <p:spTree>
+      <p:nvGrpSpPr>
+        <p:cNvPr id="1" name=""/>
+        <p:cNvGrpSpPr/>
+        <p:nvPr/>
+      </p:nvGrpSpPr>
+      <p:grpSpPr>
+        <a:xfrm>
+          <a:off x="0" y="0"/>
+          <a:ext cx="0" cy="0"/>
+          <a:chOff x="0" y="0"/>
+          <a:chExt cx="0" cy="0"/>
+        </a:xfrm>
+      </p:grpSpPr>
+      <p:sp>
+        <p:nvSpPr>
+          <p:cNvPr id="7" name="Title 6">
+            <a:extLst>
+              <a:ext uri="{FF2B5EF4-FFF2-40B4-BE49-F238E27FC236}">
+                <a16:creationId xmlns:a16="http://schemas.microsoft.com/office/drawing/2014/main" id="{56C6F239-F5E8-6417-880B-0B56CE59D207}"/>
+              </a:ext>
+            </a:extLst>
+          </p:cNvPr>
+          <p:cNvSpPr>
+            <a:spLocks noGrp="1"/>
+          </p:cNvSpPr>
+          <p:nvPr>
+            <p:ph type="title"/>
+          </p:nvPr>
+        </p:nvSpPr>
+        <p:spPr/>
+        <p:txBody>
+          <a:bodyPr/>
+          <a:lstStyle/>
+          <a:p>
+            <a:r>
+              <a:rPr lang="en-US" dirty="0"/>
+              <a:t>Overloading Polymorphism</a:t>
+            </a:r>
+            <a:endParaRPr lang="en-AU" dirty="0"/>
+          </a:p>
+        </p:txBody>
+      </p:sp>
+      <p:sp>
+        <p:nvSpPr>
+          <p:cNvPr id="8" name="Content Placeholder 7">
+            <a:extLst>
+              <a:ext uri="{FF2B5EF4-FFF2-40B4-BE49-F238E27FC236}">
+                <a16:creationId xmlns:a16="http://schemas.microsoft.com/office/drawing/2014/main" id="{A8D1847C-4AD3-1D2C-43B8-828394D9FF0E}"/>
+              </a:ext>
+            </a:extLst>
+          </p:cNvPr>
+          <p:cNvSpPr>
+            <a:spLocks noGrp="1"/>
+          </p:cNvSpPr>
+          <p:nvPr>
+            <p:ph idx="1"/>
+          </p:nvPr>
+        </p:nvSpPr>
+        <p:spPr/>
+        <p:txBody>
+          <a:bodyPr>
+            <a:normAutofit fontScale="92500" lnSpcReduction="20000"/>
+          </a:bodyPr>
+          <a:lstStyle/>
+          <a:p>
+            <a:pPr marL="0" indent="0">
+              <a:buNone/>
+            </a:pPr>
+            <a:r>
+              <a:rPr lang="en-US" dirty="0"/>
+              <a:t>Overloading occurs when a child (subclass) and/or parent (superclass) have multiple methods with the same name but different parameters (number or type).</a:t>
+            </a:r>
+          </a:p>
+          <a:p>
+            <a:pPr marL="0" indent="0">
+              <a:buNone/>
+            </a:pPr>
+            <a:br>
+              <a:rPr lang="en-US" dirty="0"/>
+            </a:br>
+            <a:r>
+              <a:rPr lang="en-US" dirty="0"/>
+              <a:t>When you call the method, depending on the parameters passed, the corresponding method is executed.</a:t>
+            </a:r>
+          </a:p>
+          <a:p>
+            <a:pPr marL="0" indent="0">
+              <a:buNone/>
+            </a:pPr>
+            <a:br>
+              <a:rPr lang="en-US" dirty="0"/>
+            </a:br>
+            <a:r>
+              <a:rPr lang="en-US" dirty="0"/>
+              <a:t>Because Python is dynamically typed, it does not support overloaded polymorphism, as the last definition of a method overwrites any previous ones.</a:t>
+            </a:r>
+          </a:p>
+          <a:p>
+            <a:pPr marL="0" indent="0">
+              <a:buNone/>
+            </a:pPr>
+            <a:endParaRPr lang="en-US" dirty="0"/>
+          </a:p>
+          <a:p>
+            <a:pPr marL="0" indent="0">
+              <a:buNone/>
+            </a:pPr>
+            <a:r>
+              <a:rPr lang="en-US" dirty="0">
+                <a:hlinkClick r:id="rId2"/>
+              </a:rPr>
+              <a:t>https://github.com/TempeHS/MicroPython_OOP_Pi_Pico_Mini_Project_Source/blob/main/tutorials/Lecture2.md#overloading-polymorphism</a:t>
+            </a:r>
+            <a:endParaRPr lang="en-US" dirty="0"/>
+          </a:p>
+          <a:p>
+            <a:pPr marL="0" indent="0">
+              <a:buNone/>
+            </a:pPr>
+            <a:endParaRPr lang="en-AU" dirty="0"/>
+          </a:p>
+        </p:txBody>
+      </p:sp>
+    </p:spTree>
+    <p:extLst>
+      <p:ext uri="{BB962C8B-B14F-4D97-AF65-F5344CB8AC3E}">
+        <p14:creationId xmlns:p14="http://schemas.microsoft.com/office/powerpoint/2010/main" val="1175822862"/>
+      </p:ext>
+    </p:extLst>
+  </p:cSld>
+  <p:clrMapOvr>
+    <a:masterClrMapping/>
+  </p:clrMapOvr>
+</p:sld>
+</file>
+
 <file path=ppt/slides/slide2.xml><?xml version="1.0" encoding="utf-8"?>
 <p:sld xmlns:a="http://schemas.openxmlformats.org/drawingml/2006/main" xmlns:r="http://schemas.openxmlformats.org/officeDocument/2006/relationships" xmlns:p="http://schemas.openxmlformats.org/presentationml/2006/main">
   <p:cSld>
@@ -4618,21 +6766,20 @@
           <a:p>
             <a:r>
               <a:rPr lang="en-AU" dirty="0"/>
+              <a:t>Encapsulation</a:t>
+            </a:r>
+          </a:p>
+          <a:p>
+            <a:r>
+              <a:rPr lang="en-AU" dirty="0"/>
               <a:t>Setters &amp; Getters</a:t>
             </a:r>
           </a:p>
           <a:p>
             <a:r>
               <a:rPr lang="en-AU" dirty="0"/>
-              <a:t>Encapsulation</a:t>
-            </a:r>
-          </a:p>
-          <a:p>
-            <a:r>
-              <a:rPr lang="en-AU"/>
               <a:t>Overloading Polymorphism</a:t>
             </a:r>
-            <a:endParaRPr lang="en-AU" dirty="0"/>
           </a:p>
         </p:txBody>
       </p:sp>
@@ -4789,10 +6936,10 @@
       </p:grpSpPr>
       <p:sp>
         <p:nvSpPr>
-          <p:cNvPr id="5" name="Title 4">
-            <a:extLst>
-              <a:ext uri="{FF2B5EF4-FFF2-40B4-BE49-F238E27FC236}">
-                <a16:creationId xmlns:a16="http://schemas.microsoft.com/office/drawing/2014/main" id="{D486937B-AE08-CEA9-288B-A7E12B6EEC9E}"/>
+          <p:cNvPr id="2" name="Title 1">
+            <a:extLst>
+              <a:ext uri="{FF2B5EF4-FFF2-40B4-BE49-F238E27FC236}">
+                <a16:creationId xmlns:a16="http://schemas.microsoft.com/office/drawing/2014/main" id="{1014C040-0011-B132-BBB4-963A422BA42C}"/>
               </a:ext>
             </a:extLst>
           </p:cNvPr>
@@ -4809,18 +6956,22 @@
           <a:lstStyle/>
           <a:p>
             <a:r>
+              <a:rPr lang="en-AU" dirty="0" err="1"/>
+              <a:t>Led_Light</a:t>
+            </a:r>
+            <a:r>
               <a:rPr lang="en-AU" dirty="0"/>
-              <a:t>WET v DRY</a:t>
-            </a:r>
-          </a:p>
-        </p:txBody>
-      </p:sp>
-      <p:sp>
-        <p:nvSpPr>
-          <p:cNvPr id="8" name="Content Placeholder 7">
-            <a:extLst>
-              <a:ext uri="{FF2B5EF4-FFF2-40B4-BE49-F238E27FC236}">
-                <a16:creationId xmlns:a16="http://schemas.microsoft.com/office/drawing/2014/main" id="{359FE974-4D1E-3967-5B90-8562E74CE499}"/>
+              <a:t> Class Attributes</a:t>
+            </a:r>
+          </a:p>
+        </p:txBody>
+      </p:sp>
+      <p:sp>
+        <p:nvSpPr>
+          <p:cNvPr id="3" name="Content Placeholder 2">
+            <a:extLst>
+              <a:ext uri="{FF2B5EF4-FFF2-40B4-BE49-F238E27FC236}">
+                <a16:creationId xmlns:a16="http://schemas.microsoft.com/office/drawing/2014/main" id="{10BF6715-B6F1-BE80-23EB-752BDCA181D5}"/>
               </a:ext>
             </a:extLst>
           </p:cNvPr>
@@ -4842,53 +6993,178 @@
               <a:buNone/>
             </a:pPr>
             <a:r>
-              <a:rPr lang="en-US" dirty="0"/>
-              <a:t>Let’s implement overriding toggle with the same pattern as on() and off().</a:t>
-            </a:r>
-          </a:p>
-          <a:p>
-            <a:pPr marL="0" indent="0">
-              <a:buNone/>
-            </a:pPr>
-            <a:endParaRPr lang="en-US" dirty="0"/>
-          </a:p>
-          <a:p>
-            <a:pPr marL="0" indent="0">
-              <a:buNone/>
-            </a:pPr>
-            <a:r>
-              <a:rPr lang="en-US" b="1" dirty="0"/>
-              <a:t>Run: v06.py</a:t>
-            </a:r>
-          </a:p>
-          <a:p>
-            <a:pPr marL="0" indent="0">
-              <a:buNone/>
-            </a:pPr>
-            <a:endParaRPr lang="en-US" dirty="0"/>
-          </a:p>
-          <a:p>
-            <a:pPr marL="0" indent="0">
-              <a:buNone/>
-            </a:pPr>
-            <a:r>
-              <a:rPr lang="en-US" dirty="0"/>
-              <a:t>What are the issues with this implementation?</a:t>
-            </a:r>
-          </a:p>
-          <a:p>
-            <a:pPr marL="0" indent="0">
-              <a:buNone/>
-            </a:pPr>
-            <a:endParaRPr lang="en-AU" dirty="0"/>
-          </a:p>
-          <a:p>
-            <a:pPr marL="0" indent="0">
-              <a:buNone/>
-            </a:pPr>
-            <a:r>
-              <a:rPr lang="en-AU" dirty="0"/>
-              <a:t>How can the DRY pattern address these issues?</a:t>
+              <a:rPr lang="en-AU" sz="2400" dirty="0">
+                <a:latin typeface="Consolas" panose="020B0609020204030204" pitchFamily="49" charset="0"/>
+                <a:ea typeface="Cascadia Mono SemiLight" panose="020B0609020000020004" pitchFamily="49" charset="0"/>
+                <a:cs typeface="Cascadia Mono SemiLight" panose="020B0609020000020004" pitchFamily="49" charset="0"/>
+              </a:rPr>
+              <a:t>class </a:t>
+            </a:r>
+            <a:r>
+              <a:rPr lang="en-AU" sz="2400" dirty="0" err="1">
+                <a:latin typeface="Consolas" panose="020B0609020204030204" pitchFamily="49" charset="0"/>
+                <a:ea typeface="Cascadia Mono SemiLight" panose="020B0609020000020004" pitchFamily="49" charset="0"/>
+                <a:cs typeface="Cascadia Mono SemiLight" panose="020B0609020000020004" pitchFamily="49" charset="0"/>
+              </a:rPr>
+              <a:t>Led_Light</a:t>
+            </a:r>
+            <a:r>
+              <a:rPr lang="en-AU" sz="2400" dirty="0">
+                <a:latin typeface="Consolas" panose="020B0609020204030204" pitchFamily="49" charset="0"/>
+                <a:ea typeface="Cascadia Mono SemiLight" panose="020B0609020000020004" pitchFamily="49" charset="0"/>
+                <a:cs typeface="Cascadia Mono SemiLight" panose="020B0609020000020004" pitchFamily="49" charset="0"/>
+              </a:rPr>
+              <a:t>(Pin):</a:t>
+            </a:r>
+          </a:p>
+          <a:p>
+            <a:pPr marL="457200" lvl="1" indent="0">
+              <a:buNone/>
+            </a:pPr>
+            <a:r>
+              <a:rPr lang="en-AU" dirty="0">
+                <a:latin typeface="Consolas" panose="020B0609020204030204" pitchFamily="49" charset="0"/>
+                <a:ea typeface="Cascadia Mono SemiLight" panose="020B0609020000020004" pitchFamily="49" charset="0"/>
+                <a:cs typeface="Cascadia Mono SemiLight" panose="020B0609020000020004" pitchFamily="49" charset="0"/>
+              </a:rPr>
+              <a:t># child class inherits the parent 'Pin' class</a:t>
+            </a:r>
+          </a:p>
+          <a:p>
+            <a:pPr marL="914400" lvl="2" indent="0">
+              <a:buNone/>
+            </a:pPr>
+            <a:r>
+              <a:rPr lang="en-AU" sz="2400" dirty="0">
+                <a:latin typeface="Consolas" panose="020B0609020204030204" pitchFamily="49" charset="0"/>
+                <a:ea typeface="Cascadia Mono SemiLight" panose="020B0609020000020004" pitchFamily="49" charset="0"/>
+                <a:cs typeface="Cascadia Mono SemiLight" panose="020B0609020000020004" pitchFamily="49" charset="0"/>
+              </a:rPr>
+              <a:t>def __</a:t>
+            </a:r>
+            <a:r>
+              <a:rPr lang="en-AU" sz="2400" dirty="0" err="1">
+                <a:latin typeface="Consolas" panose="020B0609020204030204" pitchFamily="49" charset="0"/>
+                <a:ea typeface="Cascadia Mono SemiLight" panose="020B0609020000020004" pitchFamily="49" charset="0"/>
+                <a:cs typeface="Cascadia Mono SemiLight" panose="020B0609020000020004" pitchFamily="49" charset="0"/>
+              </a:rPr>
+              <a:t>init</a:t>
+            </a:r>
+            <a:r>
+              <a:rPr lang="en-AU" sz="2400" dirty="0">
+                <a:latin typeface="Consolas" panose="020B0609020204030204" pitchFamily="49" charset="0"/>
+                <a:ea typeface="Cascadia Mono SemiLight" panose="020B0609020000020004" pitchFamily="49" charset="0"/>
+                <a:cs typeface="Cascadia Mono SemiLight" panose="020B0609020000020004" pitchFamily="49" charset="0"/>
+              </a:rPr>
+              <a:t>__(self, pin, flashing=False, debug=False):</a:t>
+            </a:r>
+          </a:p>
+          <a:p>
+            <a:pPr marL="1371600" lvl="3" indent="0">
+              <a:buNone/>
+            </a:pPr>
+            <a:r>
+              <a:rPr lang="en-AU" sz="2400" dirty="0">
+                <a:latin typeface="Consolas" panose="020B0609020204030204" pitchFamily="49" charset="0"/>
+                <a:ea typeface="Cascadia Mono SemiLight" panose="020B0609020000020004" pitchFamily="49" charset="0"/>
+                <a:cs typeface="Cascadia Mono SemiLight" panose="020B0609020000020004" pitchFamily="49" charset="0"/>
+              </a:rPr>
+              <a:t>super().__</a:t>
+            </a:r>
+            <a:r>
+              <a:rPr lang="en-AU" sz="2400" dirty="0" err="1">
+                <a:latin typeface="Consolas" panose="020B0609020204030204" pitchFamily="49" charset="0"/>
+                <a:ea typeface="Cascadia Mono SemiLight" panose="020B0609020000020004" pitchFamily="49" charset="0"/>
+                <a:cs typeface="Cascadia Mono SemiLight" panose="020B0609020000020004" pitchFamily="49" charset="0"/>
+              </a:rPr>
+              <a:t>init</a:t>
+            </a:r>
+            <a:r>
+              <a:rPr lang="en-AU" sz="2400" dirty="0">
+                <a:latin typeface="Consolas" panose="020B0609020204030204" pitchFamily="49" charset="0"/>
+                <a:ea typeface="Cascadia Mono SemiLight" panose="020B0609020000020004" pitchFamily="49" charset="0"/>
+                <a:cs typeface="Cascadia Mono SemiLight" panose="020B0609020000020004" pitchFamily="49" charset="0"/>
+              </a:rPr>
+              <a:t>__(pin, </a:t>
+            </a:r>
+            <a:r>
+              <a:rPr lang="en-AU" sz="2400" dirty="0" err="1">
+                <a:latin typeface="Consolas" panose="020B0609020204030204" pitchFamily="49" charset="0"/>
+                <a:ea typeface="Cascadia Mono SemiLight" panose="020B0609020000020004" pitchFamily="49" charset="0"/>
+                <a:cs typeface="Cascadia Mono SemiLight" panose="020B0609020000020004" pitchFamily="49" charset="0"/>
+              </a:rPr>
+              <a:t>Pin.OUT</a:t>
+            </a:r>
+            <a:r>
+              <a:rPr lang="en-AU" sz="2400" dirty="0">
+                <a:latin typeface="Consolas" panose="020B0609020204030204" pitchFamily="49" charset="0"/>
+                <a:ea typeface="Cascadia Mono SemiLight" panose="020B0609020000020004" pitchFamily="49" charset="0"/>
+                <a:cs typeface="Cascadia Mono SemiLight" panose="020B0609020000020004" pitchFamily="49" charset="0"/>
+              </a:rPr>
+              <a:t>)</a:t>
+            </a:r>
+          </a:p>
+          <a:p>
+            <a:pPr marL="1371600" lvl="3" indent="0">
+              <a:buNone/>
+            </a:pPr>
+            <a:r>
+              <a:rPr lang="en-AU" sz="2400" dirty="0" err="1">
+                <a:latin typeface="Consolas" panose="020B0609020204030204" pitchFamily="49" charset="0"/>
+                <a:ea typeface="Cascadia Mono SemiLight" panose="020B0609020000020004" pitchFamily="49" charset="0"/>
+                <a:cs typeface="Cascadia Mono SemiLight" panose="020B0609020000020004" pitchFamily="49" charset="0"/>
+              </a:rPr>
+              <a:t>self.__debug</a:t>
+            </a:r>
+            <a:r>
+              <a:rPr lang="en-AU" sz="2400" dirty="0">
+                <a:latin typeface="Consolas" panose="020B0609020204030204" pitchFamily="49" charset="0"/>
+                <a:ea typeface="Cascadia Mono SemiLight" panose="020B0609020000020004" pitchFamily="49" charset="0"/>
+                <a:cs typeface="Cascadia Mono SemiLight" panose="020B0609020000020004" pitchFamily="49" charset="0"/>
+              </a:rPr>
+              <a:t> = debug</a:t>
+            </a:r>
+          </a:p>
+          <a:p>
+            <a:pPr marL="1371600" lvl="3" indent="0">
+              <a:buNone/>
+            </a:pPr>
+            <a:r>
+              <a:rPr lang="en-AU" sz="2400" dirty="0" err="1">
+                <a:latin typeface="Consolas" panose="020B0609020204030204" pitchFamily="49" charset="0"/>
+                <a:ea typeface="Cascadia Mono SemiLight" panose="020B0609020000020004" pitchFamily="49" charset="0"/>
+                <a:cs typeface="Cascadia Mono SemiLight" panose="020B0609020000020004" pitchFamily="49" charset="0"/>
+              </a:rPr>
+              <a:t>self.__pin</a:t>
+            </a:r>
+            <a:r>
+              <a:rPr lang="en-AU" sz="2400" dirty="0">
+                <a:latin typeface="Consolas" panose="020B0609020204030204" pitchFamily="49" charset="0"/>
+                <a:ea typeface="Cascadia Mono SemiLight" panose="020B0609020000020004" pitchFamily="49" charset="0"/>
+                <a:cs typeface="Cascadia Mono SemiLight" panose="020B0609020000020004" pitchFamily="49" charset="0"/>
+              </a:rPr>
+              <a:t> = pin</a:t>
+            </a:r>
+          </a:p>
+          <a:p>
+            <a:pPr marL="1371600" lvl="3" indent="0">
+              <a:buNone/>
+            </a:pPr>
+            <a:r>
+              <a:rPr lang="en-AU" sz="2400" dirty="0" err="1">
+                <a:latin typeface="Consolas" panose="020B0609020204030204" pitchFamily="49" charset="0"/>
+                <a:ea typeface="Cascadia Mono SemiLight" panose="020B0609020000020004" pitchFamily="49" charset="0"/>
+                <a:cs typeface="Cascadia Mono SemiLight" panose="020B0609020000020004" pitchFamily="49" charset="0"/>
+              </a:rPr>
+              <a:t>self.__flashing</a:t>
+            </a:r>
+            <a:r>
+              <a:rPr lang="en-AU" sz="2400" dirty="0">
+                <a:latin typeface="Consolas" panose="020B0609020204030204" pitchFamily="49" charset="0"/>
+                <a:ea typeface="Cascadia Mono SemiLight" panose="020B0609020000020004" pitchFamily="49" charset="0"/>
+                <a:cs typeface="Cascadia Mono SemiLight" panose="020B0609020000020004" pitchFamily="49" charset="0"/>
+              </a:rPr>
+              <a:t> = flashing</a:t>
             </a:r>
           </a:p>
         </p:txBody>
@@ -4896,7 +7172,7 @@
     </p:spTree>
     <p:extLst>
       <p:ext uri="{BB962C8B-B14F-4D97-AF65-F5344CB8AC3E}">
-        <p14:creationId xmlns:p14="http://schemas.microsoft.com/office/powerpoint/2010/main" val="3539071505"/>
+        <p14:creationId xmlns:p14="http://schemas.microsoft.com/office/powerpoint/2010/main" val="4286823996"/>
       </p:ext>
     </p:extLst>
   </p:cSld>
@@ -4925,10 +7201,10 @@
       </p:grpSpPr>
       <p:sp>
         <p:nvSpPr>
-          <p:cNvPr id="5" name="Title 4">
-            <a:extLst>
-              <a:ext uri="{FF2B5EF4-FFF2-40B4-BE49-F238E27FC236}">
-                <a16:creationId xmlns:a16="http://schemas.microsoft.com/office/drawing/2014/main" id="{96EBD5BC-A418-B3D5-F3BE-15BADC7685D9}"/>
+          <p:cNvPr id="2" name="Title 1">
+            <a:extLst>
+              <a:ext uri="{FF2B5EF4-FFF2-40B4-BE49-F238E27FC236}">
+                <a16:creationId xmlns:a16="http://schemas.microsoft.com/office/drawing/2014/main" id="{766F0F0F-94A6-311A-0249-1FFA06520973}"/>
               </a:ext>
             </a:extLst>
           </p:cNvPr>
@@ -4946,17 +7222,17 @@
           <a:p>
             <a:r>
               <a:rPr lang="en-AU" dirty="0"/>
-              <a:t>Setter &amp; Getters</a:t>
-            </a:r>
-          </a:p>
-        </p:txBody>
-      </p:sp>
-      <p:sp>
-        <p:nvSpPr>
-          <p:cNvPr id="3" name="Content Placeholder 2">
-            <a:extLst>
-              <a:ext uri="{FF2B5EF4-FFF2-40B4-BE49-F238E27FC236}">
-                <a16:creationId xmlns:a16="http://schemas.microsoft.com/office/drawing/2014/main" id="{D558FCB4-463D-4004-1C16-76D08CA2C42E}"/>
+              <a:t>Overriding .on() method</a:t>
+            </a:r>
+          </a:p>
+        </p:txBody>
+      </p:sp>
+      <p:sp>
+        <p:nvSpPr>
+          <p:cNvPr id="7" name="Content Placeholder 6">
+            <a:extLst>
+              <a:ext uri="{FF2B5EF4-FFF2-40B4-BE49-F238E27FC236}">
+                <a16:creationId xmlns:a16="http://schemas.microsoft.com/office/drawing/2014/main" id="{E75A7C68-4B9E-4E7E-FB13-CB85812E84E8}"/>
               </a:ext>
             </a:extLst>
           </p:cNvPr>
@@ -4969,70 +7245,117 @@
         </p:nvSpPr>
         <p:spPr/>
         <p:txBody>
-          <a:bodyPr>
-            <a:normAutofit fontScale="85000" lnSpcReduction="20000"/>
-          </a:bodyPr>
+          <a:bodyPr/>
           <a:lstStyle/>
           <a:p>
             <a:pPr marL="0" indent="0">
               <a:buNone/>
             </a:pPr>
             <a:r>
-              <a:rPr lang="en-US" dirty="0"/>
-              <a:t>Setters and getters are special methods used in object-oriented programming to access (get) or modify (set) the values of private or protected attributes of a class. They help encapsulate the internal state of an object, providing controlled access.</a:t>
+              <a:rPr lang="en-US" sz="2400" dirty="0">
+                <a:latin typeface="Consolas" panose="020B0609020204030204" pitchFamily="49" charset="0"/>
+              </a:rPr>
+              <a:t>def on(self):</a:t>
             </a:r>
           </a:p>
           <a:p>
             <a:pPr marL="0" indent="0">
               <a:buNone/>
             </a:pPr>
-            <a:endParaRPr lang="en-US" dirty="0"/>
+            <a:r>
+              <a:rPr lang="en-US" sz="2400" dirty="0">
+                <a:latin typeface="Consolas" panose="020B0609020204030204" pitchFamily="49" charset="0"/>
+              </a:rPr>
+              <a:t># method overriding polymorphism</a:t>
+            </a:r>
+          </a:p>
+          <a:p>
+            <a:pPr marL="457200" lvl="1" indent="0">
+              <a:buNone/>
+            </a:pPr>
+            <a:r>
+              <a:rPr lang="en-US" dirty="0" err="1">
+                <a:latin typeface="Consolas" panose="020B0609020204030204" pitchFamily="49" charset="0"/>
+              </a:rPr>
+              <a:t>self.high</a:t>
+            </a:r>
+            <a:r>
+              <a:rPr lang="en-US" dirty="0">
+                <a:latin typeface="Consolas" panose="020B0609020204030204" pitchFamily="49" charset="0"/>
+              </a:rPr>
+              <a:t>()</a:t>
+            </a:r>
+          </a:p>
+          <a:p>
+            <a:pPr marL="457200" lvl="1" indent="0">
+              <a:buNone/>
+            </a:pPr>
+            <a:r>
+              <a:rPr lang="en-US" dirty="0">
+                <a:latin typeface="Consolas" panose="020B0609020204030204" pitchFamily="49" charset="0"/>
+              </a:rPr>
+              <a:t>if </a:t>
+            </a:r>
+            <a:r>
+              <a:rPr lang="en-US" dirty="0" err="1">
+                <a:latin typeface="Consolas" panose="020B0609020204030204" pitchFamily="49" charset="0"/>
+              </a:rPr>
+              <a:t>self.__debug</a:t>
+            </a:r>
+            <a:r>
+              <a:rPr lang="en-US" dirty="0">
+                <a:latin typeface="Consolas" panose="020B0609020204030204" pitchFamily="49" charset="0"/>
+              </a:rPr>
+              <a:t>:</a:t>
+            </a:r>
+          </a:p>
+          <a:p>
+            <a:pPr marL="914400" lvl="2" indent="0">
+              <a:buNone/>
+            </a:pPr>
+            <a:r>
+              <a:rPr lang="en-US" sz="2400" dirty="0">
+                <a:latin typeface="Consolas" panose="020B0609020204030204" pitchFamily="49" charset="0"/>
+              </a:rPr>
+              <a:t>print(</a:t>
+            </a:r>
+            <a:r>
+              <a:rPr lang="en-US" sz="2400" dirty="0" err="1">
+                <a:latin typeface="Consolas" panose="020B0609020204030204" pitchFamily="49" charset="0"/>
+              </a:rPr>
+              <a:t>f"LED</a:t>
+            </a:r>
+            <a:r>
+              <a:rPr lang="en-US" sz="2400" dirty="0">
+                <a:latin typeface="Consolas" panose="020B0609020204030204" pitchFamily="49" charset="0"/>
+              </a:rPr>
+              <a:t> connected to Pin {</a:t>
+            </a:r>
+            <a:r>
+              <a:rPr lang="en-US" sz="2400" dirty="0" err="1">
+                <a:latin typeface="Consolas" panose="020B0609020204030204" pitchFamily="49" charset="0"/>
+              </a:rPr>
+              <a:t>self.__pin</a:t>
+            </a:r>
+            <a:r>
+              <a:rPr lang="en-US" sz="2400" dirty="0">
+                <a:latin typeface="Consolas" panose="020B0609020204030204" pitchFamily="49" charset="0"/>
+              </a:rPr>
+              <a:t>} is high")</a:t>
+            </a:r>
           </a:p>
           <a:p>
             <a:pPr marL="0" indent="0">
               <a:buNone/>
             </a:pPr>
-            <a:r>
-              <a:rPr lang="en-US" dirty="0"/>
-              <a:t>A getter is a method that retrieves (gets) the value of a private attribute. It allows you to read the value without providing direct access to the underlying variable.</a:t>
-            </a:r>
-          </a:p>
-          <a:p>
-            <a:pPr marL="0" indent="0">
-              <a:buNone/>
-            </a:pPr>
-            <a:endParaRPr lang="en-US" dirty="0"/>
-          </a:p>
-          <a:p>
-            <a:pPr marL="0" indent="0">
-              <a:buNone/>
-            </a:pPr>
-            <a:r>
-              <a:rPr lang="en-US" dirty="0"/>
-              <a:t>A setter is a method that sets (updates) the value of a private attribute. It allows you to validate or restrict changes before updating the attribute.</a:t>
-            </a:r>
-          </a:p>
-          <a:p>
-            <a:pPr marL="0" indent="0">
-              <a:buNone/>
-            </a:pPr>
             <a:endParaRPr lang="en-AU" dirty="0"/>
-          </a:p>
-          <a:p>
-            <a:pPr marL="0" indent="0">
-              <a:buNone/>
-            </a:pPr>
-            <a:r>
-              <a:rPr lang="en-AU" b="1" dirty="0"/>
-              <a:t>Run: v09.py</a:t>
-            </a:r>
           </a:p>
         </p:txBody>
       </p:sp>
     </p:spTree>
     <p:extLst>
       <p:ext uri="{BB962C8B-B14F-4D97-AF65-F5344CB8AC3E}">
-        <p14:creationId xmlns:p14="http://schemas.microsoft.com/office/powerpoint/2010/main" val="3160910607"/>
+        <p14:creationId xmlns:p14="http://schemas.microsoft.com/office/powerpoint/2010/main" val="961451604"/>
       </p:ext>
     </p:extLst>
   </p:cSld>
@@ -5064,7 +7387,7 @@
           <p:cNvPr id="2" name="Title 1">
             <a:extLst>
               <a:ext uri="{FF2B5EF4-FFF2-40B4-BE49-F238E27FC236}">
-                <a16:creationId xmlns:a16="http://schemas.microsoft.com/office/drawing/2014/main" id="{698432A2-2D2E-3F70-F830-5A67ED205318}"/>
+                <a16:creationId xmlns:a16="http://schemas.microsoft.com/office/drawing/2014/main" id="{3A28FE78-CE9D-05F7-1341-B24BEE8D807C}"/>
               </a:ext>
             </a:extLst>
           </p:cNvPr>
@@ -5082,17 +7405,17 @@
           <a:p>
             <a:r>
               <a:rPr lang="en-AU" dirty="0"/>
-              <a:t>Encapsulation</a:t>
-            </a:r>
-          </a:p>
-        </p:txBody>
-      </p:sp>
-      <p:sp>
-        <p:nvSpPr>
-          <p:cNvPr id="4" name="Content Placeholder 3">
-            <a:extLst>
-              <a:ext uri="{FF2B5EF4-FFF2-40B4-BE49-F238E27FC236}">
-                <a16:creationId xmlns:a16="http://schemas.microsoft.com/office/drawing/2014/main" id="{E775B479-5750-95E9-CC66-C2F6F8180171}"/>
+              <a:t>Overriding .off() method</a:t>
+            </a:r>
+          </a:p>
+        </p:txBody>
+      </p:sp>
+      <p:sp>
+        <p:nvSpPr>
+          <p:cNvPr id="3" name="Content Placeholder 2">
+            <a:extLst>
+              <a:ext uri="{FF2B5EF4-FFF2-40B4-BE49-F238E27FC236}">
+                <a16:creationId xmlns:a16="http://schemas.microsoft.com/office/drawing/2014/main" id="{F5DB6176-67EB-F1D4-A5F6-3523A9B2DC7E}"/>
               </a:ext>
             </a:extLst>
           </p:cNvPr>
@@ -5112,32 +7435,110 @@
               <a:buNone/>
             </a:pPr>
             <a:r>
-              <a:rPr lang="en-US" dirty="0"/>
-              <a:t>Encapsulation restricts direct access to some of an object's components (such as attributes or methods), meaning the internal representation of the object is hidden from the outside. This is typically achieved by making certain attributes or methods private (i.e., inaccessible from outside the class) and providing public methods (such as getters and setters) to access or modify those private members.</a:t>
+              <a:rPr lang="en-US" sz="2400" dirty="0">
+                <a:latin typeface="Consolas" panose="020B0609020204030204" pitchFamily="49" charset="0"/>
+              </a:rPr>
+              <a:t>def off(self):</a:t>
             </a:r>
           </a:p>
           <a:p>
             <a:pPr marL="0" indent="0">
               <a:buNone/>
             </a:pPr>
-            <a:endParaRPr lang="en-US" dirty="0"/>
+            <a:r>
+              <a:rPr lang="en-US" sz="2400" dirty="0">
+                <a:latin typeface="Consolas" panose="020B0609020204030204" pitchFamily="49" charset="0"/>
+              </a:rPr>
+              <a:t># method overriding polymorphism of the parent class</a:t>
+            </a:r>
+          </a:p>
+          <a:p>
+            <a:pPr marL="457200" lvl="1" indent="0">
+              <a:buNone/>
+            </a:pPr>
+            <a:r>
+              <a:rPr lang="en-US" dirty="0" err="1">
+                <a:latin typeface="Consolas" panose="020B0609020204030204" pitchFamily="49" charset="0"/>
+              </a:rPr>
+              <a:t>self.low</a:t>
+            </a:r>
+            <a:r>
+              <a:rPr lang="en-US" dirty="0">
+                <a:latin typeface="Consolas" panose="020B0609020204030204" pitchFamily="49" charset="0"/>
+              </a:rPr>
+              <a:t>()</a:t>
+            </a:r>
+          </a:p>
+          <a:p>
+            <a:pPr marL="457200" lvl="1" indent="0">
+              <a:buNone/>
+            </a:pPr>
+            <a:r>
+              <a:rPr lang="en-US" dirty="0">
+                <a:latin typeface="Consolas" panose="020B0609020204030204" pitchFamily="49" charset="0"/>
+              </a:rPr>
+              <a:t>if </a:t>
+            </a:r>
+            <a:r>
+              <a:rPr lang="en-US" dirty="0" err="1">
+                <a:latin typeface="Consolas" panose="020B0609020204030204" pitchFamily="49" charset="0"/>
+              </a:rPr>
+              <a:t>self.__debug</a:t>
+            </a:r>
+            <a:r>
+              <a:rPr lang="en-US" dirty="0">
+                <a:latin typeface="Consolas" panose="020B0609020204030204" pitchFamily="49" charset="0"/>
+              </a:rPr>
+              <a:t>:</a:t>
+            </a:r>
+          </a:p>
+          <a:p>
+            <a:pPr marL="914400" lvl="2" indent="0">
+              <a:buNone/>
+            </a:pPr>
+            <a:r>
+              <a:rPr lang="en-US" sz="2400" dirty="0">
+                <a:latin typeface="Consolas" panose="020B0609020204030204" pitchFamily="49" charset="0"/>
+              </a:rPr>
+              <a:t>print(</a:t>
+            </a:r>
+            <a:r>
+              <a:rPr lang="en-US" sz="2400" dirty="0" err="1">
+                <a:latin typeface="Consolas" panose="020B0609020204030204" pitchFamily="49" charset="0"/>
+              </a:rPr>
+              <a:t>f"LED</a:t>
+            </a:r>
+            <a:r>
+              <a:rPr lang="en-US" sz="2400" dirty="0">
+                <a:latin typeface="Consolas" panose="020B0609020204030204" pitchFamily="49" charset="0"/>
+              </a:rPr>
+              <a:t> connected to Pin {</a:t>
+            </a:r>
+            <a:r>
+              <a:rPr lang="en-US" sz="2400" dirty="0" err="1">
+                <a:latin typeface="Consolas" panose="020B0609020204030204" pitchFamily="49" charset="0"/>
+              </a:rPr>
+              <a:t>self.__pin</a:t>
+            </a:r>
+            <a:r>
+              <a:rPr lang="en-US" sz="2400" dirty="0">
+                <a:latin typeface="Consolas" panose="020B0609020204030204" pitchFamily="49" charset="0"/>
+              </a:rPr>
+              <a:t>} is low")</a:t>
+            </a:r>
           </a:p>
           <a:p>
             <a:pPr marL="0" indent="0">
               <a:buNone/>
             </a:pPr>
-            <a:r>
-              <a:rPr lang="en-US" b="1" dirty="0"/>
-              <a:t>Run: v08.py</a:t>
-            </a:r>
-            <a:endParaRPr lang="en-AU" b="1" dirty="0"/>
+            <a:endParaRPr lang="en-AU" dirty="0"/>
           </a:p>
         </p:txBody>
       </p:sp>
     </p:spTree>
     <p:extLst>
       <p:ext uri="{BB962C8B-B14F-4D97-AF65-F5344CB8AC3E}">
-        <p14:creationId xmlns:p14="http://schemas.microsoft.com/office/powerpoint/2010/main" val="2546578239"/>
+        <p14:creationId xmlns:p14="http://schemas.microsoft.com/office/powerpoint/2010/main" val="4087278973"/>
       </p:ext>
     </p:extLst>
   </p:cSld>
@@ -5166,10 +7567,10 @@
       </p:grpSpPr>
       <p:sp>
         <p:nvSpPr>
-          <p:cNvPr id="7" name="Title 6">
-            <a:extLst>
-              <a:ext uri="{FF2B5EF4-FFF2-40B4-BE49-F238E27FC236}">
-                <a16:creationId xmlns:a16="http://schemas.microsoft.com/office/drawing/2014/main" id="{56C6F239-F5E8-6417-880B-0B56CE59D207}"/>
+          <p:cNvPr id="2" name="Title 1">
+            <a:extLst>
+              <a:ext uri="{FF2B5EF4-FFF2-40B4-BE49-F238E27FC236}">
+                <a16:creationId xmlns:a16="http://schemas.microsoft.com/office/drawing/2014/main" id="{6D03F1B1-C58D-62C1-ECB0-134E164A2C7F}"/>
               </a:ext>
             </a:extLst>
           </p:cNvPr>
@@ -5186,19 +7587,18 @@
           <a:lstStyle/>
           <a:p>
             <a:r>
-              <a:rPr lang="en-US" dirty="0"/>
-              <a:t>Overloading Polymorphism</a:t>
-            </a:r>
-            <a:endParaRPr lang="en-AU" dirty="0"/>
-          </a:p>
-        </p:txBody>
-      </p:sp>
-      <p:sp>
-        <p:nvSpPr>
-          <p:cNvPr id="8" name="Content Placeholder 7">
-            <a:extLst>
-              <a:ext uri="{FF2B5EF4-FFF2-40B4-BE49-F238E27FC236}">
-                <a16:creationId xmlns:a16="http://schemas.microsoft.com/office/drawing/2014/main" id="{A8D1847C-4AD3-1D2C-43B8-828394D9FF0E}"/>
+              <a:rPr lang="en-AU" dirty="0"/>
+              <a:t>Instantiate &amp; test </a:t>
+            </a:r>
+          </a:p>
+        </p:txBody>
+      </p:sp>
+      <p:sp>
+        <p:nvSpPr>
+          <p:cNvPr id="3" name="Content Placeholder 2">
+            <a:extLst>
+              <a:ext uri="{FF2B5EF4-FFF2-40B4-BE49-F238E27FC236}">
+                <a16:creationId xmlns:a16="http://schemas.microsoft.com/office/drawing/2014/main" id="{E67D8705-E839-93D0-8DD3-D8B264503D3A}"/>
               </a:ext>
             </a:extLst>
           </p:cNvPr>
@@ -5212,7 +7612,7 @@
         <p:spPr/>
         <p:txBody>
           <a:bodyPr>
-            <a:normAutofit fontScale="77500" lnSpcReduction="20000"/>
+            <a:normAutofit/>
           </a:bodyPr>
           <a:lstStyle/>
           <a:p>
@@ -5220,72 +7620,131 @@
               <a:buNone/>
             </a:pPr>
             <a:r>
-              <a:rPr lang="en-US" dirty="0"/>
-              <a:t>Overloading occurs when a child (subclass) and/or parent (superclass) have multiple methods with the same name but different parameters (number or type).</a:t>
+              <a:rPr lang="en-US" sz="2400" dirty="0">
+                <a:latin typeface="Consolas" panose="020B0609020204030204" pitchFamily="49" charset="0"/>
+              </a:rPr>
+              <a:t>from machine import Pin</a:t>
             </a:r>
           </a:p>
           <a:p>
             <a:pPr marL="0" indent="0">
               <a:buNone/>
             </a:pPr>
+            <a:r>
+              <a:rPr lang="en-US" sz="2400" dirty="0">
+                <a:latin typeface="Consolas" panose="020B0609020204030204" pitchFamily="49" charset="0"/>
+              </a:rPr>
+              <a:t>from time import sleep</a:t>
+            </a:r>
+          </a:p>
+          <a:p>
+            <a:pPr marL="0" indent="0">
+              <a:buNone/>
+            </a:pPr>
+            <a:endParaRPr lang="en-US" sz="2400" dirty="0">
+              <a:latin typeface="Consolas" panose="020B0609020204030204" pitchFamily="49" charset="0"/>
+            </a:endParaRPr>
+          </a:p>
+          <a:p>
+            <a:pPr marL="0" indent="0">
+              <a:buNone/>
+            </a:pPr>
+            <a:r>
+              <a:rPr lang="en-US" sz="2400" dirty="0" err="1">
+                <a:latin typeface="Consolas" panose="020B0609020204030204" pitchFamily="49" charset="0"/>
+              </a:rPr>
+              <a:t>red_light</a:t>
+            </a:r>
+            <a:r>
+              <a:rPr lang="en-US" sz="2400" dirty="0">
+                <a:latin typeface="Consolas" panose="020B0609020204030204" pitchFamily="49" charset="0"/>
+              </a:rPr>
+              <a:t> = </a:t>
+            </a:r>
+            <a:r>
+              <a:rPr lang="en-US" sz="2400" dirty="0" err="1">
+                <a:latin typeface="Consolas" panose="020B0609020204030204" pitchFamily="49" charset="0"/>
+              </a:rPr>
+              <a:t>Led_Light</a:t>
+            </a:r>
+            <a:r>
+              <a:rPr lang="en-US" sz="2400" dirty="0">
+                <a:latin typeface="Consolas" panose="020B0609020204030204" pitchFamily="49" charset="0"/>
+              </a:rPr>
+              <a:t>(3)</a:t>
+            </a:r>
+          </a:p>
+          <a:p>
+            <a:pPr marL="0" indent="0">
+              <a:buNone/>
+            </a:pPr>
             <a:br>
-              <a:rPr lang="en-US" dirty="0"/>
+              <a:rPr lang="en-US" sz="2400" dirty="0">
+                <a:latin typeface="Consolas" panose="020B0609020204030204" pitchFamily="49" charset="0"/>
+              </a:rPr>
             </a:br>
             <a:r>
-              <a:rPr lang="en-US" dirty="0"/>
-              <a:t>When you call the method, depending on the parameters passed, the corresponding method is executed.</a:t>
-            </a:r>
-          </a:p>
-          <a:p>
-            <a:pPr marL="0" indent="0">
-              <a:buNone/>
-            </a:pPr>
-            <a:br>
-              <a:rPr lang="en-US" dirty="0"/>
-            </a:br>
-            <a:r>
-              <a:rPr lang="en-US" dirty="0"/>
-              <a:t>Because Python is dynamically typed, it does not support overloaded polymorphism, as the last definition of a method overwrites any previous ones.</a:t>
-            </a:r>
-          </a:p>
-          <a:p>
-            <a:pPr marL="0" indent="0">
-              <a:buNone/>
-            </a:pPr>
-            <a:endParaRPr lang="en-US" dirty="0"/>
-          </a:p>
-          <a:p>
-            <a:pPr marL="0" indent="0">
-              <a:buNone/>
-            </a:pPr>
+              <a:rPr lang="en-US" sz="2400" dirty="0">
+                <a:latin typeface="Consolas" panose="020B0609020204030204" pitchFamily="49" charset="0"/>
+              </a:rPr>
+              <a:t>while True:</a:t>
+            </a:r>
+          </a:p>
+          <a:p>
+            <a:pPr marL="457200" lvl="1" indent="0">
+              <a:buNone/>
+            </a:pPr>
+            <a:r>
+              <a:rPr lang="en-US" dirty="0" err="1">
+                <a:latin typeface="Consolas" panose="020B0609020204030204" pitchFamily="49" charset="0"/>
+              </a:rPr>
+              <a:t>red_light.on</a:t>
+            </a:r>
             <a:r>
               <a:rPr lang="en-US" dirty="0">
-                <a:hlinkClick r:id="rId2"/>
-              </a:rPr>
-              <a:t>https://github.com/TempeHS/MicroPython_OOP_Pi_Pico_Mini_Project_Source/blob/main/tutorials/Lecture2.md#overloading-polymorphism</a:t>
-            </a:r>
-            <a:endParaRPr lang="en-US" dirty="0"/>
-          </a:p>
-          <a:p>
-            <a:pPr marL="0" indent="0">
-              <a:buNone/>
-            </a:pPr>
-            <a:endParaRPr lang="en-US" dirty="0"/>
-          </a:p>
-          <a:p>
-            <a:pPr marL="0" indent="0">
-              <a:buNone/>
-            </a:pPr>
-            <a:r>
-              <a:rPr lang="en-US" b="1" dirty="0"/>
-              <a:t>Run: v07.py</a:t>
-            </a:r>
-          </a:p>
-          <a:p>
-            <a:pPr marL="0" indent="0">
-              <a:buNone/>
-            </a:pPr>
-            <a:endParaRPr lang="en-US" dirty="0"/>
+                <a:latin typeface="Consolas" panose="020B0609020204030204" pitchFamily="49" charset="0"/>
+              </a:rPr>
+              <a:t>()</a:t>
+            </a:r>
+          </a:p>
+          <a:p>
+            <a:pPr marL="457200" lvl="1" indent="0">
+              <a:buNone/>
+            </a:pPr>
+            <a:r>
+              <a:rPr lang="en-US" dirty="0">
+                <a:latin typeface="Consolas" panose="020B0609020204030204" pitchFamily="49" charset="0"/>
+              </a:rPr>
+              <a:t>sleep(1)</a:t>
+            </a:r>
+          </a:p>
+          <a:p>
+            <a:pPr marL="457200" lvl="1" indent="0">
+              <a:buNone/>
+            </a:pPr>
+            <a:r>
+              <a:rPr lang="en-US" dirty="0" err="1">
+                <a:latin typeface="Consolas" panose="020B0609020204030204" pitchFamily="49" charset="0"/>
+              </a:rPr>
+              <a:t>red_light.off</a:t>
+            </a:r>
+            <a:r>
+              <a:rPr lang="en-US" dirty="0">
+                <a:latin typeface="Consolas" panose="020B0609020204030204" pitchFamily="49" charset="0"/>
+              </a:rPr>
+              <a:t>()</a:t>
+            </a:r>
+          </a:p>
+          <a:p>
+            <a:pPr marL="457200" lvl="1" indent="0">
+              <a:buNone/>
+            </a:pPr>
+            <a:r>
+              <a:rPr lang="en-US" dirty="0">
+                <a:latin typeface="Consolas" panose="020B0609020204030204" pitchFamily="49" charset="0"/>
+              </a:rPr>
+              <a:t>sleep(1)</a:t>
+            </a:r>
           </a:p>
           <a:p>
             <a:pPr marL="0" indent="0">
@@ -5298,7 +7757,317 @@
     </p:spTree>
     <p:extLst>
       <p:ext uri="{BB962C8B-B14F-4D97-AF65-F5344CB8AC3E}">
-        <p14:creationId xmlns:p14="http://schemas.microsoft.com/office/powerpoint/2010/main" val="1175822862"/>
+        <p14:creationId xmlns:p14="http://schemas.microsoft.com/office/powerpoint/2010/main" val="1661584646"/>
+      </p:ext>
+    </p:extLst>
+  </p:cSld>
+  <p:clrMapOvr>
+    <a:masterClrMapping/>
+  </p:clrMapOvr>
+</p:sld>
+</file>
+
+<file path=ppt/slides/slide9.xml><?xml version="1.0" encoding="utf-8"?>
+<p:sld xmlns:a="http://schemas.openxmlformats.org/drawingml/2006/main" xmlns:r="http://schemas.openxmlformats.org/officeDocument/2006/relationships" xmlns:p="http://schemas.openxmlformats.org/presentationml/2006/main">
+  <p:cSld>
+    <p:spTree>
+      <p:nvGrpSpPr>
+        <p:cNvPr id="1" name=""/>
+        <p:cNvGrpSpPr/>
+        <p:nvPr/>
+      </p:nvGrpSpPr>
+      <p:grpSpPr>
+        <a:xfrm>
+          <a:off x="0" y="0"/>
+          <a:ext cx="0" cy="0"/>
+          <a:chOff x="0" y="0"/>
+          <a:chExt cx="0" cy="0"/>
+        </a:xfrm>
+      </p:grpSpPr>
+      <p:sp>
+        <p:nvSpPr>
+          <p:cNvPr id="2" name="Title 1">
+            <a:extLst>
+              <a:ext uri="{FF2B5EF4-FFF2-40B4-BE49-F238E27FC236}">
+                <a16:creationId xmlns:a16="http://schemas.microsoft.com/office/drawing/2014/main" id="{2B229727-E3FA-AF1A-55BE-F069FFAE1D62}"/>
+              </a:ext>
+            </a:extLst>
+          </p:cNvPr>
+          <p:cNvSpPr>
+            <a:spLocks noGrp="1"/>
+          </p:cNvSpPr>
+          <p:nvPr>
+            <p:ph type="title"/>
+          </p:nvPr>
+        </p:nvSpPr>
+        <p:spPr/>
+        <p:txBody>
+          <a:bodyPr/>
+          <a:lstStyle/>
+          <a:p>
+            <a:r>
+              <a:rPr lang="en-AU" dirty="0"/>
+              <a:t>Overriding .toggle() method</a:t>
+            </a:r>
+          </a:p>
+        </p:txBody>
+      </p:sp>
+      <p:sp>
+        <p:nvSpPr>
+          <p:cNvPr id="3" name="Content Placeholder 2">
+            <a:extLst>
+              <a:ext uri="{FF2B5EF4-FFF2-40B4-BE49-F238E27FC236}">
+                <a16:creationId xmlns:a16="http://schemas.microsoft.com/office/drawing/2014/main" id="{CE2DE590-1B3C-1373-C116-1BE0B279E63A}"/>
+              </a:ext>
+            </a:extLst>
+          </p:cNvPr>
+          <p:cNvSpPr>
+            <a:spLocks noGrp="1"/>
+          </p:cNvSpPr>
+          <p:nvPr>
+            <p:ph idx="1"/>
+          </p:nvPr>
+        </p:nvSpPr>
+        <p:spPr/>
+        <p:txBody>
+          <a:bodyPr/>
+          <a:lstStyle/>
+          <a:p>
+            <a:pPr marL="0" indent="0">
+              <a:buNone/>
+            </a:pPr>
+            <a:r>
+              <a:rPr lang="en-US" sz="2400" dirty="0">
+                <a:latin typeface="Consolas" panose="020B0609020204030204" pitchFamily="49" charset="0"/>
+              </a:rPr>
+              <a:t>def toggle(self):</a:t>
+            </a:r>
+          </a:p>
+          <a:p>
+            <a:pPr marL="0" indent="0">
+              <a:buNone/>
+            </a:pPr>
+            <a:r>
+              <a:rPr lang="en-US" sz="2400" dirty="0">
+                <a:latin typeface="Consolas" panose="020B0609020204030204" pitchFamily="49" charset="0"/>
+              </a:rPr>
+              <a:t># method overriding polymorphism of the parent class</a:t>
+            </a:r>
+          </a:p>
+          <a:p>
+            <a:pPr marL="457200" lvl="1" indent="0">
+              <a:buNone/>
+            </a:pPr>
+            <a:r>
+              <a:rPr lang="en-US" dirty="0">
+                <a:latin typeface="Consolas" panose="020B0609020204030204" pitchFamily="49" charset="0"/>
+              </a:rPr>
+              <a:t>if </a:t>
+            </a:r>
+            <a:r>
+              <a:rPr lang="en-US" dirty="0" err="1">
+                <a:latin typeface="Consolas" panose="020B0609020204030204" pitchFamily="49" charset="0"/>
+              </a:rPr>
+              <a:t>self.value</a:t>
+            </a:r>
+            <a:r>
+              <a:rPr lang="en-US" dirty="0">
+                <a:latin typeface="Consolas" panose="020B0609020204030204" pitchFamily="49" charset="0"/>
+              </a:rPr>
+              <a:t>() == 0:</a:t>
+            </a:r>
+          </a:p>
+          <a:p>
+            <a:pPr marL="914400" lvl="2" indent="0">
+              <a:buNone/>
+            </a:pPr>
+            <a:r>
+              <a:rPr lang="en-US" sz="2400" dirty="0" err="1">
+                <a:latin typeface="Consolas" panose="020B0609020204030204" pitchFamily="49" charset="0"/>
+              </a:rPr>
+              <a:t>self.high</a:t>
+            </a:r>
+            <a:r>
+              <a:rPr lang="en-US" sz="2400" dirty="0">
+                <a:latin typeface="Consolas" panose="020B0609020204030204" pitchFamily="49" charset="0"/>
+              </a:rPr>
+              <a:t>()</a:t>
+            </a:r>
+          </a:p>
+          <a:p>
+            <a:pPr marL="914400" lvl="2" indent="0">
+              <a:buNone/>
+            </a:pPr>
+            <a:r>
+              <a:rPr lang="en-US" sz="2400" dirty="0">
+                <a:latin typeface="Consolas" panose="020B0609020204030204" pitchFamily="49" charset="0"/>
+              </a:rPr>
+              <a:t>if </a:t>
+            </a:r>
+            <a:r>
+              <a:rPr lang="en-US" sz="2400" dirty="0" err="1">
+                <a:latin typeface="Consolas" panose="020B0609020204030204" pitchFamily="49" charset="0"/>
+              </a:rPr>
+              <a:t>self.__debug</a:t>
+            </a:r>
+            <a:r>
+              <a:rPr lang="en-US" sz="2400" dirty="0">
+                <a:latin typeface="Consolas" panose="020B0609020204030204" pitchFamily="49" charset="0"/>
+              </a:rPr>
+              <a:t>:</a:t>
+            </a:r>
+          </a:p>
+          <a:p>
+            <a:pPr marL="1371600" lvl="3" indent="0">
+              <a:buNone/>
+            </a:pPr>
+            <a:r>
+              <a:rPr lang="en-US" sz="2400" dirty="0">
+                <a:latin typeface="Consolas" panose="020B0609020204030204" pitchFamily="49" charset="0"/>
+              </a:rPr>
+              <a:t>print(</a:t>
+            </a:r>
+            <a:r>
+              <a:rPr lang="en-US" sz="2400" dirty="0" err="1">
+                <a:latin typeface="Consolas" panose="020B0609020204030204" pitchFamily="49" charset="0"/>
+              </a:rPr>
+              <a:t>f"LED</a:t>
+            </a:r>
+            <a:r>
+              <a:rPr lang="en-US" sz="2400" dirty="0">
+                <a:latin typeface="Consolas" panose="020B0609020204030204" pitchFamily="49" charset="0"/>
+              </a:rPr>
+              <a:t> connected to Pin {</a:t>
+            </a:r>
+            <a:r>
+              <a:rPr lang="en-US" sz="2400" dirty="0" err="1">
+                <a:latin typeface="Consolas" panose="020B0609020204030204" pitchFamily="49" charset="0"/>
+              </a:rPr>
+              <a:t>self.__pin</a:t>
+            </a:r>
+            <a:r>
+              <a:rPr lang="en-US" sz="2400" dirty="0">
+                <a:latin typeface="Consolas" panose="020B0609020204030204" pitchFamily="49" charset="0"/>
+              </a:rPr>
+              <a:t>} is high")</a:t>
+            </a:r>
+          </a:p>
+          <a:p>
+            <a:pPr marL="457200" lvl="1" indent="0">
+              <a:buNone/>
+            </a:pPr>
+            <a:r>
+              <a:rPr lang="en-US" dirty="0" err="1">
+                <a:latin typeface="Consolas" panose="020B0609020204030204" pitchFamily="49" charset="0"/>
+              </a:rPr>
+              <a:t>elif</a:t>
+            </a:r>
+            <a:r>
+              <a:rPr lang="en-US" dirty="0">
+                <a:latin typeface="Consolas" panose="020B0609020204030204" pitchFamily="49" charset="0"/>
+              </a:rPr>
+              <a:t> </a:t>
+            </a:r>
+            <a:r>
+              <a:rPr lang="en-US" dirty="0" err="1">
+                <a:latin typeface="Consolas" panose="020B0609020204030204" pitchFamily="49" charset="0"/>
+              </a:rPr>
+              <a:t>self.value</a:t>
+            </a:r>
+            <a:r>
+              <a:rPr lang="en-US" dirty="0">
+                <a:latin typeface="Consolas" panose="020B0609020204030204" pitchFamily="49" charset="0"/>
+              </a:rPr>
+              <a:t>() == 1:</a:t>
+            </a:r>
+          </a:p>
+          <a:p>
+            <a:pPr marL="914400" lvl="2" indent="0">
+              <a:buNone/>
+            </a:pPr>
+            <a:r>
+              <a:rPr lang="en-US" sz="2400" dirty="0" err="1">
+                <a:latin typeface="Consolas" panose="020B0609020204030204" pitchFamily="49" charset="0"/>
+              </a:rPr>
+              <a:t>self.low</a:t>
+            </a:r>
+            <a:r>
+              <a:rPr lang="en-US" sz="2400" dirty="0">
+                <a:latin typeface="Consolas" panose="020B0609020204030204" pitchFamily="49" charset="0"/>
+              </a:rPr>
+              <a:t>()</a:t>
+            </a:r>
+          </a:p>
+          <a:p>
+            <a:pPr marL="914400" lvl="2" indent="0">
+              <a:buNone/>
+            </a:pPr>
+            <a:r>
+              <a:rPr lang="en-US" sz="2400" dirty="0">
+                <a:latin typeface="Consolas" panose="020B0609020204030204" pitchFamily="49" charset="0"/>
+              </a:rPr>
+              <a:t>if </a:t>
+            </a:r>
+            <a:r>
+              <a:rPr lang="en-US" sz="2400" dirty="0" err="1">
+                <a:latin typeface="Consolas" panose="020B0609020204030204" pitchFamily="49" charset="0"/>
+              </a:rPr>
+              <a:t>self.__debug</a:t>
+            </a:r>
+            <a:r>
+              <a:rPr lang="en-US" sz="2400" dirty="0">
+                <a:latin typeface="Consolas" panose="020B0609020204030204" pitchFamily="49" charset="0"/>
+              </a:rPr>
+              <a:t>:</a:t>
+            </a:r>
+          </a:p>
+          <a:p>
+            <a:pPr marL="1371600" lvl="3" indent="0">
+              <a:buNone/>
+            </a:pPr>
+            <a:r>
+              <a:rPr lang="en-US" sz="2400" dirty="0">
+                <a:latin typeface="Consolas" panose="020B0609020204030204" pitchFamily="49" charset="0"/>
+              </a:rPr>
+              <a:t>print(</a:t>
+            </a:r>
+            <a:r>
+              <a:rPr lang="en-US" sz="2400" dirty="0" err="1">
+                <a:latin typeface="Consolas" panose="020B0609020204030204" pitchFamily="49" charset="0"/>
+              </a:rPr>
+              <a:t>f"LED</a:t>
+            </a:r>
+            <a:r>
+              <a:rPr lang="en-US" sz="2400" dirty="0">
+                <a:latin typeface="Consolas" panose="020B0609020204030204" pitchFamily="49" charset="0"/>
+              </a:rPr>
+              <a:t> connected to Pin {</a:t>
+            </a:r>
+            <a:r>
+              <a:rPr lang="en-US" sz="2400" dirty="0" err="1">
+                <a:latin typeface="Consolas" panose="020B0609020204030204" pitchFamily="49" charset="0"/>
+              </a:rPr>
+              <a:t>self.__pin</a:t>
+            </a:r>
+            <a:r>
+              <a:rPr lang="en-US" sz="2400" dirty="0">
+                <a:latin typeface="Consolas" panose="020B0609020204030204" pitchFamily="49" charset="0"/>
+              </a:rPr>
+              <a:t>} is low")</a:t>
+            </a:r>
+          </a:p>
+          <a:p>
+            <a:pPr marL="0" indent="0">
+              <a:buNone/>
+            </a:pPr>
+            <a:endParaRPr lang="en-AU" dirty="0"/>
+          </a:p>
+        </p:txBody>
+      </p:sp>
+    </p:spTree>
+    <p:extLst>
+      <p:ext uri="{BB962C8B-B14F-4D97-AF65-F5344CB8AC3E}">
+        <p14:creationId xmlns:p14="http://schemas.microsoft.com/office/powerpoint/2010/main" val="3462142984"/>
       </p:ext>
     </p:extLst>
   </p:cSld>

--- a/tutorials/presentations/Lecture2.pptx
+++ b/tutorials/presentations/Lecture2.pptx
@@ -143,7 +143,7 @@
   <pc:docChgLst>
     <pc:chgData name="Ben Jones (Ben Jones)" userId="e6e8a0f3-34fe-4d14-b7ab-3a9f1769fff2" providerId="ADAL" clId="{2A4F3FF4-B48F-4BF2-8996-C16EAC4E46EE}"/>
     <pc:docChg chg="undo custSel addSld delSld modSld sldOrd">
-      <pc:chgData name="Ben Jones (Ben Jones)" userId="e6e8a0f3-34fe-4d14-b7ab-3a9f1769fff2" providerId="ADAL" clId="{2A4F3FF4-B48F-4BF2-8996-C16EAC4E46EE}" dt="2025-06-11T11:36:27.760" v="1568"/>
+      <pc:chgData name="Ben Jones (Ben Jones)" userId="e6e8a0f3-34fe-4d14-b7ab-3a9f1769fff2" providerId="ADAL" clId="{2A4F3FF4-B48F-4BF2-8996-C16EAC4E46EE}" dt="2025-06-11T13:05:53.698" v="1580" actId="27636"/>
       <pc:docMkLst>
         <pc:docMk/>
       </pc:docMkLst>
@@ -408,7 +408,7 @@
         </pc:spChg>
       </pc:sldChg>
       <pc:sldChg chg="addSp delSp modSp new mod">
-        <pc:chgData name="Ben Jones (Ben Jones)" userId="e6e8a0f3-34fe-4d14-b7ab-3a9f1769fff2" providerId="ADAL" clId="{2A4F3FF4-B48F-4BF2-8996-C16EAC4E46EE}" dt="2025-06-11T11:20:14.627" v="1311" actId="255"/>
+        <pc:chgData name="Ben Jones (Ben Jones)" userId="e6e8a0f3-34fe-4d14-b7ab-3a9f1769fff2" providerId="ADAL" clId="{2A4F3FF4-B48F-4BF2-8996-C16EAC4E46EE}" dt="2025-06-11T13:04:25.760" v="1569" actId="948"/>
         <pc:sldMkLst>
           <pc:docMk/>
           <pc:sldMk cId="4286823996" sldId="268"/>
@@ -422,7 +422,7 @@
           </ac:spMkLst>
         </pc:spChg>
         <pc:spChg chg="mod">
-          <ac:chgData name="Ben Jones (Ben Jones)" userId="e6e8a0f3-34fe-4d14-b7ab-3a9f1769fff2" providerId="ADAL" clId="{2A4F3FF4-B48F-4BF2-8996-C16EAC4E46EE}" dt="2025-06-11T11:20:14.627" v="1311" actId="255"/>
+          <ac:chgData name="Ben Jones (Ben Jones)" userId="e6e8a0f3-34fe-4d14-b7ab-3a9f1769fff2" providerId="ADAL" clId="{2A4F3FF4-B48F-4BF2-8996-C16EAC4E46EE}" dt="2025-06-11T13:04:25.760" v="1569" actId="948"/>
           <ac:spMkLst>
             <pc:docMk/>
             <pc:sldMk cId="4286823996" sldId="268"/>
@@ -439,7 +439,7 @@
         </pc:picChg>
       </pc:sldChg>
       <pc:sldChg chg="addSp delSp modSp new add del mod">
-        <pc:chgData name="Ben Jones (Ben Jones)" userId="e6e8a0f3-34fe-4d14-b7ab-3a9f1769fff2" providerId="ADAL" clId="{2A4F3FF4-B48F-4BF2-8996-C16EAC4E46EE}" dt="2025-06-11T11:20:27.921" v="1313" actId="255"/>
+        <pc:chgData name="Ben Jones (Ben Jones)" userId="e6e8a0f3-34fe-4d14-b7ab-3a9f1769fff2" providerId="ADAL" clId="{2A4F3FF4-B48F-4BF2-8996-C16EAC4E46EE}" dt="2025-06-11T13:04:36.824" v="1570" actId="948"/>
         <pc:sldMkLst>
           <pc:docMk/>
           <pc:sldMk cId="961451604" sldId="269"/>
@@ -461,7 +461,7 @@
           </ac:spMkLst>
         </pc:spChg>
         <pc:spChg chg="add mod">
-          <ac:chgData name="Ben Jones (Ben Jones)" userId="e6e8a0f3-34fe-4d14-b7ab-3a9f1769fff2" providerId="ADAL" clId="{2A4F3FF4-B48F-4BF2-8996-C16EAC4E46EE}" dt="2025-06-11T11:20:27.921" v="1313" actId="255"/>
+          <ac:chgData name="Ben Jones (Ben Jones)" userId="e6e8a0f3-34fe-4d14-b7ab-3a9f1769fff2" providerId="ADAL" clId="{2A4F3FF4-B48F-4BF2-8996-C16EAC4E46EE}" dt="2025-06-11T13:04:36.824" v="1570" actId="948"/>
           <ac:spMkLst>
             <pc:docMk/>
             <pc:sldMk cId="961451604" sldId="269"/>
@@ -547,7 +547,7 @@
         </pc:picChg>
       </pc:sldChg>
       <pc:sldChg chg="modSp new mod">
-        <pc:chgData name="Ben Jones (Ben Jones)" userId="e6e8a0f3-34fe-4d14-b7ab-3a9f1769fff2" providerId="ADAL" clId="{2A4F3FF4-B48F-4BF2-8996-C16EAC4E46EE}" dt="2025-06-11T11:20:38.415" v="1315" actId="255"/>
+        <pc:chgData name="Ben Jones (Ben Jones)" userId="e6e8a0f3-34fe-4d14-b7ab-3a9f1769fff2" providerId="ADAL" clId="{2A4F3FF4-B48F-4BF2-8996-C16EAC4E46EE}" dt="2025-06-11T13:04:48.486" v="1571" actId="948"/>
         <pc:sldMkLst>
           <pc:docMk/>
           <pc:sldMk cId="4087278973" sldId="273"/>
@@ -561,7 +561,7 @@
           </ac:spMkLst>
         </pc:spChg>
         <pc:spChg chg="mod">
-          <ac:chgData name="Ben Jones (Ben Jones)" userId="e6e8a0f3-34fe-4d14-b7ab-3a9f1769fff2" providerId="ADAL" clId="{2A4F3FF4-B48F-4BF2-8996-C16EAC4E46EE}" dt="2025-06-11T11:20:38.415" v="1315" actId="255"/>
+          <ac:chgData name="Ben Jones (Ben Jones)" userId="e6e8a0f3-34fe-4d14-b7ab-3a9f1769fff2" providerId="ADAL" clId="{2A4F3FF4-B48F-4BF2-8996-C16EAC4E46EE}" dt="2025-06-11T13:04:48.486" v="1571" actId="948"/>
           <ac:spMkLst>
             <pc:docMk/>
             <pc:sldMk cId="4087278973" sldId="273"/>
@@ -570,7 +570,7 @@
         </pc:spChg>
       </pc:sldChg>
       <pc:sldChg chg="modSp new mod">
-        <pc:chgData name="Ben Jones (Ben Jones)" userId="e6e8a0f3-34fe-4d14-b7ab-3a9f1769fff2" providerId="ADAL" clId="{2A4F3FF4-B48F-4BF2-8996-C16EAC4E46EE}" dt="2025-06-11T11:25:44.408" v="1420" actId="255"/>
+        <pc:chgData name="Ben Jones (Ben Jones)" userId="e6e8a0f3-34fe-4d14-b7ab-3a9f1769fff2" providerId="ADAL" clId="{2A4F3FF4-B48F-4BF2-8996-C16EAC4E46EE}" dt="2025-06-11T13:04:57.802" v="1572" actId="948"/>
         <pc:sldMkLst>
           <pc:docMk/>
           <pc:sldMk cId="1661584646" sldId="274"/>
@@ -584,7 +584,7 @@
           </ac:spMkLst>
         </pc:spChg>
         <pc:spChg chg="mod">
-          <ac:chgData name="Ben Jones (Ben Jones)" userId="e6e8a0f3-34fe-4d14-b7ab-3a9f1769fff2" providerId="ADAL" clId="{2A4F3FF4-B48F-4BF2-8996-C16EAC4E46EE}" dt="2025-06-11T11:25:44.408" v="1420" actId="255"/>
+          <ac:chgData name="Ben Jones (Ben Jones)" userId="e6e8a0f3-34fe-4d14-b7ab-3a9f1769fff2" providerId="ADAL" clId="{2A4F3FF4-B48F-4BF2-8996-C16EAC4E46EE}" dt="2025-06-11T13:04:57.802" v="1572" actId="948"/>
           <ac:spMkLst>
             <pc:docMk/>
             <pc:sldMk cId="1661584646" sldId="274"/>
@@ -593,7 +593,7 @@
         </pc:spChg>
       </pc:sldChg>
       <pc:sldChg chg="modSp new mod">
-        <pc:chgData name="Ben Jones (Ben Jones)" userId="e6e8a0f3-34fe-4d14-b7ab-3a9f1769fff2" providerId="ADAL" clId="{2A4F3FF4-B48F-4BF2-8996-C16EAC4E46EE}" dt="2025-06-11T11:20:55.141" v="1320" actId="255"/>
+        <pc:chgData name="Ben Jones (Ben Jones)" userId="e6e8a0f3-34fe-4d14-b7ab-3a9f1769fff2" providerId="ADAL" clId="{2A4F3FF4-B48F-4BF2-8996-C16EAC4E46EE}" dt="2025-06-11T13:05:06.510" v="1573" actId="948"/>
         <pc:sldMkLst>
           <pc:docMk/>
           <pc:sldMk cId="3462142984" sldId="275"/>
@@ -607,7 +607,7 @@
           </ac:spMkLst>
         </pc:spChg>
         <pc:spChg chg="mod">
-          <ac:chgData name="Ben Jones (Ben Jones)" userId="e6e8a0f3-34fe-4d14-b7ab-3a9f1769fff2" providerId="ADAL" clId="{2A4F3FF4-B48F-4BF2-8996-C16EAC4E46EE}" dt="2025-06-11T11:20:55.141" v="1320" actId="255"/>
+          <ac:chgData name="Ben Jones (Ben Jones)" userId="e6e8a0f3-34fe-4d14-b7ab-3a9f1769fff2" providerId="ADAL" clId="{2A4F3FF4-B48F-4BF2-8996-C16EAC4E46EE}" dt="2025-06-11T13:05:06.510" v="1573" actId="948"/>
           <ac:spMkLst>
             <pc:docMk/>
             <pc:sldMk cId="3462142984" sldId="275"/>
@@ -623,7 +623,7 @@
         </pc:sldMkLst>
       </pc:sldChg>
       <pc:sldChg chg="modSp add mod">
-        <pc:chgData name="Ben Jones (Ben Jones)" userId="e6e8a0f3-34fe-4d14-b7ab-3a9f1769fff2" providerId="ADAL" clId="{2A4F3FF4-B48F-4BF2-8996-C16EAC4E46EE}" dt="2025-06-11T11:21:04.448" v="1322" actId="255"/>
+        <pc:chgData name="Ben Jones (Ben Jones)" userId="e6e8a0f3-34fe-4d14-b7ab-3a9f1769fff2" providerId="ADAL" clId="{2A4F3FF4-B48F-4BF2-8996-C16EAC4E46EE}" dt="2025-06-11T13:05:23.017" v="1575" actId="948"/>
         <pc:sldMkLst>
           <pc:docMk/>
           <pc:sldMk cId="3722578529" sldId="276"/>
@@ -637,7 +637,7 @@
           </ac:spMkLst>
         </pc:spChg>
         <pc:spChg chg="mod">
-          <ac:chgData name="Ben Jones (Ben Jones)" userId="e6e8a0f3-34fe-4d14-b7ab-3a9f1769fff2" providerId="ADAL" clId="{2A4F3FF4-B48F-4BF2-8996-C16EAC4E46EE}" dt="2025-06-11T11:21:04.448" v="1322" actId="255"/>
+          <ac:chgData name="Ben Jones (Ben Jones)" userId="e6e8a0f3-34fe-4d14-b7ab-3a9f1769fff2" providerId="ADAL" clId="{2A4F3FF4-B48F-4BF2-8996-C16EAC4E46EE}" dt="2025-06-11T13:05:23.017" v="1575" actId="948"/>
           <ac:spMkLst>
             <pc:docMk/>
             <pc:sldMk cId="3722578529" sldId="276"/>
@@ -646,7 +646,7 @@
         </pc:spChg>
       </pc:sldChg>
       <pc:sldChg chg="modSp new mod">
-        <pc:chgData name="Ben Jones (Ben Jones)" userId="e6e8a0f3-34fe-4d14-b7ab-3a9f1769fff2" providerId="ADAL" clId="{2A4F3FF4-B48F-4BF2-8996-C16EAC4E46EE}" dt="2025-06-11T11:36:27.760" v="1568"/>
+        <pc:chgData name="Ben Jones (Ben Jones)" userId="e6e8a0f3-34fe-4d14-b7ab-3a9f1769fff2" providerId="ADAL" clId="{2A4F3FF4-B48F-4BF2-8996-C16EAC4E46EE}" dt="2025-06-11T13:05:32.168" v="1576" actId="948"/>
         <pc:sldMkLst>
           <pc:docMk/>
           <pc:sldMk cId="1200987726" sldId="277"/>
@@ -660,7 +660,7 @@
           </ac:spMkLst>
         </pc:spChg>
         <pc:spChg chg="mod">
-          <ac:chgData name="Ben Jones (Ben Jones)" userId="e6e8a0f3-34fe-4d14-b7ab-3a9f1769fff2" providerId="ADAL" clId="{2A4F3FF4-B48F-4BF2-8996-C16EAC4E46EE}" dt="2025-06-11T11:36:27.760" v="1568"/>
+          <ac:chgData name="Ben Jones (Ben Jones)" userId="e6e8a0f3-34fe-4d14-b7ab-3a9f1769fff2" providerId="ADAL" clId="{2A4F3FF4-B48F-4BF2-8996-C16EAC4E46EE}" dt="2025-06-11T13:05:32.168" v="1576" actId="948"/>
           <ac:spMkLst>
             <pc:docMk/>
             <pc:sldMk cId="1200987726" sldId="277"/>
@@ -669,7 +669,7 @@
         </pc:spChg>
       </pc:sldChg>
       <pc:sldChg chg="modSp new mod">
-        <pc:chgData name="Ben Jones (Ben Jones)" userId="e6e8a0f3-34fe-4d14-b7ab-3a9f1769fff2" providerId="ADAL" clId="{2A4F3FF4-B48F-4BF2-8996-C16EAC4E46EE}" dt="2025-06-11T11:21:35.245" v="1330" actId="313"/>
+        <pc:chgData name="Ben Jones (Ben Jones)" userId="e6e8a0f3-34fe-4d14-b7ab-3a9f1769fff2" providerId="ADAL" clId="{2A4F3FF4-B48F-4BF2-8996-C16EAC4E46EE}" dt="2025-06-11T13:05:39.226" v="1577" actId="948"/>
         <pc:sldMkLst>
           <pc:docMk/>
           <pc:sldMk cId="150327059" sldId="278"/>
@@ -683,7 +683,7 @@
           </ac:spMkLst>
         </pc:spChg>
         <pc:spChg chg="mod">
-          <ac:chgData name="Ben Jones (Ben Jones)" userId="e6e8a0f3-34fe-4d14-b7ab-3a9f1769fff2" providerId="ADAL" clId="{2A4F3FF4-B48F-4BF2-8996-C16EAC4E46EE}" dt="2025-06-11T11:21:20.886" v="1326" actId="255"/>
+          <ac:chgData name="Ben Jones (Ben Jones)" userId="e6e8a0f3-34fe-4d14-b7ab-3a9f1769fff2" providerId="ADAL" clId="{2A4F3FF4-B48F-4BF2-8996-C16EAC4E46EE}" dt="2025-06-11T13:05:39.226" v="1577" actId="948"/>
           <ac:spMkLst>
             <pc:docMk/>
             <pc:sldMk cId="150327059" sldId="278"/>
@@ -692,7 +692,7 @@
         </pc:spChg>
       </pc:sldChg>
       <pc:sldChg chg="modSp add mod">
-        <pc:chgData name="Ben Jones (Ben Jones)" userId="e6e8a0f3-34fe-4d14-b7ab-3a9f1769fff2" providerId="ADAL" clId="{2A4F3FF4-B48F-4BF2-8996-C16EAC4E46EE}" dt="2025-06-11T11:22:58.588" v="1351" actId="2711"/>
+        <pc:chgData name="Ben Jones (Ben Jones)" userId="e6e8a0f3-34fe-4d14-b7ab-3a9f1769fff2" providerId="ADAL" clId="{2A4F3FF4-B48F-4BF2-8996-C16EAC4E46EE}" dt="2025-06-11T13:05:46.163" v="1578" actId="948"/>
         <pc:sldMkLst>
           <pc:docMk/>
           <pc:sldMk cId="578616549" sldId="279"/>
@@ -706,7 +706,7 @@
           </ac:spMkLst>
         </pc:spChg>
         <pc:spChg chg="mod">
-          <ac:chgData name="Ben Jones (Ben Jones)" userId="e6e8a0f3-34fe-4d14-b7ab-3a9f1769fff2" providerId="ADAL" clId="{2A4F3FF4-B48F-4BF2-8996-C16EAC4E46EE}" dt="2025-06-11T11:22:58.588" v="1351" actId="2711"/>
+          <ac:chgData name="Ben Jones (Ben Jones)" userId="e6e8a0f3-34fe-4d14-b7ab-3a9f1769fff2" providerId="ADAL" clId="{2A4F3FF4-B48F-4BF2-8996-C16EAC4E46EE}" dt="2025-06-11T13:05:46.163" v="1578" actId="948"/>
           <ac:spMkLst>
             <pc:docMk/>
             <pc:sldMk cId="578616549" sldId="279"/>
@@ -722,13 +722,13 @@
         </pc:sldMkLst>
       </pc:sldChg>
       <pc:sldChg chg="modSp add mod ord">
-        <pc:chgData name="Ben Jones (Ben Jones)" userId="e6e8a0f3-34fe-4d14-b7ab-3a9f1769fff2" providerId="ADAL" clId="{2A4F3FF4-B48F-4BF2-8996-C16EAC4E46EE}" dt="2025-06-11T11:25:18.219" v="1410" actId="255"/>
+        <pc:chgData name="Ben Jones (Ben Jones)" userId="e6e8a0f3-34fe-4d14-b7ab-3a9f1769fff2" providerId="ADAL" clId="{2A4F3FF4-B48F-4BF2-8996-C16EAC4E46EE}" dt="2025-06-11T13:05:13.360" v="1574" actId="948"/>
         <pc:sldMkLst>
           <pc:docMk/>
           <pc:sldMk cId="3994203339" sldId="281"/>
         </pc:sldMkLst>
         <pc:spChg chg="mod">
-          <ac:chgData name="Ben Jones (Ben Jones)" userId="e6e8a0f3-34fe-4d14-b7ab-3a9f1769fff2" providerId="ADAL" clId="{2A4F3FF4-B48F-4BF2-8996-C16EAC4E46EE}" dt="2025-06-11T11:25:18.219" v="1410" actId="255"/>
+          <ac:chgData name="Ben Jones (Ben Jones)" userId="e6e8a0f3-34fe-4d14-b7ab-3a9f1769fff2" providerId="ADAL" clId="{2A4F3FF4-B48F-4BF2-8996-C16EAC4E46EE}" dt="2025-06-11T13:05:13.360" v="1574" actId="948"/>
           <ac:spMkLst>
             <pc:docMk/>
             <pc:sldMk cId="3994203339" sldId="281"/>
@@ -737,13 +737,13 @@
         </pc:spChg>
       </pc:sldChg>
       <pc:sldChg chg="modSp add mod">
-        <pc:chgData name="Ben Jones (Ben Jones)" userId="e6e8a0f3-34fe-4d14-b7ab-3a9f1769fff2" providerId="ADAL" clId="{2A4F3FF4-B48F-4BF2-8996-C16EAC4E46EE}" dt="2025-06-11T11:25:01.406" v="1405" actId="2711"/>
+        <pc:chgData name="Ben Jones (Ben Jones)" userId="e6e8a0f3-34fe-4d14-b7ab-3a9f1769fff2" providerId="ADAL" clId="{2A4F3FF4-B48F-4BF2-8996-C16EAC4E46EE}" dt="2025-06-11T13:05:53.698" v="1580" actId="27636"/>
         <pc:sldMkLst>
           <pc:docMk/>
           <pc:sldMk cId="19356993" sldId="282"/>
         </pc:sldMkLst>
         <pc:spChg chg="mod">
-          <ac:chgData name="Ben Jones (Ben Jones)" userId="e6e8a0f3-34fe-4d14-b7ab-3a9f1769fff2" providerId="ADAL" clId="{2A4F3FF4-B48F-4BF2-8996-C16EAC4E46EE}" dt="2025-06-11T11:25:01.406" v="1405" actId="2711"/>
+          <ac:chgData name="Ben Jones (Ben Jones)" userId="e6e8a0f3-34fe-4d14-b7ab-3a9f1769fff2" providerId="ADAL" clId="{2A4F3FF4-B48F-4BF2-8996-C16EAC4E46EE}" dt="2025-06-11T13:05:53.698" v="1580" actId="27636"/>
           <ac:spMkLst>
             <pc:docMk/>
             <pc:sldMk cId="19356993" sldId="282"/>
@@ -4677,6 +4677,12 @@
           <a:lstStyle/>
           <a:p>
             <a:pPr marL="0" indent="0">
+              <a:lnSpc>
+                <a:spcPct val="100000"/>
+              </a:lnSpc>
+              <a:spcBef>
+                <a:spcPts val="0"/>
+              </a:spcBef>
               <a:buNone/>
             </a:pPr>
             <a:r>
@@ -4688,6 +4694,12 @@
           </a:p>
           <a:p>
             <a:pPr marL="0" indent="0">
+              <a:lnSpc>
+                <a:spcPct val="100000"/>
+              </a:lnSpc>
+              <a:spcBef>
+                <a:spcPts val="0"/>
+              </a:spcBef>
               <a:buNone/>
             </a:pPr>
             <a:r>
@@ -4699,6 +4711,12 @@
           </a:p>
           <a:p>
             <a:pPr marL="0" indent="0">
+              <a:lnSpc>
+                <a:spcPct val="100000"/>
+              </a:lnSpc>
+              <a:spcBef>
+                <a:spcPts val="0"/>
+              </a:spcBef>
               <a:buNone/>
             </a:pPr>
             <a:endParaRPr lang="en-US" sz="2400" dirty="0">
@@ -4707,6 +4725,12 @@
           </a:p>
           <a:p>
             <a:pPr marL="0" indent="0">
+              <a:lnSpc>
+                <a:spcPct val="100000"/>
+              </a:lnSpc>
+              <a:spcBef>
+                <a:spcPts val="0"/>
+              </a:spcBef>
               <a:buNone/>
             </a:pPr>
             <a:r>
@@ -4736,6 +4760,12 @@
           </a:p>
           <a:p>
             <a:pPr marL="0" indent="0">
+              <a:lnSpc>
+                <a:spcPct val="100000"/>
+              </a:lnSpc>
+              <a:spcBef>
+                <a:spcPts val="0"/>
+              </a:spcBef>
               <a:buNone/>
             </a:pPr>
             <a:br>
@@ -4752,6 +4782,12 @@
           </a:p>
           <a:p>
             <a:pPr marL="457200" lvl="1" indent="0">
+              <a:lnSpc>
+                <a:spcPct val="100000"/>
+              </a:lnSpc>
+              <a:spcBef>
+                <a:spcPts val="0"/>
+              </a:spcBef>
               <a:buNone/>
             </a:pPr>
             <a:r>
@@ -4769,6 +4805,12 @@
           </a:p>
           <a:p>
             <a:pPr marL="457200" lvl="1" indent="0">
+              <a:lnSpc>
+                <a:spcPct val="100000"/>
+              </a:lnSpc>
+              <a:spcBef>
+                <a:spcPts val="0"/>
+              </a:spcBef>
               <a:buNone/>
             </a:pPr>
             <a:r>
@@ -4998,6 +5040,12 @@
           <a:lstStyle/>
           <a:p>
             <a:pPr marL="0" indent="0">
+              <a:lnSpc>
+                <a:spcPct val="100000"/>
+              </a:lnSpc>
+              <a:spcBef>
+                <a:spcPts val="0"/>
+              </a:spcBef>
               <a:buNone/>
             </a:pPr>
             <a:r>
@@ -5009,6 +5057,12 @@
           </a:p>
           <a:p>
             <a:pPr marL="0" indent="0">
+              <a:lnSpc>
+                <a:spcPct val="100000"/>
+              </a:lnSpc>
+              <a:spcBef>
+                <a:spcPts val="0"/>
+              </a:spcBef>
               <a:buNone/>
             </a:pPr>
             <a:r>
@@ -5020,6 +5074,12 @@
           </a:p>
           <a:p>
             <a:pPr marL="457200" lvl="1" indent="0">
+              <a:lnSpc>
+                <a:spcPct val="100000"/>
+              </a:lnSpc>
+              <a:spcBef>
+                <a:spcPts val="0"/>
+              </a:spcBef>
               <a:buNone/>
             </a:pPr>
             <a:r>
@@ -5043,6 +5103,12 @@
           </a:p>
           <a:p>
             <a:pPr marL="914400" lvl="2" indent="0">
+              <a:lnSpc>
+                <a:spcPct val="100000"/>
+              </a:lnSpc>
+              <a:spcBef>
+                <a:spcPts val="0"/>
+              </a:spcBef>
               <a:buNone/>
             </a:pPr>
             <a:r>
@@ -5060,6 +5126,12 @@
           </a:p>
           <a:p>
             <a:pPr marL="457200" lvl="1" indent="0">
+              <a:lnSpc>
+                <a:spcPct val="100000"/>
+              </a:lnSpc>
+              <a:spcBef>
+                <a:spcPts val="0"/>
+              </a:spcBef>
               <a:buNone/>
             </a:pPr>
             <a:r>
@@ -5089,6 +5161,12 @@
           </a:p>
           <a:p>
             <a:pPr marL="914400" lvl="2" indent="0">
+              <a:lnSpc>
+                <a:spcPct val="100000"/>
+              </a:lnSpc>
+              <a:spcBef>
+                <a:spcPts val="0"/>
+              </a:spcBef>
               <a:buNone/>
             </a:pPr>
             <a:r>
@@ -5418,6 +5496,12 @@
           <a:lstStyle/>
           <a:p>
             <a:pPr marL="0" indent="0">
+              <a:lnSpc>
+                <a:spcPct val="100000"/>
+              </a:lnSpc>
+              <a:spcBef>
+                <a:spcPts val="0"/>
+              </a:spcBef>
               <a:buNone/>
             </a:pPr>
             <a:r>
@@ -5441,6 +5525,12 @@
           </a:p>
           <a:p>
             <a:pPr marL="0" indent="0">
+              <a:lnSpc>
+                <a:spcPct val="100000"/>
+              </a:lnSpc>
+              <a:spcBef>
+                <a:spcPts val="0"/>
+              </a:spcBef>
               <a:buNone/>
             </a:pPr>
             <a:r>
@@ -5452,6 +5542,12 @@
           </a:p>
           <a:p>
             <a:pPr marL="457200" lvl="1" indent="0">
+              <a:lnSpc>
+                <a:spcPct val="100000"/>
+              </a:lnSpc>
+              <a:spcBef>
+                <a:spcPts val="0"/>
+              </a:spcBef>
               <a:buNone/>
             </a:pPr>
             <a:r>
@@ -5475,6 +5571,12 @@
           </a:p>
           <a:p>
             <a:pPr marL="914400" lvl="2" indent="0">
+              <a:lnSpc>
+                <a:spcPct val="100000"/>
+              </a:lnSpc>
+              <a:spcBef>
+                <a:spcPts val="0"/>
+              </a:spcBef>
               <a:buNone/>
             </a:pPr>
             <a:r>
@@ -5510,6 +5612,12 @@
           </a:p>
           <a:p>
             <a:pPr marL="914400" lvl="2" indent="0">
+              <a:lnSpc>
+                <a:spcPct val="100000"/>
+              </a:lnSpc>
+              <a:spcBef>
+                <a:spcPts val="0"/>
+              </a:spcBef>
               <a:buNone/>
             </a:pPr>
             <a:r>
@@ -5530,6 +5638,12 @@
           </a:p>
           <a:p>
             <a:pPr marL="914400" lvl="2" indent="0">
+              <a:lnSpc>
+                <a:spcPct val="100000"/>
+              </a:lnSpc>
+              <a:spcBef>
+                <a:spcPts val="0"/>
+              </a:spcBef>
               <a:buNone/>
             </a:pPr>
             <a:r>
@@ -5547,6 +5661,12 @@
           </a:p>
           <a:p>
             <a:pPr marL="914400" lvl="2" indent="0">
+              <a:lnSpc>
+                <a:spcPct val="100000"/>
+              </a:lnSpc>
+              <a:spcBef>
+                <a:spcPts val="0"/>
+              </a:spcBef>
               <a:buNone/>
             </a:pPr>
             <a:r>
@@ -5564,6 +5684,12 @@
           </a:p>
           <a:p>
             <a:pPr marL="914400" lvl="2" indent="0">
+              <a:lnSpc>
+                <a:spcPct val="100000"/>
+              </a:lnSpc>
+              <a:spcBef>
+                <a:spcPts val="0"/>
+              </a:spcBef>
               <a:buNone/>
             </a:pPr>
             <a:r>
@@ -5669,6 +5795,12 @@
           <a:lstStyle/>
           <a:p>
             <a:pPr marL="0" indent="0">
+              <a:lnSpc>
+                <a:spcPct val="100000"/>
+              </a:lnSpc>
+              <a:spcBef>
+                <a:spcPts val="0"/>
+              </a:spcBef>
               <a:buNone/>
             </a:pPr>
             <a:r>
@@ -5680,6 +5812,12 @@
           </a:p>
           <a:p>
             <a:pPr marL="0" indent="0">
+              <a:lnSpc>
+                <a:spcPct val="100000"/>
+              </a:lnSpc>
+              <a:spcBef>
+                <a:spcPts val="0"/>
+              </a:spcBef>
               <a:buNone/>
             </a:pPr>
             <a:r>
@@ -5703,6 +5841,12 @@
           </a:p>
           <a:p>
             <a:pPr marL="457200" lvl="1" indent="0">
+              <a:lnSpc>
+                <a:spcPct val="100000"/>
+              </a:lnSpc>
+              <a:spcBef>
+                <a:spcPts val="0"/>
+              </a:spcBef>
               <a:buNone/>
             </a:pPr>
             <a:r>
@@ -5714,6 +5858,12 @@
           </a:p>
           <a:p>
             <a:pPr marL="457200" lvl="1" indent="0">
+              <a:lnSpc>
+                <a:spcPct val="100000"/>
+              </a:lnSpc>
+              <a:spcBef>
+                <a:spcPts val="0"/>
+              </a:spcBef>
               <a:buNone/>
             </a:pPr>
             <a:r>
@@ -5831,6 +5981,12 @@
           <a:lstStyle/>
           <a:p>
             <a:pPr marL="0" indent="0">
+              <a:lnSpc>
+                <a:spcPct val="100000"/>
+              </a:lnSpc>
+              <a:spcBef>
+                <a:spcPts val="0"/>
+              </a:spcBef>
               <a:buNone/>
             </a:pPr>
             <a:r>
@@ -5842,6 +5998,12 @@
           </a:p>
           <a:p>
             <a:pPr marL="0" indent="0">
+              <a:lnSpc>
+                <a:spcPct val="100000"/>
+              </a:lnSpc>
+              <a:spcBef>
+                <a:spcPts val="0"/>
+              </a:spcBef>
               <a:buNone/>
             </a:pPr>
             <a:r>
@@ -5865,6 +6027,12 @@
           </a:p>
           <a:p>
             <a:pPr marL="0" indent="0">
+              <a:lnSpc>
+                <a:spcPct val="100000"/>
+              </a:lnSpc>
+              <a:spcBef>
+                <a:spcPts val="0"/>
+              </a:spcBef>
               <a:buNone/>
             </a:pPr>
             <a:r>
@@ -5876,6 +6044,12 @@
           </a:p>
           <a:p>
             <a:pPr marL="457200" lvl="1" indent="0">
+              <a:lnSpc>
+                <a:spcPct val="100000"/>
+              </a:lnSpc>
+              <a:spcBef>
+                <a:spcPts val="0"/>
+              </a:spcBef>
               <a:buNone/>
             </a:pPr>
             <a:r>
@@ -5887,6 +6061,12 @@
           </a:p>
           <a:p>
             <a:pPr marL="914400" lvl="2" indent="0">
+              <a:lnSpc>
+                <a:spcPct val="100000"/>
+              </a:lnSpc>
+              <a:spcBef>
+                <a:spcPts val="0"/>
+              </a:spcBef>
               <a:buNone/>
             </a:pPr>
             <a:r>
@@ -5904,6 +6084,12 @@
           </a:p>
           <a:p>
             <a:pPr marL="457200" lvl="1" indent="0">
+              <a:lnSpc>
+                <a:spcPct val="100000"/>
+              </a:lnSpc>
+              <a:spcBef>
+                <a:spcPts val="0"/>
+              </a:spcBef>
               <a:buNone/>
             </a:pPr>
             <a:r>
@@ -5921,6 +6107,12 @@
           </a:p>
           <a:p>
             <a:pPr marL="914400" lvl="2" indent="0">
+              <a:lnSpc>
+                <a:spcPct val="100000"/>
+              </a:lnSpc>
+              <a:spcBef>
+                <a:spcPts val="0"/>
+              </a:spcBef>
               <a:buNone/>
             </a:pPr>
             <a:r>
@@ -6024,11 +6216,17 @@
         <p:spPr/>
         <p:txBody>
           <a:bodyPr>
-            <a:normAutofit fontScale="92500" lnSpcReduction="20000"/>
+            <a:normAutofit fontScale="85000" lnSpcReduction="20000"/>
           </a:bodyPr>
           <a:lstStyle/>
           <a:p>
             <a:pPr marL="0" indent="0">
+              <a:lnSpc>
+                <a:spcPct val="120000"/>
+              </a:lnSpc>
+              <a:spcBef>
+                <a:spcPts val="0"/>
+              </a:spcBef>
               <a:buNone/>
             </a:pPr>
             <a:r>
@@ -6040,6 +6238,12 @@
           </a:p>
           <a:p>
             <a:pPr marL="0" indent="0">
+              <a:lnSpc>
+                <a:spcPct val="120000"/>
+              </a:lnSpc>
+              <a:spcBef>
+                <a:spcPts val="0"/>
+              </a:spcBef>
               <a:buNone/>
             </a:pPr>
             <a:r>
@@ -6051,6 +6255,12 @@
           </a:p>
           <a:p>
             <a:pPr marL="0" indent="0">
+              <a:lnSpc>
+                <a:spcPct val="120000"/>
+              </a:lnSpc>
+              <a:spcBef>
+                <a:spcPts val="0"/>
+              </a:spcBef>
               <a:buNone/>
             </a:pPr>
             <a:endParaRPr lang="en-US" sz="2600" dirty="0">
@@ -6059,6 +6269,12 @@
           </a:p>
           <a:p>
             <a:pPr marL="0" indent="0">
+              <a:lnSpc>
+                <a:spcPct val="120000"/>
+              </a:lnSpc>
+              <a:spcBef>
+                <a:spcPts val="0"/>
+              </a:spcBef>
               <a:buNone/>
             </a:pPr>
             <a:r>
@@ -6088,6 +6304,12 @@
           </a:p>
           <a:p>
             <a:pPr marL="0" indent="0">
+              <a:lnSpc>
+                <a:spcPct val="120000"/>
+              </a:lnSpc>
+              <a:spcBef>
+                <a:spcPts val="0"/>
+              </a:spcBef>
               <a:buNone/>
             </a:pPr>
             <a:br>
@@ -6104,6 +6326,12 @@
           </a:p>
           <a:p>
             <a:pPr marL="457200" lvl="1" indent="0">
+              <a:lnSpc>
+                <a:spcPct val="120000"/>
+              </a:lnSpc>
+              <a:spcBef>
+                <a:spcPts val="0"/>
+              </a:spcBef>
               <a:buNone/>
             </a:pPr>
             <a:r>
@@ -6127,6 +6355,12 @@
           </a:p>
           <a:p>
             <a:pPr marL="457200" lvl="1" indent="0">
+              <a:lnSpc>
+                <a:spcPct val="120000"/>
+              </a:lnSpc>
+              <a:spcBef>
+                <a:spcPts val="0"/>
+              </a:spcBef>
               <a:buNone/>
             </a:pPr>
             <a:r>
@@ -6144,6 +6378,12 @@
           </a:p>
           <a:p>
             <a:pPr marL="457200" lvl="1" indent="0">
+              <a:lnSpc>
+                <a:spcPct val="120000"/>
+              </a:lnSpc>
+              <a:spcBef>
+                <a:spcPts val="0"/>
+              </a:spcBef>
               <a:buNone/>
             </a:pPr>
             <a:r>
@@ -6155,6 +6395,12 @@
           </a:p>
           <a:p>
             <a:pPr marL="457200" lvl="1" indent="0">
+              <a:lnSpc>
+                <a:spcPct val="120000"/>
+              </a:lnSpc>
+              <a:spcBef>
+                <a:spcPts val="0"/>
+              </a:spcBef>
               <a:buNone/>
             </a:pPr>
             <a:r>
@@ -6178,6 +6424,12 @@
           </a:p>
           <a:p>
             <a:pPr marL="457200" lvl="1" indent="0">
+              <a:lnSpc>
+                <a:spcPct val="120000"/>
+              </a:lnSpc>
+              <a:spcBef>
+                <a:spcPts val="0"/>
+              </a:spcBef>
               <a:buNone/>
             </a:pPr>
             <a:r>
@@ -6195,6 +6447,12 @@
           </a:p>
           <a:p>
             <a:pPr marL="457200" lvl="1" indent="0">
+              <a:lnSpc>
+                <a:spcPct val="120000"/>
+              </a:lnSpc>
+              <a:spcBef>
+                <a:spcPts val="0"/>
+              </a:spcBef>
               <a:buNone/>
             </a:pPr>
             <a:r>
@@ -6990,6 +7248,12 @@
           <a:lstStyle/>
           <a:p>
             <a:pPr marL="0" indent="0">
+              <a:lnSpc>
+                <a:spcPct val="100000"/>
+              </a:lnSpc>
+              <a:spcBef>
+                <a:spcPts val="0"/>
+              </a:spcBef>
               <a:buNone/>
             </a:pPr>
             <a:r>
@@ -7019,6 +7283,12 @@
           </a:p>
           <a:p>
             <a:pPr marL="457200" lvl="1" indent="0">
+              <a:lnSpc>
+                <a:spcPct val="100000"/>
+              </a:lnSpc>
+              <a:spcBef>
+                <a:spcPts val="0"/>
+              </a:spcBef>
               <a:buNone/>
             </a:pPr>
             <a:r>
@@ -7032,6 +7302,12 @@
           </a:p>
           <a:p>
             <a:pPr marL="914400" lvl="2" indent="0">
+              <a:lnSpc>
+                <a:spcPct val="100000"/>
+              </a:lnSpc>
+              <a:spcBef>
+                <a:spcPts val="0"/>
+              </a:spcBef>
               <a:buNone/>
             </a:pPr>
             <a:r>
@@ -7061,6 +7337,12 @@
           </a:p>
           <a:p>
             <a:pPr marL="1371600" lvl="3" indent="0">
+              <a:lnSpc>
+                <a:spcPct val="100000"/>
+              </a:lnSpc>
+              <a:spcBef>
+                <a:spcPts val="0"/>
+              </a:spcBef>
               <a:buNone/>
             </a:pPr>
             <a:r>
@@ -7106,6 +7388,12 @@
           </a:p>
           <a:p>
             <a:pPr marL="1371600" lvl="3" indent="0">
+              <a:lnSpc>
+                <a:spcPct val="100000"/>
+              </a:lnSpc>
+              <a:spcBef>
+                <a:spcPts val="0"/>
+              </a:spcBef>
               <a:buNone/>
             </a:pPr>
             <a:r>
@@ -7127,6 +7415,12 @@
           </a:p>
           <a:p>
             <a:pPr marL="1371600" lvl="3" indent="0">
+              <a:lnSpc>
+                <a:spcPct val="100000"/>
+              </a:lnSpc>
+              <a:spcBef>
+                <a:spcPts val="0"/>
+              </a:spcBef>
               <a:buNone/>
             </a:pPr>
             <a:r>
@@ -7148,6 +7442,12 @@
           </a:p>
           <a:p>
             <a:pPr marL="1371600" lvl="3" indent="0">
+              <a:lnSpc>
+                <a:spcPct val="100000"/>
+              </a:lnSpc>
+              <a:spcBef>
+                <a:spcPts val="0"/>
+              </a:spcBef>
               <a:buNone/>
             </a:pPr>
             <a:r>
@@ -7249,6 +7549,12 @@
           <a:lstStyle/>
           <a:p>
             <a:pPr marL="0" indent="0">
+              <a:lnSpc>
+                <a:spcPct val="100000"/>
+              </a:lnSpc>
+              <a:spcBef>
+                <a:spcPts val="0"/>
+              </a:spcBef>
               <a:buNone/>
             </a:pPr>
             <a:r>
@@ -7260,6 +7566,12 @@
           </a:p>
           <a:p>
             <a:pPr marL="0" indent="0">
+              <a:lnSpc>
+                <a:spcPct val="100000"/>
+              </a:lnSpc>
+              <a:spcBef>
+                <a:spcPts val="0"/>
+              </a:spcBef>
               <a:buNone/>
             </a:pPr>
             <a:r>
@@ -7271,6 +7583,12 @@
           </a:p>
           <a:p>
             <a:pPr marL="457200" lvl="1" indent="0">
+              <a:lnSpc>
+                <a:spcPct val="100000"/>
+              </a:lnSpc>
+              <a:spcBef>
+                <a:spcPts val="0"/>
+              </a:spcBef>
               <a:buNone/>
             </a:pPr>
             <a:r>
@@ -7288,6 +7606,12 @@
           </a:p>
           <a:p>
             <a:pPr marL="457200" lvl="1" indent="0">
+              <a:lnSpc>
+                <a:spcPct val="100000"/>
+              </a:lnSpc>
+              <a:spcBef>
+                <a:spcPts val="0"/>
+              </a:spcBef>
               <a:buNone/>
             </a:pPr>
             <a:r>
@@ -7311,6 +7635,12 @@
           </a:p>
           <a:p>
             <a:pPr marL="914400" lvl="2" indent="0">
+              <a:lnSpc>
+                <a:spcPct val="100000"/>
+              </a:lnSpc>
+              <a:spcBef>
+                <a:spcPts val="0"/>
+              </a:spcBef>
               <a:buNone/>
             </a:pPr>
             <a:r>
@@ -7432,6 +7762,12 @@
           <a:lstStyle/>
           <a:p>
             <a:pPr marL="0" indent="0">
+              <a:lnSpc>
+                <a:spcPct val="100000"/>
+              </a:lnSpc>
+              <a:spcBef>
+                <a:spcPts val="0"/>
+              </a:spcBef>
               <a:buNone/>
             </a:pPr>
             <a:r>
@@ -7443,6 +7779,12 @@
           </a:p>
           <a:p>
             <a:pPr marL="0" indent="0">
+              <a:lnSpc>
+                <a:spcPct val="100000"/>
+              </a:lnSpc>
+              <a:spcBef>
+                <a:spcPts val="0"/>
+              </a:spcBef>
               <a:buNone/>
             </a:pPr>
             <a:r>
@@ -7454,6 +7796,12 @@
           </a:p>
           <a:p>
             <a:pPr marL="457200" lvl="1" indent="0">
+              <a:lnSpc>
+                <a:spcPct val="100000"/>
+              </a:lnSpc>
+              <a:spcBef>
+                <a:spcPts val="0"/>
+              </a:spcBef>
               <a:buNone/>
             </a:pPr>
             <a:r>
@@ -7471,6 +7819,12 @@
           </a:p>
           <a:p>
             <a:pPr marL="457200" lvl="1" indent="0">
+              <a:lnSpc>
+                <a:spcPct val="100000"/>
+              </a:lnSpc>
+              <a:spcBef>
+                <a:spcPts val="0"/>
+              </a:spcBef>
               <a:buNone/>
             </a:pPr>
             <a:r>
@@ -7494,6 +7848,12 @@
           </a:p>
           <a:p>
             <a:pPr marL="914400" lvl="2" indent="0">
+              <a:lnSpc>
+                <a:spcPct val="100000"/>
+              </a:lnSpc>
+              <a:spcBef>
+                <a:spcPts val="0"/>
+              </a:spcBef>
               <a:buNone/>
             </a:pPr>
             <a:r>
@@ -7617,6 +7977,12 @@
           <a:lstStyle/>
           <a:p>
             <a:pPr marL="0" indent="0">
+              <a:lnSpc>
+                <a:spcPct val="100000"/>
+              </a:lnSpc>
+              <a:spcBef>
+                <a:spcPts val="0"/>
+              </a:spcBef>
               <a:buNone/>
             </a:pPr>
             <a:r>
@@ -7628,6 +7994,12 @@
           </a:p>
           <a:p>
             <a:pPr marL="0" indent="0">
+              <a:lnSpc>
+                <a:spcPct val="100000"/>
+              </a:lnSpc>
+              <a:spcBef>
+                <a:spcPts val="0"/>
+              </a:spcBef>
               <a:buNone/>
             </a:pPr>
             <a:r>
@@ -7639,6 +8011,12 @@
           </a:p>
           <a:p>
             <a:pPr marL="0" indent="0">
+              <a:lnSpc>
+                <a:spcPct val="100000"/>
+              </a:lnSpc>
+              <a:spcBef>
+                <a:spcPts val="0"/>
+              </a:spcBef>
               <a:buNone/>
             </a:pPr>
             <a:endParaRPr lang="en-US" sz="2400" dirty="0">
@@ -7647,6 +8025,12 @@
           </a:p>
           <a:p>
             <a:pPr marL="0" indent="0">
+              <a:lnSpc>
+                <a:spcPct val="100000"/>
+              </a:lnSpc>
+              <a:spcBef>
+                <a:spcPts val="0"/>
+              </a:spcBef>
               <a:buNone/>
             </a:pPr>
             <a:r>
@@ -7676,6 +8060,12 @@
           </a:p>
           <a:p>
             <a:pPr marL="0" indent="0">
+              <a:lnSpc>
+                <a:spcPct val="100000"/>
+              </a:lnSpc>
+              <a:spcBef>
+                <a:spcPts val="0"/>
+              </a:spcBef>
               <a:buNone/>
             </a:pPr>
             <a:br>
@@ -7692,6 +8082,12 @@
           </a:p>
           <a:p>
             <a:pPr marL="457200" lvl="1" indent="0">
+              <a:lnSpc>
+                <a:spcPct val="100000"/>
+              </a:lnSpc>
+              <a:spcBef>
+                <a:spcPts val="0"/>
+              </a:spcBef>
               <a:buNone/>
             </a:pPr>
             <a:r>
@@ -7709,6 +8105,12 @@
           </a:p>
           <a:p>
             <a:pPr marL="457200" lvl="1" indent="0">
+              <a:lnSpc>
+                <a:spcPct val="100000"/>
+              </a:lnSpc>
+              <a:spcBef>
+                <a:spcPts val="0"/>
+              </a:spcBef>
               <a:buNone/>
             </a:pPr>
             <a:r>
@@ -7720,6 +8122,12 @@
           </a:p>
           <a:p>
             <a:pPr marL="457200" lvl="1" indent="0">
+              <a:lnSpc>
+                <a:spcPct val="100000"/>
+              </a:lnSpc>
+              <a:spcBef>
+                <a:spcPts val="0"/>
+              </a:spcBef>
               <a:buNone/>
             </a:pPr>
             <a:r>
@@ -7737,6 +8145,12 @@
           </a:p>
           <a:p>
             <a:pPr marL="457200" lvl="1" indent="0">
+              <a:lnSpc>
+                <a:spcPct val="100000"/>
+              </a:lnSpc>
+              <a:spcBef>
+                <a:spcPts val="0"/>
+              </a:spcBef>
               <a:buNone/>
             </a:pPr>
             <a:r>
@@ -7834,6 +8248,12 @@
           <a:lstStyle/>
           <a:p>
             <a:pPr marL="0" indent="0">
+              <a:lnSpc>
+                <a:spcPct val="100000"/>
+              </a:lnSpc>
+              <a:spcBef>
+                <a:spcPts val="0"/>
+              </a:spcBef>
               <a:buNone/>
             </a:pPr>
             <a:r>
@@ -7845,6 +8265,12 @@
           </a:p>
           <a:p>
             <a:pPr marL="0" indent="0">
+              <a:lnSpc>
+                <a:spcPct val="100000"/>
+              </a:lnSpc>
+              <a:spcBef>
+                <a:spcPts val="0"/>
+              </a:spcBef>
               <a:buNone/>
             </a:pPr>
             <a:r>
@@ -7856,6 +8282,12 @@
           </a:p>
           <a:p>
             <a:pPr marL="457200" lvl="1" indent="0">
+              <a:lnSpc>
+                <a:spcPct val="100000"/>
+              </a:lnSpc>
+              <a:spcBef>
+                <a:spcPts val="0"/>
+              </a:spcBef>
               <a:buNone/>
             </a:pPr>
             <a:r>
@@ -7879,6 +8311,12 @@
           </a:p>
           <a:p>
             <a:pPr marL="914400" lvl="2" indent="0">
+              <a:lnSpc>
+                <a:spcPct val="100000"/>
+              </a:lnSpc>
+              <a:spcBef>
+                <a:spcPts val="0"/>
+              </a:spcBef>
               <a:buNone/>
             </a:pPr>
             <a:r>
@@ -7896,6 +8334,12 @@
           </a:p>
           <a:p>
             <a:pPr marL="914400" lvl="2" indent="0">
+              <a:lnSpc>
+                <a:spcPct val="100000"/>
+              </a:lnSpc>
+              <a:spcBef>
+                <a:spcPts val="0"/>
+              </a:spcBef>
               <a:buNone/>
             </a:pPr>
             <a:r>
@@ -7919,6 +8363,12 @@
           </a:p>
           <a:p>
             <a:pPr marL="1371600" lvl="3" indent="0">
+              <a:lnSpc>
+                <a:spcPct val="100000"/>
+              </a:lnSpc>
+              <a:spcBef>
+                <a:spcPts val="0"/>
+              </a:spcBef>
               <a:buNone/>
             </a:pPr>
             <a:r>
@@ -7954,6 +8404,12 @@
           </a:p>
           <a:p>
             <a:pPr marL="457200" lvl="1" indent="0">
+              <a:lnSpc>
+                <a:spcPct val="100000"/>
+              </a:lnSpc>
+              <a:spcBef>
+                <a:spcPts val="0"/>
+              </a:spcBef>
               <a:buNone/>
             </a:pPr>
             <a:r>
@@ -7983,6 +8439,12 @@
           </a:p>
           <a:p>
             <a:pPr marL="914400" lvl="2" indent="0">
+              <a:lnSpc>
+                <a:spcPct val="100000"/>
+              </a:lnSpc>
+              <a:spcBef>
+                <a:spcPts val="0"/>
+              </a:spcBef>
               <a:buNone/>
             </a:pPr>
             <a:r>
@@ -8000,6 +8462,12 @@
           </a:p>
           <a:p>
             <a:pPr marL="914400" lvl="2" indent="0">
+              <a:lnSpc>
+                <a:spcPct val="100000"/>
+              </a:lnSpc>
+              <a:spcBef>
+                <a:spcPts val="0"/>
+              </a:spcBef>
               <a:buNone/>
             </a:pPr>
             <a:r>
@@ -8023,6 +8491,12 @@
           </a:p>
           <a:p>
             <a:pPr marL="1371600" lvl="3" indent="0">
+              <a:lnSpc>
+                <a:spcPct val="100000"/>
+              </a:lnSpc>
+              <a:spcBef>
+                <a:spcPts val="0"/>
+              </a:spcBef>
               <a:buNone/>
             </a:pPr>
             <a:r>

--- a/tutorials/presentations/Lecture2.pptx
+++ b/tutorials/presentations/Lecture2.pptx
@@ -18,12 +18,13 @@
     <p:sldId id="261" r:id="rId12"/>
     <p:sldId id="276" r:id="rId13"/>
     <p:sldId id="265" r:id="rId14"/>
-    <p:sldId id="267" r:id="rId15"/>
-    <p:sldId id="277" r:id="rId16"/>
-    <p:sldId id="278" r:id="rId17"/>
-    <p:sldId id="279" r:id="rId18"/>
-    <p:sldId id="282" r:id="rId19"/>
-    <p:sldId id="263" r:id="rId20"/>
+    <p:sldId id="283" r:id="rId15"/>
+    <p:sldId id="267" r:id="rId16"/>
+    <p:sldId id="277" r:id="rId17"/>
+    <p:sldId id="278" r:id="rId18"/>
+    <p:sldId id="279" r:id="rId19"/>
+    <p:sldId id="282" r:id="rId20"/>
+    <p:sldId id="263" r:id="rId21"/>
   </p:sldIdLst>
   <p:sldSz cx="12192000" cy="6858000"/>
   <p:notesSz cx="6858000" cy="9144000"/>
@@ -133,7 +134,7 @@
 <file path=ppt/revisionInfo.xml><?xml version="1.0" encoding="utf-8"?>
 <p1510:revInfo xmlns:a="http://schemas.openxmlformats.org/drawingml/2006/main" xmlns:r="http://schemas.openxmlformats.org/officeDocument/2006/relationships" xmlns:p1510="http://schemas.microsoft.com/office/powerpoint/2015/10/main">
   <p1510:revLst>
-    <p1510:client id="{2A4F3FF4-B48F-4BF2-8996-C16EAC4E46EE}" v="29" dt="2025-06-11T11:26:32.090"/>
+    <p1510:client id="{2A4F3FF4-B48F-4BF2-8996-C16EAC4E46EE}" v="30" dt="2025-06-11T13:41:34.637"/>
   </p1510:revLst>
 </p1510:revInfo>
 </file>
@@ -143,7 +144,7 @@
   <pc:docChgLst>
     <pc:chgData name="Ben Jones (Ben Jones)" userId="e6e8a0f3-34fe-4d14-b7ab-3a9f1769fff2" providerId="ADAL" clId="{2A4F3FF4-B48F-4BF2-8996-C16EAC4E46EE}"/>
     <pc:docChg chg="undo custSel addSld delSld modSld sldOrd">
-      <pc:chgData name="Ben Jones (Ben Jones)" userId="e6e8a0f3-34fe-4d14-b7ab-3a9f1769fff2" providerId="ADAL" clId="{2A4F3FF4-B48F-4BF2-8996-C16EAC4E46EE}" dt="2025-06-11T13:05:53.698" v="1580" actId="27636"/>
+      <pc:chgData name="Ben Jones (Ben Jones)" userId="e6e8a0f3-34fe-4d14-b7ab-3a9f1769fff2" providerId="ADAL" clId="{2A4F3FF4-B48F-4BF2-8996-C16EAC4E46EE}" dt="2025-06-11T13:42:14.813" v="1616" actId="948"/>
       <pc:docMkLst>
         <pc:docMk/>
       </pc:docMkLst>
@@ -757,6 +758,29 @@
           <pc:docMk/>
           <pc:sldMk cId="1498570592" sldId="282"/>
         </pc:sldMkLst>
+      </pc:sldChg>
+      <pc:sldChg chg="modSp new mod">
+        <pc:chgData name="Ben Jones (Ben Jones)" userId="e6e8a0f3-34fe-4d14-b7ab-3a9f1769fff2" providerId="ADAL" clId="{2A4F3FF4-B48F-4BF2-8996-C16EAC4E46EE}" dt="2025-06-11T13:42:14.813" v="1616" actId="948"/>
+        <pc:sldMkLst>
+          <pc:docMk/>
+          <pc:sldMk cId="931894072" sldId="283"/>
+        </pc:sldMkLst>
+        <pc:spChg chg="mod">
+          <ac:chgData name="Ben Jones (Ben Jones)" userId="e6e8a0f3-34fe-4d14-b7ab-3a9f1769fff2" providerId="ADAL" clId="{2A4F3FF4-B48F-4BF2-8996-C16EAC4E46EE}" dt="2025-06-11T13:41:04.174" v="1604" actId="20577"/>
+          <ac:spMkLst>
+            <pc:docMk/>
+            <pc:sldMk cId="931894072" sldId="283"/>
+            <ac:spMk id="2" creationId="{115C38DD-9FFF-2300-3BEB-7FB088F5B50B}"/>
+          </ac:spMkLst>
+        </pc:spChg>
+        <pc:spChg chg="mod">
+          <ac:chgData name="Ben Jones (Ben Jones)" userId="e6e8a0f3-34fe-4d14-b7ab-3a9f1769fff2" providerId="ADAL" clId="{2A4F3FF4-B48F-4BF2-8996-C16EAC4E46EE}" dt="2025-06-11T13:42:14.813" v="1616" actId="948"/>
+          <ac:spMkLst>
+            <pc:docMk/>
+            <pc:sldMk cId="931894072" sldId="283"/>
+            <ac:spMk id="3" creationId="{C0A9A33D-576D-0AF5-836E-69400981B158}"/>
+          </ac:spMkLst>
+        </pc:spChg>
       </pc:sldChg>
       <pc:sldChg chg="new del">
         <pc:chgData name="Ben Jones (Ben Jones)" userId="e6e8a0f3-34fe-4d14-b7ab-3a9f1769fff2" providerId="ADAL" clId="{2A4F3FF4-B48F-4BF2-8996-C16EAC4E46EE}" dt="2025-06-11T11:36:25.836" v="1565" actId="680"/>
@@ -5317,10 +5341,10 @@
       </p:grpSpPr>
       <p:sp>
         <p:nvSpPr>
-          <p:cNvPr id="5" name="Title 4">
-            <a:extLst>
-              <a:ext uri="{FF2B5EF4-FFF2-40B4-BE49-F238E27FC236}">
-                <a16:creationId xmlns:a16="http://schemas.microsoft.com/office/drawing/2014/main" id="{96EBD5BC-A418-B3D5-F3BE-15BADC7685D9}"/>
+          <p:cNvPr id="2" name="Title 1">
+            <a:extLst>
+              <a:ext uri="{FF2B5EF4-FFF2-40B4-BE49-F238E27FC236}">
+                <a16:creationId xmlns:a16="http://schemas.microsoft.com/office/drawing/2014/main" id="{115C38DD-9FFF-2300-3BEB-7FB088F5B50B}"/>
               </a:ext>
             </a:extLst>
           </p:cNvPr>
@@ -5338,7 +5362,7 @@
           <a:p>
             <a:r>
               <a:rPr lang="en-AU" dirty="0"/>
-              <a:t>Setter &amp; Getters</a:t>
+              <a:t>Encapsulation in Python</a:t>
             </a:r>
           </a:p>
         </p:txBody>
@@ -5348,7 +5372,7 @@
           <p:cNvPr id="3" name="Content Placeholder 2">
             <a:extLst>
               <a:ext uri="{FF2B5EF4-FFF2-40B4-BE49-F238E27FC236}">
-                <a16:creationId xmlns:a16="http://schemas.microsoft.com/office/drawing/2014/main" id="{D558FCB4-463D-4004-1C16-76D08CA2C42E}"/>
+                <a16:creationId xmlns:a16="http://schemas.microsoft.com/office/drawing/2014/main" id="{C0A9A33D-576D-0AF5-836E-69400981B158}"/>
               </a:ext>
             </a:extLst>
           </p:cNvPr>
@@ -5361,55 +5385,136 @@
         </p:nvSpPr>
         <p:spPr/>
         <p:txBody>
-          <a:bodyPr>
-            <a:normAutofit fontScale="92500" lnSpcReduction="10000"/>
-          </a:bodyPr>
+          <a:bodyPr/>
           <a:lstStyle/>
           <a:p>
             <a:pPr marL="0" indent="0">
-              <a:buNone/>
-            </a:pPr>
-            <a:r>
-              <a:rPr lang="en-US" dirty="0"/>
-              <a:t>Setters and getters are special methods used in object-oriented programming to access (get) or modify (set) the values of private or protected attributes of a class. They help encapsulate the internal state of an object, providing controlled access.</a:t>
-            </a:r>
-          </a:p>
-          <a:p>
-            <a:pPr marL="0" indent="0">
-              <a:buNone/>
-            </a:pPr>
-            <a:endParaRPr lang="en-US" dirty="0"/>
-          </a:p>
-          <a:p>
-            <a:pPr marL="0" indent="0">
-              <a:buNone/>
-            </a:pPr>
-            <a:r>
-              <a:rPr lang="en-US" dirty="0"/>
-              <a:t>A getter is a method that retrieves (gets) the value of a private attribute. It allows you to read the value without providing direct access to the underlying variable.</a:t>
-            </a:r>
-          </a:p>
-          <a:p>
-            <a:pPr marL="0" indent="0">
-              <a:buNone/>
-            </a:pPr>
-            <a:endParaRPr lang="en-US" dirty="0"/>
-          </a:p>
-          <a:p>
-            <a:pPr marL="0" indent="0">
-              <a:buNone/>
-            </a:pPr>
-            <a:r>
-              <a:rPr lang="en-US" dirty="0"/>
-              <a:t>A setter is a method that sets (updates) the value of a private attribute. It allows you to validate or restrict changes before updating the attribute.</a:t>
-            </a:r>
+              <a:lnSpc>
+                <a:spcPct val="100000"/>
+              </a:lnSpc>
+              <a:spcBef>
+                <a:spcPts val="0"/>
+              </a:spcBef>
+              <a:buNone/>
+            </a:pPr>
+            <a:r>
+              <a:rPr lang="en-US" sz="2400" dirty="0">
+                <a:latin typeface="Consolas" panose="020B0609020204030204" pitchFamily="49" charset="0"/>
+              </a:rPr>
+              <a:t>while True:</a:t>
+            </a:r>
+          </a:p>
+          <a:p>
+            <a:pPr marL="457200" lvl="1" indent="0">
+              <a:lnSpc>
+                <a:spcPct val="100000"/>
+              </a:lnSpc>
+              <a:spcBef>
+                <a:spcPts val="0"/>
+              </a:spcBef>
+              <a:buNone/>
+            </a:pPr>
+            <a:r>
+              <a:rPr lang="en-US" dirty="0">
+                <a:latin typeface="Consolas" panose="020B0609020204030204" pitchFamily="49" charset="0"/>
+              </a:rPr>
+              <a:t>print(</a:t>
+            </a:r>
+            <a:r>
+              <a:rPr lang="en-US" dirty="0" err="1">
+                <a:latin typeface="Consolas" panose="020B0609020204030204" pitchFamily="49" charset="0"/>
+              </a:rPr>
+              <a:t>red_light.led_light_state</a:t>
+            </a:r>
+            <a:r>
+              <a:rPr lang="en-US" dirty="0">
+                <a:latin typeface="Consolas" panose="020B0609020204030204" pitchFamily="49" charset="0"/>
+              </a:rPr>
+              <a:t>) # Allowed</a:t>
+            </a:r>
+          </a:p>
+          <a:p>
+            <a:pPr marL="457200" lvl="1" indent="0">
+              <a:lnSpc>
+                <a:spcPct val="100000"/>
+              </a:lnSpc>
+              <a:spcBef>
+                <a:spcPts val="0"/>
+              </a:spcBef>
+              <a:buNone/>
+            </a:pPr>
+            <a:r>
+              <a:rPr lang="en-US" dirty="0" err="1">
+                <a:latin typeface="Consolas" panose="020B0609020204030204" pitchFamily="49" charset="0"/>
+              </a:rPr>
+              <a:t>red_light.led_light_state</a:t>
+            </a:r>
+            <a:r>
+              <a:rPr lang="en-US" dirty="0">
+                <a:latin typeface="Consolas" panose="020B0609020204030204" pitchFamily="49" charset="0"/>
+              </a:rPr>
+              <a:t> = 1 # Allowed</a:t>
+            </a:r>
+          </a:p>
+          <a:p>
+            <a:pPr marL="457200" lvl="1" indent="0">
+              <a:lnSpc>
+                <a:spcPct val="100000"/>
+              </a:lnSpc>
+              <a:spcBef>
+                <a:spcPts val="0"/>
+              </a:spcBef>
+              <a:buNone/>
+            </a:pPr>
+            <a:r>
+              <a:rPr lang="en-US" dirty="0">
+                <a:latin typeface="Consolas" panose="020B0609020204030204" pitchFamily="49" charset="0"/>
+              </a:rPr>
+              <a:t>print(</a:t>
+            </a:r>
+            <a:r>
+              <a:rPr lang="en-US" dirty="0" err="1">
+                <a:latin typeface="Consolas" panose="020B0609020204030204" pitchFamily="49" charset="0"/>
+              </a:rPr>
+              <a:t>f"Not</a:t>
+            </a:r>
+            <a:r>
+              <a:rPr lang="en-US" dirty="0">
+                <a:latin typeface="Consolas" panose="020B0609020204030204" pitchFamily="49" charset="0"/>
+              </a:rPr>
+              <a:t> allowed: {</a:t>
+            </a:r>
+            <a:r>
+              <a:rPr lang="en-US" dirty="0" err="1">
+                <a:latin typeface="Consolas" panose="020B0609020204030204" pitchFamily="49" charset="0"/>
+              </a:rPr>
+              <a:t>red_light.__pin</a:t>
+            </a:r>
+            <a:r>
+              <a:rPr lang="en-US" dirty="0">
+                <a:latin typeface="Consolas" panose="020B0609020204030204" pitchFamily="49" charset="0"/>
+              </a:rPr>
+              <a:t>} ???") # Not allowed, should raise </a:t>
+            </a:r>
+            <a:r>
+              <a:rPr lang="en-US" dirty="0" err="1">
+                <a:latin typeface="Consolas" panose="020B0609020204030204" pitchFamily="49" charset="0"/>
+              </a:rPr>
+              <a:t>AttributeError</a:t>
+            </a:r>
+            <a:endParaRPr lang="en-US" dirty="0">
+              <a:latin typeface="Consolas" panose="020B0609020204030204" pitchFamily="49" charset="0"/>
+            </a:endParaRPr>
+          </a:p>
+          <a:p>
+            <a:endParaRPr lang="en-AU" dirty="0"/>
           </a:p>
         </p:txBody>
       </p:sp>
     </p:spTree>
     <p:extLst>
       <p:ext uri="{BB962C8B-B14F-4D97-AF65-F5344CB8AC3E}">
-        <p14:creationId xmlns:p14="http://schemas.microsoft.com/office/powerpoint/2010/main" val="3160910607"/>
+        <p14:creationId xmlns:p14="http://schemas.microsoft.com/office/powerpoint/2010/main" val="931894072"/>
       </p:ext>
     </p:extLst>
   </p:cSld>
@@ -5438,10 +5543,10 @@
       </p:grpSpPr>
       <p:sp>
         <p:nvSpPr>
-          <p:cNvPr id="2" name="Title 1">
-            <a:extLst>
-              <a:ext uri="{FF2B5EF4-FFF2-40B4-BE49-F238E27FC236}">
-                <a16:creationId xmlns:a16="http://schemas.microsoft.com/office/drawing/2014/main" id="{44375452-9F4E-B055-718A-F19667AF518D}"/>
+          <p:cNvPr id="5" name="Title 4">
+            <a:extLst>
+              <a:ext uri="{FF2B5EF4-FFF2-40B4-BE49-F238E27FC236}">
+                <a16:creationId xmlns:a16="http://schemas.microsoft.com/office/drawing/2014/main" id="{96EBD5BC-A418-B3D5-F3BE-15BADC7685D9}"/>
               </a:ext>
             </a:extLst>
           </p:cNvPr>
@@ -5459,15 +5564,7 @@
           <a:p>
             <a:r>
               <a:rPr lang="en-AU" dirty="0"/>
-              <a:t>Add a </a:t>
-            </a:r>
-            <a:r>
-              <a:rPr lang="en-AU" dirty="0" err="1"/>
-              <a:t>led_light_state</a:t>
-            </a:r>
-            <a:r>
-              <a:rPr lang="en-AU" dirty="0"/>
-              <a:t> attribute </a:t>
+              <a:t>Setter &amp; Getters</a:t>
             </a:r>
           </a:p>
         </p:txBody>
@@ -5477,7 +5574,7 @@
           <p:cNvPr id="3" name="Content Placeholder 2">
             <a:extLst>
               <a:ext uri="{FF2B5EF4-FFF2-40B4-BE49-F238E27FC236}">
-                <a16:creationId xmlns:a16="http://schemas.microsoft.com/office/drawing/2014/main" id="{DD04821B-3CDE-B72D-FD94-23B33CD0F272}"/>
+                <a16:creationId xmlns:a16="http://schemas.microsoft.com/office/drawing/2014/main" id="{D558FCB4-463D-4004-1C16-76D08CA2C42E}"/>
               </a:ext>
             </a:extLst>
           </p:cNvPr>
@@ -5491,234 +5588,54 @@
         <p:spPr/>
         <p:txBody>
           <a:bodyPr>
-            <a:normAutofit/>
+            <a:normAutofit fontScale="92500" lnSpcReduction="10000"/>
           </a:bodyPr>
           <a:lstStyle/>
           <a:p>
             <a:pPr marL="0" indent="0">
-              <a:lnSpc>
-                <a:spcPct val="100000"/>
-              </a:lnSpc>
-              <a:spcBef>
-                <a:spcPts val="0"/>
-              </a:spcBef>
-              <a:buNone/>
-            </a:pPr>
-            <a:r>
-              <a:rPr lang="en-AU" sz="2400" dirty="0">
-                <a:latin typeface="Consolas" panose="020B0609020204030204" pitchFamily="49" charset="0"/>
-              </a:rPr>
-              <a:t>class </a:t>
-            </a:r>
-            <a:r>
-              <a:rPr lang="en-AU" sz="2400" dirty="0" err="1">
-                <a:latin typeface="Consolas" panose="020B0609020204030204" pitchFamily="49" charset="0"/>
-              </a:rPr>
-              <a:t>Led_Light</a:t>
-            </a:r>
-            <a:r>
-              <a:rPr lang="en-AU" sz="2400" dirty="0">
-                <a:latin typeface="Consolas" panose="020B0609020204030204" pitchFamily="49" charset="0"/>
-              </a:rPr>
-              <a:t>(Pin):</a:t>
+              <a:buNone/>
+            </a:pPr>
+            <a:r>
+              <a:rPr lang="en-US" dirty="0"/>
+              <a:t>Setters and getters are special methods used in object-oriented programming to access (get) or modify (set) the values of private or protected attributes of a class. They help encapsulate the internal state of an object, providing controlled access.</a:t>
             </a:r>
           </a:p>
           <a:p>
             <a:pPr marL="0" indent="0">
-              <a:lnSpc>
-                <a:spcPct val="100000"/>
-              </a:lnSpc>
-              <a:spcBef>
-                <a:spcPts val="0"/>
-              </a:spcBef>
-              <a:buNone/>
-            </a:pPr>
-            <a:r>
-              <a:rPr lang="en-AU" sz="2400" dirty="0">
-                <a:latin typeface="Consolas" panose="020B0609020204030204" pitchFamily="49" charset="0"/>
-              </a:rPr>
-              <a:t># child class inherits the parent 'Pin' class</a:t>
-            </a:r>
-          </a:p>
-          <a:p>
-            <a:pPr marL="457200" lvl="1" indent="0">
-              <a:lnSpc>
-                <a:spcPct val="100000"/>
-              </a:lnSpc>
-              <a:spcBef>
-                <a:spcPts val="0"/>
-              </a:spcBef>
-              <a:buNone/>
-            </a:pPr>
-            <a:r>
-              <a:rPr lang="en-AU" dirty="0">
-                <a:latin typeface="Consolas" panose="020B0609020204030204" pitchFamily="49" charset="0"/>
-              </a:rPr>
-              <a:t>def __</a:t>
-            </a:r>
-            <a:r>
-              <a:rPr lang="en-AU" dirty="0" err="1">
-                <a:latin typeface="Consolas" panose="020B0609020204030204" pitchFamily="49" charset="0"/>
-              </a:rPr>
-              <a:t>init</a:t>
-            </a:r>
-            <a:r>
-              <a:rPr lang="en-AU" dirty="0">
-                <a:latin typeface="Consolas" panose="020B0609020204030204" pitchFamily="49" charset="0"/>
-              </a:rPr>
-              <a:t>__(self, pin, flashing=False, debug=False):</a:t>
-            </a:r>
-          </a:p>
-          <a:p>
-            <a:pPr marL="914400" lvl="2" indent="0">
-              <a:lnSpc>
-                <a:spcPct val="100000"/>
-              </a:lnSpc>
-              <a:spcBef>
-                <a:spcPts val="0"/>
-              </a:spcBef>
-              <a:buNone/>
-            </a:pPr>
-            <a:r>
-              <a:rPr lang="en-AU" sz="2400" dirty="0">
-                <a:latin typeface="Consolas" panose="020B0609020204030204" pitchFamily="49" charset="0"/>
-              </a:rPr>
-              <a:t>super().__</a:t>
-            </a:r>
-            <a:r>
-              <a:rPr lang="en-AU" sz="2400" dirty="0" err="1">
-                <a:latin typeface="Consolas" panose="020B0609020204030204" pitchFamily="49" charset="0"/>
-              </a:rPr>
-              <a:t>init</a:t>
-            </a:r>
-            <a:r>
-              <a:rPr lang="en-AU" sz="2400" dirty="0">
-                <a:latin typeface="Consolas" panose="020B0609020204030204" pitchFamily="49" charset="0"/>
-              </a:rPr>
-              <a:t>__(pin, </a:t>
-            </a:r>
-            <a:r>
-              <a:rPr lang="en-AU" sz="2400" dirty="0" err="1">
-                <a:latin typeface="Consolas" panose="020B0609020204030204" pitchFamily="49" charset="0"/>
-              </a:rPr>
-              <a:t>Pin.OUT</a:t>
-            </a:r>
-            <a:r>
-              <a:rPr lang="en-AU" sz="2400" dirty="0">
-                <a:latin typeface="Consolas" panose="020B0609020204030204" pitchFamily="49" charset="0"/>
-              </a:rPr>
-              <a:t>)</a:t>
-            </a:r>
-          </a:p>
-          <a:p>
-            <a:pPr marL="914400" lvl="2" indent="0">
-              <a:lnSpc>
-                <a:spcPct val="100000"/>
-              </a:lnSpc>
-              <a:spcBef>
-                <a:spcPts val="0"/>
-              </a:spcBef>
-              <a:buNone/>
-            </a:pPr>
-            <a:r>
-              <a:rPr lang="en-AU" sz="2400" dirty="0" err="1">
-                <a:solidFill>
-                  <a:srgbClr val="FF0000"/>
-                </a:solidFill>
-                <a:latin typeface="Consolas" panose="020B0609020204030204" pitchFamily="49" charset="0"/>
-              </a:rPr>
-              <a:t>self.led_light_state</a:t>
-            </a:r>
-            <a:endParaRPr lang="en-AU" sz="2400" dirty="0">
-              <a:solidFill>
-                <a:srgbClr val="FF0000"/>
-              </a:solidFill>
-              <a:latin typeface="Consolas" panose="020B0609020204030204" pitchFamily="49" charset="0"/>
-            </a:endParaRPr>
-          </a:p>
-          <a:p>
-            <a:pPr marL="914400" lvl="2" indent="0">
-              <a:lnSpc>
-                <a:spcPct val="100000"/>
-              </a:lnSpc>
-              <a:spcBef>
-                <a:spcPts val="0"/>
-              </a:spcBef>
-              <a:buNone/>
-            </a:pPr>
-            <a:r>
-              <a:rPr lang="en-AU" sz="2400" dirty="0" err="1">
-                <a:latin typeface="Consolas" panose="020B0609020204030204" pitchFamily="49" charset="0"/>
-              </a:rPr>
-              <a:t>self.__debug</a:t>
-            </a:r>
-            <a:r>
-              <a:rPr lang="en-AU" sz="2400" dirty="0">
-                <a:latin typeface="Consolas" panose="020B0609020204030204" pitchFamily="49" charset="0"/>
-              </a:rPr>
-              <a:t> = debug</a:t>
-            </a:r>
-          </a:p>
-          <a:p>
-            <a:pPr marL="914400" lvl="2" indent="0">
-              <a:lnSpc>
-                <a:spcPct val="100000"/>
-              </a:lnSpc>
-              <a:spcBef>
-                <a:spcPts val="0"/>
-              </a:spcBef>
-              <a:buNone/>
-            </a:pPr>
-            <a:r>
-              <a:rPr lang="en-AU" sz="2400" dirty="0" err="1">
-                <a:latin typeface="Consolas" panose="020B0609020204030204" pitchFamily="49" charset="0"/>
-              </a:rPr>
-              <a:t>self.__pin</a:t>
-            </a:r>
-            <a:r>
-              <a:rPr lang="en-AU" sz="2400" dirty="0">
-                <a:latin typeface="Consolas" panose="020B0609020204030204" pitchFamily="49" charset="0"/>
-              </a:rPr>
-              <a:t> = pin</a:t>
-            </a:r>
-          </a:p>
-          <a:p>
-            <a:pPr marL="914400" lvl="2" indent="0">
-              <a:lnSpc>
-                <a:spcPct val="100000"/>
-              </a:lnSpc>
-              <a:spcBef>
-                <a:spcPts val="0"/>
-              </a:spcBef>
-              <a:buNone/>
-            </a:pPr>
-            <a:r>
-              <a:rPr lang="en-AU" sz="2400" dirty="0" err="1">
-                <a:latin typeface="Consolas" panose="020B0609020204030204" pitchFamily="49" charset="0"/>
-              </a:rPr>
-              <a:t>self.__flashing</a:t>
-            </a:r>
-            <a:r>
-              <a:rPr lang="en-AU" sz="2400" dirty="0">
-                <a:latin typeface="Consolas" panose="020B0609020204030204" pitchFamily="49" charset="0"/>
-              </a:rPr>
-              <a:t> = flashing</a:t>
-            </a:r>
-          </a:p>
-          <a:p>
-            <a:pPr marL="914400" lvl="2" indent="0">
-              <a:buNone/>
-            </a:pPr>
-            <a:endParaRPr lang="en-AU" sz="2400" dirty="0">
-              <a:latin typeface="Consolas" panose="020B0609020204030204" pitchFamily="49" charset="0"/>
-            </a:endParaRPr>
+              <a:buNone/>
+            </a:pPr>
+            <a:endParaRPr lang="en-US" dirty="0"/>
+          </a:p>
+          <a:p>
+            <a:pPr marL="0" indent="0">
+              <a:buNone/>
+            </a:pPr>
+            <a:r>
+              <a:rPr lang="en-US" dirty="0"/>
+              <a:t>A getter is a method that retrieves (gets) the value of a private attribute. It allows you to read the value without providing direct access to the underlying variable.</a:t>
+            </a:r>
+          </a:p>
+          <a:p>
+            <a:pPr marL="0" indent="0">
+              <a:buNone/>
+            </a:pPr>
+            <a:endParaRPr lang="en-US" dirty="0"/>
+          </a:p>
+          <a:p>
+            <a:pPr marL="0" indent="0">
+              <a:buNone/>
+            </a:pPr>
+            <a:r>
+              <a:rPr lang="en-US" dirty="0"/>
+              <a:t>A setter is a method that sets (updates) the value of a private attribute. It allows you to validate or restrict changes before updating the attribute.</a:t>
+            </a:r>
           </a:p>
         </p:txBody>
       </p:sp>
     </p:spTree>
     <p:extLst>
       <p:ext uri="{BB962C8B-B14F-4D97-AF65-F5344CB8AC3E}">
-        <p14:creationId xmlns:p14="http://schemas.microsoft.com/office/powerpoint/2010/main" val="1200987726"/>
+        <p14:creationId xmlns:p14="http://schemas.microsoft.com/office/powerpoint/2010/main" val="3160910607"/>
       </p:ext>
     </p:extLst>
   </p:cSld>
@@ -5750,6 +5667,315 @@
           <p:cNvPr id="2" name="Title 1">
             <a:extLst>
               <a:ext uri="{FF2B5EF4-FFF2-40B4-BE49-F238E27FC236}">
+                <a16:creationId xmlns:a16="http://schemas.microsoft.com/office/drawing/2014/main" id="{44375452-9F4E-B055-718A-F19667AF518D}"/>
+              </a:ext>
+            </a:extLst>
+          </p:cNvPr>
+          <p:cNvSpPr>
+            <a:spLocks noGrp="1"/>
+          </p:cNvSpPr>
+          <p:nvPr>
+            <p:ph type="title"/>
+          </p:nvPr>
+        </p:nvSpPr>
+        <p:spPr/>
+        <p:txBody>
+          <a:bodyPr/>
+          <a:lstStyle/>
+          <a:p>
+            <a:r>
+              <a:rPr lang="en-AU" dirty="0"/>
+              <a:t>Add a </a:t>
+            </a:r>
+            <a:r>
+              <a:rPr lang="en-AU" dirty="0" err="1"/>
+              <a:t>led_light_state</a:t>
+            </a:r>
+            <a:r>
+              <a:rPr lang="en-AU" dirty="0"/>
+              <a:t> attribute </a:t>
+            </a:r>
+          </a:p>
+        </p:txBody>
+      </p:sp>
+      <p:sp>
+        <p:nvSpPr>
+          <p:cNvPr id="3" name="Content Placeholder 2">
+            <a:extLst>
+              <a:ext uri="{FF2B5EF4-FFF2-40B4-BE49-F238E27FC236}">
+                <a16:creationId xmlns:a16="http://schemas.microsoft.com/office/drawing/2014/main" id="{DD04821B-3CDE-B72D-FD94-23B33CD0F272}"/>
+              </a:ext>
+            </a:extLst>
+          </p:cNvPr>
+          <p:cNvSpPr>
+            <a:spLocks noGrp="1"/>
+          </p:cNvSpPr>
+          <p:nvPr>
+            <p:ph idx="1"/>
+          </p:nvPr>
+        </p:nvSpPr>
+        <p:spPr/>
+        <p:txBody>
+          <a:bodyPr>
+            <a:normAutofit/>
+          </a:bodyPr>
+          <a:lstStyle/>
+          <a:p>
+            <a:pPr marL="0" indent="0">
+              <a:lnSpc>
+                <a:spcPct val="100000"/>
+              </a:lnSpc>
+              <a:spcBef>
+                <a:spcPts val="0"/>
+              </a:spcBef>
+              <a:buNone/>
+            </a:pPr>
+            <a:r>
+              <a:rPr lang="en-AU" sz="2400" dirty="0">
+                <a:latin typeface="Consolas" panose="020B0609020204030204" pitchFamily="49" charset="0"/>
+              </a:rPr>
+              <a:t>class </a:t>
+            </a:r>
+            <a:r>
+              <a:rPr lang="en-AU" sz="2400" dirty="0" err="1">
+                <a:latin typeface="Consolas" panose="020B0609020204030204" pitchFamily="49" charset="0"/>
+              </a:rPr>
+              <a:t>Led_Light</a:t>
+            </a:r>
+            <a:r>
+              <a:rPr lang="en-AU" sz="2400" dirty="0">
+                <a:latin typeface="Consolas" panose="020B0609020204030204" pitchFamily="49" charset="0"/>
+              </a:rPr>
+              <a:t>(Pin):</a:t>
+            </a:r>
+          </a:p>
+          <a:p>
+            <a:pPr marL="0" indent="0">
+              <a:lnSpc>
+                <a:spcPct val="100000"/>
+              </a:lnSpc>
+              <a:spcBef>
+                <a:spcPts val="0"/>
+              </a:spcBef>
+              <a:buNone/>
+            </a:pPr>
+            <a:r>
+              <a:rPr lang="en-AU" sz="2400" dirty="0">
+                <a:latin typeface="Consolas" panose="020B0609020204030204" pitchFamily="49" charset="0"/>
+              </a:rPr>
+              <a:t># child class inherits the parent 'Pin' class</a:t>
+            </a:r>
+          </a:p>
+          <a:p>
+            <a:pPr marL="457200" lvl="1" indent="0">
+              <a:lnSpc>
+                <a:spcPct val="100000"/>
+              </a:lnSpc>
+              <a:spcBef>
+                <a:spcPts val="0"/>
+              </a:spcBef>
+              <a:buNone/>
+            </a:pPr>
+            <a:r>
+              <a:rPr lang="en-AU" dirty="0">
+                <a:latin typeface="Consolas" panose="020B0609020204030204" pitchFamily="49" charset="0"/>
+              </a:rPr>
+              <a:t>def __</a:t>
+            </a:r>
+            <a:r>
+              <a:rPr lang="en-AU" dirty="0" err="1">
+                <a:latin typeface="Consolas" panose="020B0609020204030204" pitchFamily="49" charset="0"/>
+              </a:rPr>
+              <a:t>init</a:t>
+            </a:r>
+            <a:r>
+              <a:rPr lang="en-AU" dirty="0">
+                <a:latin typeface="Consolas" panose="020B0609020204030204" pitchFamily="49" charset="0"/>
+              </a:rPr>
+              <a:t>__(self, pin, flashing=False, debug=False):</a:t>
+            </a:r>
+          </a:p>
+          <a:p>
+            <a:pPr marL="914400" lvl="2" indent="0">
+              <a:lnSpc>
+                <a:spcPct val="100000"/>
+              </a:lnSpc>
+              <a:spcBef>
+                <a:spcPts val="0"/>
+              </a:spcBef>
+              <a:buNone/>
+            </a:pPr>
+            <a:r>
+              <a:rPr lang="en-AU" sz="2400" dirty="0">
+                <a:latin typeface="Consolas" panose="020B0609020204030204" pitchFamily="49" charset="0"/>
+              </a:rPr>
+              <a:t>super().__</a:t>
+            </a:r>
+            <a:r>
+              <a:rPr lang="en-AU" sz="2400" dirty="0" err="1">
+                <a:latin typeface="Consolas" panose="020B0609020204030204" pitchFamily="49" charset="0"/>
+              </a:rPr>
+              <a:t>init</a:t>
+            </a:r>
+            <a:r>
+              <a:rPr lang="en-AU" sz="2400" dirty="0">
+                <a:latin typeface="Consolas" panose="020B0609020204030204" pitchFamily="49" charset="0"/>
+              </a:rPr>
+              <a:t>__(pin, </a:t>
+            </a:r>
+            <a:r>
+              <a:rPr lang="en-AU" sz="2400" dirty="0" err="1">
+                <a:latin typeface="Consolas" panose="020B0609020204030204" pitchFamily="49" charset="0"/>
+              </a:rPr>
+              <a:t>Pin.OUT</a:t>
+            </a:r>
+            <a:r>
+              <a:rPr lang="en-AU" sz="2400" dirty="0">
+                <a:latin typeface="Consolas" panose="020B0609020204030204" pitchFamily="49" charset="0"/>
+              </a:rPr>
+              <a:t>)</a:t>
+            </a:r>
+          </a:p>
+          <a:p>
+            <a:pPr marL="914400" lvl="2" indent="0">
+              <a:lnSpc>
+                <a:spcPct val="100000"/>
+              </a:lnSpc>
+              <a:spcBef>
+                <a:spcPts val="0"/>
+              </a:spcBef>
+              <a:buNone/>
+            </a:pPr>
+            <a:r>
+              <a:rPr lang="en-AU" sz="2400" dirty="0" err="1">
+                <a:solidFill>
+                  <a:srgbClr val="FF0000"/>
+                </a:solidFill>
+                <a:latin typeface="Consolas" panose="020B0609020204030204" pitchFamily="49" charset="0"/>
+              </a:rPr>
+              <a:t>self.led_light_state</a:t>
+            </a:r>
+            <a:endParaRPr lang="en-AU" sz="2400" dirty="0">
+              <a:solidFill>
+                <a:srgbClr val="FF0000"/>
+              </a:solidFill>
+              <a:latin typeface="Consolas" panose="020B0609020204030204" pitchFamily="49" charset="0"/>
+            </a:endParaRPr>
+          </a:p>
+          <a:p>
+            <a:pPr marL="914400" lvl="2" indent="0">
+              <a:lnSpc>
+                <a:spcPct val="100000"/>
+              </a:lnSpc>
+              <a:spcBef>
+                <a:spcPts val="0"/>
+              </a:spcBef>
+              <a:buNone/>
+            </a:pPr>
+            <a:r>
+              <a:rPr lang="en-AU" sz="2400" dirty="0" err="1">
+                <a:latin typeface="Consolas" panose="020B0609020204030204" pitchFamily="49" charset="0"/>
+              </a:rPr>
+              <a:t>self.__debug</a:t>
+            </a:r>
+            <a:r>
+              <a:rPr lang="en-AU" sz="2400" dirty="0">
+                <a:latin typeface="Consolas" panose="020B0609020204030204" pitchFamily="49" charset="0"/>
+              </a:rPr>
+              <a:t> = debug</a:t>
+            </a:r>
+          </a:p>
+          <a:p>
+            <a:pPr marL="914400" lvl="2" indent="0">
+              <a:lnSpc>
+                <a:spcPct val="100000"/>
+              </a:lnSpc>
+              <a:spcBef>
+                <a:spcPts val="0"/>
+              </a:spcBef>
+              <a:buNone/>
+            </a:pPr>
+            <a:r>
+              <a:rPr lang="en-AU" sz="2400" dirty="0" err="1">
+                <a:latin typeface="Consolas" panose="020B0609020204030204" pitchFamily="49" charset="0"/>
+              </a:rPr>
+              <a:t>self.__pin</a:t>
+            </a:r>
+            <a:r>
+              <a:rPr lang="en-AU" sz="2400" dirty="0">
+                <a:latin typeface="Consolas" panose="020B0609020204030204" pitchFamily="49" charset="0"/>
+              </a:rPr>
+              <a:t> = pin</a:t>
+            </a:r>
+          </a:p>
+          <a:p>
+            <a:pPr marL="914400" lvl="2" indent="0">
+              <a:lnSpc>
+                <a:spcPct val="100000"/>
+              </a:lnSpc>
+              <a:spcBef>
+                <a:spcPts val="0"/>
+              </a:spcBef>
+              <a:buNone/>
+            </a:pPr>
+            <a:r>
+              <a:rPr lang="en-AU" sz="2400" dirty="0" err="1">
+                <a:latin typeface="Consolas" panose="020B0609020204030204" pitchFamily="49" charset="0"/>
+              </a:rPr>
+              <a:t>self.__flashing</a:t>
+            </a:r>
+            <a:r>
+              <a:rPr lang="en-AU" sz="2400" dirty="0">
+                <a:latin typeface="Consolas" panose="020B0609020204030204" pitchFamily="49" charset="0"/>
+              </a:rPr>
+              <a:t> = flashing</a:t>
+            </a:r>
+          </a:p>
+          <a:p>
+            <a:pPr marL="914400" lvl="2" indent="0">
+              <a:buNone/>
+            </a:pPr>
+            <a:endParaRPr lang="en-AU" sz="2400" dirty="0">
+              <a:latin typeface="Consolas" panose="020B0609020204030204" pitchFamily="49" charset="0"/>
+            </a:endParaRPr>
+          </a:p>
+        </p:txBody>
+      </p:sp>
+    </p:spTree>
+    <p:extLst>
+      <p:ext uri="{BB962C8B-B14F-4D97-AF65-F5344CB8AC3E}">
+        <p14:creationId xmlns:p14="http://schemas.microsoft.com/office/powerpoint/2010/main" val="1200987726"/>
+      </p:ext>
+    </p:extLst>
+  </p:cSld>
+  <p:clrMapOvr>
+    <a:masterClrMapping/>
+  </p:clrMapOvr>
+</p:sld>
+</file>
+
+<file path=ppt/slides/slide17.xml><?xml version="1.0" encoding="utf-8"?>
+<p:sld xmlns:a="http://schemas.openxmlformats.org/drawingml/2006/main" xmlns:r="http://schemas.openxmlformats.org/officeDocument/2006/relationships" xmlns:p="http://schemas.openxmlformats.org/presentationml/2006/main">
+  <p:cSld>
+    <p:spTree>
+      <p:nvGrpSpPr>
+        <p:cNvPr id="1" name=""/>
+        <p:cNvGrpSpPr/>
+        <p:nvPr/>
+      </p:nvGrpSpPr>
+      <p:grpSpPr>
+        <a:xfrm>
+          <a:off x="0" y="0"/>
+          <a:ext cx="0" cy="0"/>
+          <a:chOff x="0" y="0"/>
+          <a:chExt cx="0" cy="0"/>
+        </a:xfrm>
+      </p:grpSpPr>
+      <p:sp>
+        <p:nvSpPr>
+          <p:cNvPr id="2" name="Title 1">
+            <a:extLst>
+              <a:ext uri="{FF2B5EF4-FFF2-40B4-BE49-F238E27FC236}">
                 <a16:creationId xmlns:a16="http://schemas.microsoft.com/office/drawing/2014/main" id="{2F9F0260-1F0F-D26A-38E1-A63A8C7DBEC7}"/>
               </a:ext>
             </a:extLst>
@@ -5906,7 +6132,7 @@
 </p:sld>
 </file>
 
-<file path=ppt/slides/slide17.xml><?xml version="1.0" encoding="utf-8"?>
+<file path=ppt/slides/slide18.xml><?xml version="1.0" encoding="utf-8"?>
 <p:sld xmlns:a="http://schemas.openxmlformats.org/drawingml/2006/main" xmlns:r="http://schemas.openxmlformats.org/officeDocument/2006/relationships" xmlns:p="http://schemas.openxmlformats.org/presentationml/2006/main">
   <p:cSld>
     <p:spTree>
@@ -6146,7 +6372,7 @@
 </p:sld>
 </file>
 
-<file path=ppt/slides/slide18.xml><?xml version="1.0" encoding="utf-8"?>
+<file path=ppt/slides/slide19.xml><?xml version="1.0" encoding="utf-8"?>
 <p:sld xmlns:a="http://schemas.openxmlformats.org/drawingml/2006/main" xmlns:r="http://schemas.openxmlformats.org/officeDocument/2006/relationships" xmlns:p="http://schemas.openxmlformats.org/presentationml/2006/main">
   <p:cSld>
     <p:spTree>
@@ -6474,146 +6700,6 @@
     <p:extLst>
       <p:ext uri="{BB962C8B-B14F-4D97-AF65-F5344CB8AC3E}">
         <p14:creationId xmlns:p14="http://schemas.microsoft.com/office/powerpoint/2010/main" val="19356993"/>
-      </p:ext>
-    </p:extLst>
-  </p:cSld>
-  <p:clrMapOvr>
-    <a:masterClrMapping/>
-  </p:clrMapOvr>
-</p:sld>
-</file>
-
-<file path=ppt/slides/slide19.xml><?xml version="1.0" encoding="utf-8"?>
-<p:sld xmlns:a="http://schemas.openxmlformats.org/drawingml/2006/main" xmlns:r="http://schemas.openxmlformats.org/officeDocument/2006/relationships" xmlns:p="http://schemas.openxmlformats.org/presentationml/2006/main">
-  <p:cSld>
-    <p:spTree>
-      <p:nvGrpSpPr>
-        <p:cNvPr id="1" name=""/>
-        <p:cNvGrpSpPr/>
-        <p:nvPr/>
-      </p:nvGrpSpPr>
-      <p:grpSpPr>
-        <a:xfrm>
-          <a:off x="0" y="0"/>
-          <a:ext cx="0" cy="0"/>
-          <a:chOff x="0" y="0"/>
-          <a:chExt cx="0" cy="0"/>
-        </a:xfrm>
-      </p:grpSpPr>
-      <p:sp>
-        <p:nvSpPr>
-          <p:cNvPr id="7" name="Title 6">
-            <a:extLst>
-              <a:ext uri="{FF2B5EF4-FFF2-40B4-BE49-F238E27FC236}">
-                <a16:creationId xmlns:a16="http://schemas.microsoft.com/office/drawing/2014/main" id="{56C6F239-F5E8-6417-880B-0B56CE59D207}"/>
-              </a:ext>
-            </a:extLst>
-          </p:cNvPr>
-          <p:cNvSpPr>
-            <a:spLocks noGrp="1"/>
-          </p:cNvSpPr>
-          <p:nvPr>
-            <p:ph type="title"/>
-          </p:nvPr>
-        </p:nvSpPr>
-        <p:spPr/>
-        <p:txBody>
-          <a:bodyPr/>
-          <a:lstStyle/>
-          <a:p>
-            <a:r>
-              <a:rPr lang="en-US" dirty="0"/>
-              <a:t>Overloading Polymorphism</a:t>
-            </a:r>
-            <a:endParaRPr lang="en-AU" dirty="0"/>
-          </a:p>
-        </p:txBody>
-      </p:sp>
-      <p:sp>
-        <p:nvSpPr>
-          <p:cNvPr id="8" name="Content Placeholder 7">
-            <a:extLst>
-              <a:ext uri="{FF2B5EF4-FFF2-40B4-BE49-F238E27FC236}">
-                <a16:creationId xmlns:a16="http://schemas.microsoft.com/office/drawing/2014/main" id="{A8D1847C-4AD3-1D2C-43B8-828394D9FF0E}"/>
-              </a:ext>
-            </a:extLst>
-          </p:cNvPr>
-          <p:cNvSpPr>
-            <a:spLocks noGrp="1"/>
-          </p:cNvSpPr>
-          <p:nvPr>
-            <p:ph idx="1"/>
-          </p:nvPr>
-        </p:nvSpPr>
-        <p:spPr/>
-        <p:txBody>
-          <a:bodyPr>
-            <a:normAutofit fontScale="92500" lnSpcReduction="20000"/>
-          </a:bodyPr>
-          <a:lstStyle/>
-          <a:p>
-            <a:pPr marL="0" indent="0">
-              <a:buNone/>
-            </a:pPr>
-            <a:r>
-              <a:rPr lang="en-US" dirty="0"/>
-              <a:t>Overloading occurs when a child (subclass) and/or parent (superclass) have multiple methods with the same name but different parameters (number or type).</a:t>
-            </a:r>
-          </a:p>
-          <a:p>
-            <a:pPr marL="0" indent="0">
-              <a:buNone/>
-            </a:pPr>
-            <a:br>
-              <a:rPr lang="en-US" dirty="0"/>
-            </a:br>
-            <a:r>
-              <a:rPr lang="en-US" dirty="0"/>
-              <a:t>When you call the method, depending on the parameters passed, the corresponding method is executed.</a:t>
-            </a:r>
-          </a:p>
-          <a:p>
-            <a:pPr marL="0" indent="0">
-              <a:buNone/>
-            </a:pPr>
-            <a:br>
-              <a:rPr lang="en-US" dirty="0"/>
-            </a:br>
-            <a:r>
-              <a:rPr lang="en-US" dirty="0"/>
-              <a:t>Because Python is dynamically typed, it does not support overloaded polymorphism, as the last definition of a method overwrites any previous ones.</a:t>
-            </a:r>
-          </a:p>
-          <a:p>
-            <a:pPr marL="0" indent="0">
-              <a:buNone/>
-            </a:pPr>
-            <a:endParaRPr lang="en-US" dirty="0"/>
-          </a:p>
-          <a:p>
-            <a:pPr marL="0" indent="0">
-              <a:buNone/>
-            </a:pPr>
-            <a:r>
-              <a:rPr lang="en-US" dirty="0">
-                <a:hlinkClick r:id="rId2"/>
-              </a:rPr>
-              <a:t>https://github.com/TempeHS/MicroPython_OOP_Pi_Pico_Mini_Project_Source/blob/main/tutorials/Lecture2.md#overloading-polymorphism</a:t>
-            </a:r>
-            <a:endParaRPr lang="en-US" dirty="0"/>
-          </a:p>
-          <a:p>
-            <a:pPr marL="0" indent="0">
-              <a:buNone/>
-            </a:pPr>
-            <a:endParaRPr lang="en-AU" dirty="0"/>
-          </a:p>
-        </p:txBody>
-      </p:sp>
-    </p:spTree>
-    <p:extLst>
-      <p:ext uri="{BB962C8B-B14F-4D97-AF65-F5344CB8AC3E}">
-        <p14:creationId xmlns:p14="http://schemas.microsoft.com/office/powerpoint/2010/main" val="1175822862"/>
       </p:ext>
     </p:extLst>
   </p:cSld>
@@ -6935,6 +7021,146 @@
     <p:extLst>
       <p:ext uri="{BB962C8B-B14F-4D97-AF65-F5344CB8AC3E}">
         <p14:creationId xmlns:p14="http://schemas.microsoft.com/office/powerpoint/2010/main" val="137375155"/>
+      </p:ext>
+    </p:extLst>
+  </p:cSld>
+  <p:clrMapOvr>
+    <a:masterClrMapping/>
+  </p:clrMapOvr>
+</p:sld>
+</file>
+
+<file path=ppt/slides/slide20.xml><?xml version="1.0" encoding="utf-8"?>
+<p:sld xmlns:a="http://schemas.openxmlformats.org/drawingml/2006/main" xmlns:r="http://schemas.openxmlformats.org/officeDocument/2006/relationships" xmlns:p="http://schemas.openxmlformats.org/presentationml/2006/main">
+  <p:cSld>
+    <p:spTree>
+      <p:nvGrpSpPr>
+        <p:cNvPr id="1" name=""/>
+        <p:cNvGrpSpPr/>
+        <p:nvPr/>
+      </p:nvGrpSpPr>
+      <p:grpSpPr>
+        <a:xfrm>
+          <a:off x="0" y="0"/>
+          <a:ext cx="0" cy="0"/>
+          <a:chOff x="0" y="0"/>
+          <a:chExt cx="0" cy="0"/>
+        </a:xfrm>
+      </p:grpSpPr>
+      <p:sp>
+        <p:nvSpPr>
+          <p:cNvPr id="7" name="Title 6">
+            <a:extLst>
+              <a:ext uri="{FF2B5EF4-FFF2-40B4-BE49-F238E27FC236}">
+                <a16:creationId xmlns:a16="http://schemas.microsoft.com/office/drawing/2014/main" id="{56C6F239-F5E8-6417-880B-0B56CE59D207}"/>
+              </a:ext>
+            </a:extLst>
+          </p:cNvPr>
+          <p:cNvSpPr>
+            <a:spLocks noGrp="1"/>
+          </p:cNvSpPr>
+          <p:nvPr>
+            <p:ph type="title"/>
+          </p:nvPr>
+        </p:nvSpPr>
+        <p:spPr/>
+        <p:txBody>
+          <a:bodyPr/>
+          <a:lstStyle/>
+          <a:p>
+            <a:r>
+              <a:rPr lang="en-US" dirty="0"/>
+              <a:t>Overloading Polymorphism</a:t>
+            </a:r>
+            <a:endParaRPr lang="en-AU" dirty="0"/>
+          </a:p>
+        </p:txBody>
+      </p:sp>
+      <p:sp>
+        <p:nvSpPr>
+          <p:cNvPr id="8" name="Content Placeholder 7">
+            <a:extLst>
+              <a:ext uri="{FF2B5EF4-FFF2-40B4-BE49-F238E27FC236}">
+                <a16:creationId xmlns:a16="http://schemas.microsoft.com/office/drawing/2014/main" id="{A8D1847C-4AD3-1D2C-43B8-828394D9FF0E}"/>
+              </a:ext>
+            </a:extLst>
+          </p:cNvPr>
+          <p:cNvSpPr>
+            <a:spLocks noGrp="1"/>
+          </p:cNvSpPr>
+          <p:nvPr>
+            <p:ph idx="1"/>
+          </p:nvPr>
+        </p:nvSpPr>
+        <p:spPr/>
+        <p:txBody>
+          <a:bodyPr>
+            <a:normAutofit fontScale="92500" lnSpcReduction="20000"/>
+          </a:bodyPr>
+          <a:lstStyle/>
+          <a:p>
+            <a:pPr marL="0" indent="0">
+              <a:buNone/>
+            </a:pPr>
+            <a:r>
+              <a:rPr lang="en-US" dirty="0"/>
+              <a:t>Overloading occurs when a child (subclass) and/or parent (superclass) have multiple methods with the same name but different parameters (number or type).</a:t>
+            </a:r>
+          </a:p>
+          <a:p>
+            <a:pPr marL="0" indent="0">
+              <a:buNone/>
+            </a:pPr>
+            <a:br>
+              <a:rPr lang="en-US" dirty="0"/>
+            </a:br>
+            <a:r>
+              <a:rPr lang="en-US" dirty="0"/>
+              <a:t>When you call the method, depending on the parameters passed, the corresponding method is executed.</a:t>
+            </a:r>
+          </a:p>
+          <a:p>
+            <a:pPr marL="0" indent="0">
+              <a:buNone/>
+            </a:pPr>
+            <a:br>
+              <a:rPr lang="en-US" dirty="0"/>
+            </a:br>
+            <a:r>
+              <a:rPr lang="en-US" dirty="0"/>
+              <a:t>Because Python is dynamically typed, it does not support overloaded polymorphism, as the last definition of a method overwrites any previous ones.</a:t>
+            </a:r>
+          </a:p>
+          <a:p>
+            <a:pPr marL="0" indent="0">
+              <a:buNone/>
+            </a:pPr>
+            <a:endParaRPr lang="en-US" dirty="0"/>
+          </a:p>
+          <a:p>
+            <a:pPr marL="0" indent="0">
+              <a:buNone/>
+            </a:pPr>
+            <a:r>
+              <a:rPr lang="en-US" dirty="0">
+                <a:hlinkClick r:id="rId2"/>
+              </a:rPr>
+              <a:t>https://github.com/TempeHS/MicroPython_OOP_Pi_Pico_Mini_Project_Source/blob/main/tutorials/Lecture2.md#overloading-polymorphism</a:t>
+            </a:r>
+            <a:endParaRPr lang="en-US" dirty="0"/>
+          </a:p>
+          <a:p>
+            <a:pPr marL="0" indent="0">
+              <a:buNone/>
+            </a:pPr>
+            <a:endParaRPr lang="en-AU" dirty="0"/>
+          </a:p>
+        </p:txBody>
+      </p:sp>
+    </p:spTree>
+    <p:extLst>
+      <p:ext uri="{BB962C8B-B14F-4D97-AF65-F5344CB8AC3E}">
+        <p14:creationId xmlns:p14="http://schemas.microsoft.com/office/powerpoint/2010/main" val="1175822862"/>
       </p:ext>
     </p:extLst>
   </p:cSld>
